--- a/02.pptx
+++ b/02.pptx
@@ -16,10 +16,12 @@
     <p:sldId id="275" r:id="rId10"/>
     <p:sldId id="276" r:id="rId11"/>
     <p:sldId id="277" r:id="rId12"/>
-    <p:sldId id="278" r:id="rId13"/>
-    <p:sldId id="282" r:id="rId14"/>
-    <p:sldId id="279" r:id="rId15"/>
-    <p:sldId id="283" r:id="rId16"/>
+    <p:sldId id="284" r:id="rId13"/>
+    <p:sldId id="285" r:id="rId14"/>
+    <p:sldId id="278" r:id="rId15"/>
+    <p:sldId id="282" r:id="rId16"/>
+    <p:sldId id="279" r:id="rId17"/>
+    <p:sldId id="283" r:id="rId18"/>
   </p:sldIdLst>
   <p:sldSz cx="12192000" cy="6858000"/>
   <p:notesSz cx="6858000" cy="9144000"/>
@@ -211,7 +213,7 @@
           <a:p>
             <a:fld id="{AA93C23F-80D8-41F7-A602-5BAA4D96D6F7}" type="datetimeFigureOut">
               <a:rPr lang="ko-KR" altLang="en-US" smtClean="0"/>
-              <a:t>2019-12-21</a:t>
+              <a:t>2025-03-15</a:t>
             </a:fld>
             <a:endParaRPr lang="ko-KR" altLang="en-US"/>
           </a:p>
@@ -515,7 +517,7 @@
           <a:p>
             <a:fld id="{AA93C23F-80D8-41F7-A602-5BAA4D96D6F7}" type="datetimeFigureOut">
               <a:rPr lang="ko-KR" altLang="en-US" smtClean="0"/>
-              <a:t>2019-12-21</a:t>
+              <a:t>2025-03-15</a:t>
             </a:fld>
             <a:endParaRPr lang="ko-KR" altLang="en-US"/>
           </a:p>
@@ -693,7 +695,7 @@
           <a:p>
             <a:fld id="{AA93C23F-80D8-41F7-A602-5BAA4D96D6F7}" type="datetimeFigureOut">
               <a:rPr lang="ko-KR" altLang="en-US" smtClean="0"/>
-              <a:t>2019-12-21</a:t>
+              <a:t>2025-03-15</a:t>
             </a:fld>
             <a:endParaRPr lang="ko-KR" altLang="en-US"/>
           </a:p>
@@ -877,7 +879,7 @@
           <a:p>
             <a:fld id="{AA93C23F-80D8-41F7-A602-5BAA4D96D6F7}" type="datetimeFigureOut">
               <a:rPr lang="ko-KR" altLang="en-US" smtClean="0"/>
-              <a:t>2019-12-21</a:t>
+              <a:t>2025-03-15</a:t>
             </a:fld>
             <a:endParaRPr lang="ko-KR" altLang="en-US"/>
           </a:p>
@@ -1122,7 +1124,7 @@
           <a:p>
             <a:fld id="{AA93C23F-80D8-41F7-A602-5BAA4D96D6F7}" type="datetimeFigureOut">
               <a:rPr lang="ko-KR" altLang="en-US" smtClean="0"/>
-              <a:t>2019-12-21</a:t>
+              <a:t>2025-03-15</a:t>
             </a:fld>
             <a:endParaRPr lang="ko-KR" altLang="en-US"/>
           </a:p>
@@ -1351,7 +1353,7 @@
           <a:p>
             <a:fld id="{AA93C23F-80D8-41F7-A602-5BAA4D96D6F7}" type="datetimeFigureOut">
               <a:rPr lang="ko-KR" altLang="en-US" smtClean="0"/>
-              <a:t>2019-12-21</a:t>
+              <a:t>2025-03-15</a:t>
             </a:fld>
             <a:endParaRPr lang="ko-KR" altLang="en-US"/>
           </a:p>
@@ -1715,7 +1717,7 @@
           <a:p>
             <a:fld id="{AA93C23F-80D8-41F7-A602-5BAA4D96D6F7}" type="datetimeFigureOut">
               <a:rPr lang="ko-KR" altLang="en-US" smtClean="0"/>
-              <a:t>2019-12-21</a:t>
+              <a:t>2025-03-15</a:t>
             </a:fld>
             <a:endParaRPr lang="ko-KR" altLang="en-US"/>
           </a:p>
@@ -1837,7 +1839,7 @@
           <a:p>
             <a:fld id="{AA93C23F-80D8-41F7-A602-5BAA4D96D6F7}" type="datetimeFigureOut">
               <a:rPr lang="ko-KR" altLang="en-US" smtClean="0"/>
-              <a:t>2019-12-21</a:t>
+              <a:t>2025-03-15</a:t>
             </a:fld>
             <a:endParaRPr lang="ko-KR" altLang="en-US"/>
           </a:p>
@@ -1932,7 +1934,7 @@
           <a:p>
             <a:fld id="{AA93C23F-80D8-41F7-A602-5BAA4D96D6F7}" type="datetimeFigureOut">
               <a:rPr lang="ko-KR" altLang="en-US" smtClean="0"/>
-              <a:t>2019-12-21</a:t>
+              <a:t>2025-03-15</a:t>
             </a:fld>
             <a:endParaRPr lang="ko-KR" altLang="en-US"/>
           </a:p>
@@ -2207,7 +2209,7 @@
           <a:p>
             <a:fld id="{AA93C23F-80D8-41F7-A602-5BAA4D96D6F7}" type="datetimeFigureOut">
               <a:rPr lang="ko-KR" altLang="en-US" smtClean="0"/>
-              <a:t>2019-12-21</a:t>
+              <a:t>2025-03-15</a:t>
             </a:fld>
             <a:endParaRPr lang="ko-KR" altLang="en-US"/>
           </a:p>
@@ -2459,7 +2461,7 @@
           <a:p>
             <a:fld id="{AA93C23F-80D8-41F7-A602-5BAA4D96D6F7}" type="datetimeFigureOut">
               <a:rPr lang="ko-KR" altLang="en-US" smtClean="0"/>
-              <a:t>2019-12-21</a:t>
+              <a:t>2025-03-15</a:t>
             </a:fld>
             <a:endParaRPr lang="ko-KR" altLang="en-US"/>
           </a:p>
@@ -2638,7 +2640,7 @@
           <a:p>
             <a:fld id="{AA93C23F-80D8-41F7-A602-5BAA4D96D6F7}" type="datetimeFigureOut">
               <a:rPr lang="ko-KR" altLang="en-US" smtClean="0"/>
-              <a:t>2019-12-21</a:t>
+              <a:t>2025-03-15</a:t>
             </a:fld>
             <a:endParaRPr lang="ko-KR" altLang="en-US"/>
           </a:p>
@@ -6091,6 +6093,139 @@
           </a:prstGeom>
         </p:spPr>
       </p:pic>
+      <p:sp>
+        <p:nvSpPr>
+          <p:cNvPr id="12" name="TextBox 6">
+            <a:extLst>
+              <a:ext uri="{FF2B5EF4-FFF2-40B4-BE49-F238E27FC236}">
+                <a16:creationId xmlns:a16="http://schemas.microsoft.com/office/drawing/2014/main" id="{D2E220D0-306C-4704-949C-159E01E7B184}"/>
+              </a:ext>
+            </a:extLst>
+          </p:cNvPr>
+          <p:cNvSpPr txBox="1"/>
+          <p:nvPr/>
+        </p:nvSpPr>
+        <p:spPr>
+          <a:xfrm>
+            <a:off x="11445391" y="190598"/>
+            <a:ext cx="593432" cy="369332"/>
+          </a:xfrm>
+          <a:prstGeom prst="rect">
+            <a:avLst/>
+          </a:prstGeom>
+          <a:noFill/>
+        </p:spPr>
+        <p:txBody>
+          <a:bodyPr wrap="none" rtlCol="0">
+            <a:spAutoFit/>
+          </a:bodyPr>
+          <a:lstStyle>
+            <a:defPPr>
+              <a:defRPr lang="ko-KR"/>
+            </a:defPPr>
+            <a:lvl1pPr marL="0" algn="l" defTabSz="914400" rtl="0" eaLnBrk="1" latinLnBrk="1" hangingPunct="1">
+              <a:defRPr sz="1800" kern="1200">
+                <a:solidFill>
+                  <a:schemeClr val="tx1"/>
+                </a:solidFill>
+                <a:latin typeface="+mn-lt"/>
+                <a:ea typeface="+mn-ea"/>
+                <a:cs typeface="+mn-cs"/>
+              </a:defRPr>
+            </a:lvl1pPr>
+            <a:lvl2pPr marL="457200" algn="l" defTabSz="914400" rtl="0" eaLnBrk="1" latinLnBrk="1" hangingPunct="1">
+              <a:defRPr sz="1800" kern="1200">
+                <a:solidFill>
+                  <a:schemeClr val="tx1"/>
+                </a:solidFill>
+                <a:latin typeface="+mn-lt"/>
+                <a:ea typeface="+mn-ea"/>
+                <a:cs typeface="+mn-cs"/>
+              </a:defRPr>
+            </a:lvl2pPr>
+            <a:lvl3pPr marL="914400" algn="l" defTabSz="914400" rtl="0" eaLnBrk="1" latinLnBrk="1" hangingPunct="1">
+              <a:defRPr sz="1800" kern="1200">
+                <a:solidFill>
+                  <a:schemeClr val="tx1"/>
+                </a:solidFill>
+                <a:latin typeface="+mn-lt"/>
+                <a:ea typeface="+mn-ea"/>
+                <a:cs typeface="+mn-cs"/>
+              </a:defRPr>
+            </a:lvl3pPr>
+            <a:lvl4pPr marL="1371600" algn="l" defTabSz="914400" rtl="0" eaLnBrk="1" latinLnBrk="1" hangingPunct="1">
+              <a:defRPr sz="1800" kern="1200">
+                <a:solidFill>
+                  <a:schemeClr val="tx1"/>
+                </a:solidFill>
+                <a:latin typeface="+mn-lt"/>
+                <a:ea typeface="+mn-ea"/>
+                <a:cs typeface="+mn-cs"/>
+              </a:defRPr>
+            </a:lvl4pPr>
+            <a:lvl5pPr marL="1828800" algn="l" defTabSz="914400" rtl="0" eaLnBrk="1" latinLnBrk="1" hangingPunct="1">
+              <a:defRPr sz="1800" kern="1200">
+                <a:solidFill>
+                  <a:schemeClr val="tx1"/>
+                </a:solidFill>
+                <a:latin typeface="+mn-lt"/>
+                <a:ea typeface="+mn-ea"/>
+                <a:cs typeface="+mn-cs"/>
+              </a:defRPr>
+            </a:lvl5pPr>
+            <a:lvl6pPr marL="2286000" algn="l" defTabSz="914400" rtl="0" eaLnBrk="1" latinLnBrk="1" hangingPunct="1">
+              <a:defRPr sz="1800" kern="1200">
+                <a:solidFill>
+                  <a:schemeClr val="tx1"/>
+                </a:solidFill>
+                <a:latin typeface="+mn-lt"/>
+                <a:ea typeface="+mn-ea"/>
+                <a:cs typeface="+mn-cs"/>
+              </a:defRPr>
+            </a:lvl6pPr>
+            <a:lvl7pPr marL="2743200" algn="l" defTabSz="914400" rtl="0" eaLnBrk="1" latinLnBrk="1" hangingPunct="1">
+              <a:defRPr sz="1800" kern="1200">
+                <a:solidFill>
+                  <a:schemeClr val="tx1"/>
+                </a:solidFill>
+                <a:latin typeface="+mn-lt"/>
+                <a:ea typeface="+mn-ea"/>
+                <a:cs typeface="+mn-cs"/>
+              </a:defRPr>
+            </a:lvl7pPr>
+            <a:lvl8pPr marL="3200400" algn="l" defTabSz="914400" rtl="0" eaLnBrk="1" latinLnBrk="1" hangingPunct="1">
+              <a:defRPr sz="1800" kern="1200">
+                <a:solidFill>
+                  <a:schemeClr val="tx1"/>
+                </a:solidFill>
+                <a:latin typeface="+mn-lt"/>
+                <a:ea typeface="+mn-ea"/>
+                <a:cs typeface="+mn-cs"/>
+              </a:defRPr>
+            </a:lvl8pPr>
+            <a:lvl9pPr marL="3657600" algn="l" defTabSz="914400" rtl="0" eaLnBrk="1" latinLnBrk="1" hangingPunct="1">
+              <a:defRPr sz="1800" kern="1200">
+                <a:solidFill>
+                  <a:schemeClr val="tx1"/>
+                </a:solidFill>
+                <a:latin typeface="+mn-lt"/>
+                <a:ea typeface="+mn-ea"/>
+                <a:cs typeface="+mn-cs"/>
+              </a:defRPr>
+            </a:lvl9pPr>
+          </a:lstStyle>
+          <a:p>
+            <a:r>
+              <a:rPr lang="en-US" altLang="ko-KR" b="1" dirty="0">
+                <a:solidFill>
+                  <a:schemeClr val="bg1"/>
+                </a:solidFill>
+              </a:rPr>
+              <a:t>P78</a:t>
+            </a:r>
+          </a:p>
+        </p:txBody>
+      </p:sp>
     </p:spTree>
     <p:extLst>
       <p:ext uri="{BB962C8B-B14F-4D97-AF65-F5344CB8AC3E}">
@@ -7978,6 +8113,3829 @@
         </p:nvSpPr>
         <p:spPr>
           <a:xfrm>
+            <a:off x="505792" y="108152"/>
+            <a:ext cx="9091189" cy="667587"/>
+          </a:xfrm>
+        </p:spPr>
+        <p:txBody>
+          <a:bodyPr/>
+          <a:lstStyle/>
+          <a:p>
+            <a:r>
+              <a:rPr lang="ko-KR" altLang="en-US"/>
+              <a:t>표를 만드는 태그</a:t>
+            </a:r>
+          </a:p>
+        </p:txBody>
+      </p:sp>
+      <p:sp>
+        <p:nvSpPr>
+          <p:cNvPr id="7" name="TextBox 6"/>
+          <p:cNvSpPr txBox="1"/>
+          <p:nvPr/>
+        </p:nvSpPr>
+        <p:spPr>
+          <a:xfrm>
+            <a:off x="671119" y="1312752"/>
+            <a:ext cx="3149443" cy="369332"/>
+          </a:xfrm>
+          <a:prstGeom prst="rect">
+            <a:avLst/>
+          </a:prstGeom>
+          <a:noFill/>
+        </p:spPr>
+        <p:txBody>
+          <a:bodyPr wrap="square" rtlCol="0">
+            <a:spAutoFit/>
+          </a:bodyPr>
+          <a:lstStyle/>
+          <a:p>
+            <a:r>
+              <a:rPr lang="en-US" altLang="ko-KR" b="1"/>
+              <a:t>&lt;caption&gt; – </a:t>
+            </a:r>
+            <a:r>
+              <a:rPr lang="ko-KR" altLang="en-US" b="1"/>
+              <a:t>표</a:t>
+            </a:r>
+            <a:r>
+              <a:rPr lang="en-US" altLang="ko-KR" b="1"/>
+              <a:t> </a:t>
+            </a:r>
+            <a:r>
+              <a:rPr lang="ko-KR" altLang="en-US" b="1"/>
+              <a:t>제목</a:t>
+            </a:r>
+          </a:p>
+        </p:txBody>
+      </p:sp>
+      <p:sp>
+        <p:nvSpPr>
+          <p:cNvPr id="9" name="직사각형 8"/>
+          <p:cNvSpPr/>
+          <p:nvPr/>
+        </p:nvSpPr>
+        <p:spPr>
+          <a:xfrm>
+            <a:off x="818818" y="2370417"/>
+            <a:ext cx="6096000" cy="2246769"/>
+          </a:xfrm>
+          <a:prstGeom prst="rect">
+            <a:avLst/>
+          </a:prstGeom>
+        </p:spPr>
+        <p:txBody>
+          <a:bodyPr>
+            <a:spAutoFit/>
+          </a:bodyPr>
+          <a:lstStyle/>
+          <a:p>
+            <a:r>
+              <a:rPr lang="en-US" altLang="ko-KR" sz="1400">
+                <a:solidFill>
+                  <a:srgbClr val="0000FF"/>
+                </a:solidFill>
+                <a:highlight>
+                  <a:srgbClr val="FFFFFF"/>
+                </a:highlight>
+                <a:latin typeface="D2Coding" panose="020B0609020101020101" pitchFamily="49" charset="-127"/>
+                <a:ea typeface="D2Coding" panose="020B0609020101020101" pitchFamily="49" charset="-127"/>
+              </a:rPr>
+              <a:t>&lt;</a:t>
+            </a:r>
+            <a:r>
+              <a:rPr lang="en-US" altLang="ko-KR" sz="1400">
+                <a:solidFill>
+                  <a:srgbClr val="800000"/>
+                </a:solidFill>
+                <a:highlight>
+                  <a:srgbClr val="FFFFFF"/>
+                </a:highlight>
+                <a:latin typeface="D2Coding" panose="020B0609020101020101" pitchFamily="49" charset="-127"/>
+                <a:ea typeface="D2Coding" panose="020B0609020101020101" pitchFamily="49" charset="-127"/>
+              </a:rPr>
+              <a:t>table</a:t>
+            </a:r>
+            <a:r>
+              <a:rPr lang="en-US" altLang="ko-KR" sz="1400">
+                <a:solidFill>
+                  <a:srgbClr val="000000"/>
+                </a:solidFill>
+                <a:highlight>
+                  <a:srgbClr val="FFFFFF"/>
+                </a:highlight>
+                <a:latin typeface="D2Coding" panose="020B0609020101020101" pitchFamily="49" charset="-127"/>
+                <a:ea typeface="D2Coding" panose="020B0609020101020101" pitchFamily="49" charset="-127"/>
+              </a:rPr>
+              <a:t> </a:t>
+            </a:r>
+            <a:r>
+              <a:rPr lang="en-US" altLang="ko-KR" sz="1400">
+                <a:solidFill>
+                  <a:srgbClr val="FF0000"/>
+                </a:solidFill>
+                <a:highlight>
+                  <a:srgbClr val="FFFFFF"/>
+                </a:highlight>
+                <a:latin typeface="D2Coding" panose="020B0609020101020101" pitchFamily="49" charset="-127"/>
+                <a:ea typeface="D2Coding" panose="020B0609020101020101" pitchFamily="49" charset="-127"/>
+              </a:rPr>
+              <a:t>border</a:t>
+            </a:r>
+            <a:r>
+              <a:rPr lang="en-US" altLang="ko-KR" sz="1400">
+                <a:solidFill>
+                  <a:srgbClr val="0000FF"/>
+                </a:solidFill>
+                <a:highlight>
+                  <a:srgbClr val="FFFFFF"/>
+                </a:highlight>
+                <a:latin typeface="D2Coding" panose="020B0609020101020101" pitchFamily="49" charset="-127"/>
+                <a:ea typeface="D2Coding" panose="020B0609020101020101" pitchFamily="49" charset="-127"/>
+              </a:rPr>
+              <a:t>="1"&gt;</a:t>
+            </a:r>
+            <a:endParaRPr lang="en-US" altLang="ko-KR" sz="1400">
+              <a:solidFill>
+                <a:srgbClr val="000000"/>
+              </a:solidFill>
+              <a:highlight>
+                <a:srgbClr val="FFFFFF"/>
+              </a:highlight>
+              <a:latin typeface="D2Coding" panose="020B0609020101020101" pitchFamily="49" charset="-127"/>
+              <a:ea typeface="D2Coding" panose="020B0609020101020101" pitchFamily="49" charset="-127"/>
+            </a:endParaRPr>
+          </a:p>
+          <a:p>
+            <a:r>
+              <a:rPr lang="en-US" altLang="ko-KR" sz="1400">
+                <a:solidFill>
+                  <a:srgbClr val="0000FF"/>
+                </a:solidFill>
+                <a:highlight>
+                  <a:srgbClr val="FFFFFF"/>
+                </a:highlight>
+                <a:latin typeface="D2Coding" panose="020B0609020101020101" pitchFamily="49" charset="-127"/>
+                <a:ea typeface="D2Coding" panose="020B0609020101020101" pitchFamily="49" charset="-127"/>
+              </a:rPr>
+              <a:t>  &lt;</a:t>
+            </a:r>
+            <a:r>
+              <a:rPr lang="en-US" altLang="ko-KR" sz="1400">
+                <a:solidFill>
+                  <a:srgbClr val="800000"/>
+                </a:solidFill>
+                <a:highlight>
+                  <a:srgbClr val="FFFFFF"/>
+                </a:highlight>
+                <a:latin typeface="D2Coding" panose="020B0609020101020101" pitchFamily="49" charset="-127"/>
+                <a:ea typeface="D2Coding" panose="020B0609020101020101" pitchFamily="49" charset="-127"/>
+              </a:rPr>
+              <a:t>caption</a:t>
+            </a:r>
+            <a:r>
+              <a:rPr lang="en-US" altLang="ko-KR" sz="1400">
+                <a:solidFill>
+                  <a:srgbClr val="0000FF"/>
+                </a:solidFill>
+                <a:highlight>
+                  <a:srgbClr val="FFFFFF"/>
+                </a:highlight>
+                <a:latin typeface="D2Coding" panose="020B0609020101020101" pitchFamily="49" charset="-127"/>
+                <a:ea typeface="D2Coding" panose="020B0609020101020101" pitchFamily="49" charset="-127"/>
+              </a:rPr>
+              <a:t>&gt;</a:t>
+            </a:r>
+            <a:endParaRPr lang="en-US" altLang="ko-KR" sz="1400">
+              <a:solidFill>
+                <a:srgbClr val="000000"/>
+              </a:solidFill>
+              <a:highlight>
+                <a:srgbClr val="FFFFFF"/>
+              </a:highlight>
+              <a:latin typeface="D2Coding" panose="020B0609020101020101" pitchFamily="49" charset="-127"/>
+              <a:ea typeface="D2Coding" panose="020B0609020101020101" pitchFamily="49" charset="-127"/>
+            </a:endParaRPr>
+          </a:p>
+          <a:p>
+            <a:r>
+              <a:rPr lang="en-US" altLang="ko-KR" sz="1400">
+                <a:solidFill>
+                  <a:srgbClr val="0000FF"/>
+                </a:solidFill>
+                <a:highlight>
+                  <a:srgbClr val="FFFFFF"/>
+                </a:highlight>
+                <a:latin typeface="D2Coding" panose="020B0609020101020101" pitchFamily="49" charset="-127"/>
+                <a:ea typeface="D2Coding" panose="020B0609020101020101" pitchFamily="49" charset="-127"/>
+              </a:rPr>
+              <a:t>    &lt;</a:t>
+            </a:r>
+            <a:r>
+              <a:rPr lang="en-US" altLang="ko-KR" sz="1400">
+                <a:solidFill>
+                  <a:srgbClr val="800000"/>
+                </a:solidFill>
+                <a:highlight>
+                  <a:srgbClr val="FFFFFF"/>
+                </a:highlight>
+                <a:latin typeface="D2Coding" panose="020B0609020101020101" pitchFamily="49" charset="-127"/>
+                <a:ea typeface="D2Coding" panose="020B0609020101020101" pitchFamily="49" charset="-127"/>
+              </a:rPr>
+              <a:t>strong</a:t>
+            </a:r>
+            <a:r>
+              <a:rPr lang="en-US" altLang="ko-KR" sz="1400">
+                <a:solidFill>
+                  <a:srgbClr val="0000FF"/>
+                </a:solidFill>
+                <a:highlight>
+                  <a:srgbClr val="FFFFFF"/>
+                </a:highlight>
+                <a:latin typeface="D2Coding" panose="020B0609020101020101" pitchFamily="49" charset="-127"/>
+                <a:ea typeface="D2Coding" panose="020B0609020101020101" pitchFamily="49" charset="-127"/>
+              </a:rPr>
+              <a:t>&gt;</a:t>
+            </a:r>
+            <a:r>
+              <a:rPr lang="en-US" altLang="ko-KR" sz="1400">
+                <a:solidFill>
+                  <a:srgbClr val="000000"/>
+                </a:solidFill>
+                <a:highlight>
+                  <a:srgbClr val="FFFFFF"/>
+                </a:highlight>
+                <a:latin typeface="D2Coding" panose="020B0609020101020101" pitchFamily="49" charset="-127"/>
+                <a:ea typeface="D2Coding" panose="020B0609020101020101" pitchFamily="49" charset="-127"/>
+              </a:rPr>
+              <a:t>Modern Browser</a:t>
+            </a:r>
+            <a:r>
+              <a:rPr lang="en-US" altLang="ko-KR" sz="1400">
+                <a:solidFill>
+                  <a:srgbClr val="0000FF"/>
+                </a:solidFill>
+                <a:highlight>
+                  <a:srgbClr val="FFFFFF"/>
+                </a:highlight>
+                <a:latin typeface="D2Coding" panose="020B0609020101020101" pitchFamily="49" charset="-127"/>
+                <a:ea typeface="D2Coding" panose="020B0609020101020101" pitchFamily="49" charset="-127"/>
+              </a:rPr>
+              <a:t>&lt;/</a:t>
+            </a:r>
+            <a:r>
+              <a:rPr lang="en-US" altLang="ko-KR" sz="1400">
+                <a:solidFill>
+                  <a:srgbClr val="800000"/>
+                </a:solidFill>
+                <a:highlight>
+                  <a:srgbClr val="FFFFFF"/>
+                </a:highlight>
+                <a:latin typeface="D2Coding" panose="020B0609020101020101" pitchFamily="49" charset="-127"/>
+                <a:ea typeface="D2Coding" panose="020B0609020101020101" pitchFamily="49" charset="-127"/>
+              </a:rPr>
+              <a:t>strong</a:t>
+            </a:r>
+            <a:r>
+              <a:rPr lang="en-US" altLang="ko-KR" sz="1400">
+                <a:solidFill>
+                  <a:srgbClr val="0000FF"/>
+                </a:solidFill>
+                <a:highlight>
+                  <a:srgbClr val="FFFFFF"/>
+                </a:highlight>
+                <a:latin typeface="D2Coding" panose="020B0609020101020101" pitchFamily="49" charset="-127"/>
+                <a:ea typeface="D2Coding" panose="020B0609020101020101" pitchFamily="49" charset="-127"/>
+              </a:rPr>
+              <a:t>&gt;</a:t>
+            </a:r>
+            <a:endParaRPr lang="en-US" altLang="ko-KR" sz="1400">
+              <a:solidFill>
+                <a:srgbClr val="000000"/>
+              </a:solidFill>
+              <a:highlight>
+                <a:srgbClr val="FFFFFF"/>
+              </a:highlight>
+              <a:latin typeface="D2Coding" panose="020B0609020101020101" pitchFamily="49" charset="-127"/>
+              <a:ea typeface="D2Coding" panose="020B0609020101020101" pitchFamily="49" charset="-127"/>
+            </a:endParaRPr>
+          </a:p>
+          <a:p>
+            <a:r>
+              <a:rPr lang="en-US" altLang="ko-KR" sz="1400">
+                <a:solidFill>
+                  <a:srgbClr val="0000FF"/>
+                </a:solidFill>
+                <a:highlight>
+                  <a:srgbClr val="FFFFFF"/>
+                </a:highlight>
+                <a:latin typeface="D2Coding" panose="020B0609020101020101" pitchFamily="49" charset="-127"/>
+                <a:ea typeface="D2Coding" panose="020B0609020101020101" pitchFamily="49" charset="-127"/>
+              </a:rPr>
+              <a:t>    &lt;</a:t>
+            </a:r>
+            <a:r>
+              <a:rPr lang="en-US" altLang="ko-KR" sz="1400">
+                <a:solidFill>
+                  <a:srgbClr val="800000"/>
+                </a:solidFill>
+                <a:highlight>
+                  <a:srgbClr val="FFFFFF"/>
+                </a:highlight>
+                <a:latin typeface="D2Coding" panose="020B0609020101020101" pitchFamily="49" charset="-127"/>
+                <a:ea typeface="D2Coding" panose="020B0609020101020101" pitchFamily="49" charset="-127"/>
+              </a:rPr>
+              <a:t>p</a:t>
+            </a:r>
+            <a:r>
+              <a:rPr lang="en-US" altLang="ko-KR" sz="1400">
+                <a:solidFill>
+                  <a:srgbClr val="0000FF"/>
+                </a:solidFill>
+                <a:highlight>
+                  <a:srgbClr val="FFFFFF"/>
+                </a:highlight>
+                <a:latin typeface="D2Coding" panose="020B0609020101020101" pitchFamily="49" charset="-127"/>
+                <a:ea typeface="D2Coding" panose="020B0609020101020101" pitchFamily="49" charset="-127"/>
+              </a:rPr>
+              <a:t>&gt;</a:t>
+            </a:r>
+            <a:r>
+              <a:rPr lang="ko-KR" altLang="en-US" sz="1400">
+                <a:solidFill>
+                  <a:srgbClr val="000000"/>
+                </a:solidFill>
+                <a:highlight>
+                  <a:srgbClr val="FFFFFF"/>
+                </a:highlight>
+                <a:latin typeface="D2Coding" panose="020B0609020101020101" pitchFamily="49" charset="-127"/>
+                <a:ea typeface="D2Coding" panose="020B0609020101020101" pitchFamily="49" charset="-127"/>
+              </a:rPr>
+              <a:t>국내에서 자주 사용하는 모던 브라우저</a:t>
+            </a:r>
+            <a:r>
+              <a:rPr lang="en-US" altLang="ko-KR" sz="1400">
+                <a:solidFill>
+                  <a:srgbClr val="0000FF"/>
+                </a:solidFill>
+                <a:highlight>
+                  <a:srgbClr val="FFFFFF"/>
+                </a:highlight>
+                <a:latin typeface="D2Coding" panose="020B0609020101020101" pitchFamily="49" charset="-127"/>
+                <a:ea typeface="D2Coding" panose="020B0609020101020101" pitchFamily="49" charset="-127"/>
+              </a:rPr>
+              <a:t>&lt;/</a:t>
+            </a:r>
+            <a:r>
+              <a:rPr lang="en-US" altLang="ko-KR" sz="1400">
+                <a:solidFill>
+                  <a:srgbClr val="800000"/>
+                </a:solidFill>
+                <a:highlight>
+                  <a:srgbClr val="FFFFFF"/>
+                </a:highlight>
+                <a:latin typeface="D2Coding" panose="020B0609020101020101" pitchFamily="49" charset="-127"/>
+                <a:ea typeface="D2Coding" panose="020B0609020101020101" pitchFamily="49" charset="-127"/>
+              </a:rPr>
+              <a:t>p</a:t>
+            </a:r>
+            <a:r>
+              <a:rPr lang="en-US" altLang="ko-KR" sz="1400">
+                <a:solidFill>
+                  <a:srgbClr val="0000FF"/>
+                </a:solidFill>
+                <a:highlight>
+                  <a:srgbClr val="FFFFFF"/>
+                </a:highlight>
+                <a:latin typeface="D2Coding" panose="020B0609020101020101" pitchFamily="49" charset="-127"/>
+                <a:ea typeface="D2Coding" panose="020B0609020101020101" pitchFamily="49" charset="-127"/>
+              </a:rPr>
+              <a:t>&gt;</a:t>
+            </a:r>
+            <a:endParaRPr lang="ko-KR" altLang="en-US" sz="1400">
+              <a:solidFill>
+                <a:srgbClr val="000000"/>
+              </a:solidFill>
+              <a:highlight>
+                <a:srgbClr val="FFFFFF"/>
+              </a:highlight>
+              <a:latin typeface="D2Coding" panose="020B0609020101020101" pitchFamily="49" charset="-127"/>
+              <a:ea typeface="D2Coding" panose="020B0609020101020101" pitchFamily="49" charset="-127"/>
+            </a:endParaRPr>
+          </a:p>
+          <a:p>
+            <a:r>
+              <a:rPr lang="en-US" altLang="ko-KR" sz="1400">
+                <a:solidFill>
+                  <a:srgbClr val="0000FF"/>
+                </a:solidFill>
+                <a:highlight>
+                  <a:srgbClr val="FFFFFF"/>
+                </a:highlight>
+                <a:latin typeface="D2Coding" panose="020B0609020101020101" pitchFamily="49" charset="-127"/>
+                <a:ea typeface="D2Coding" panose="020B0609020101020101" pitchFamily="49" charset="-127"/>
+              </a:rPr>
+              <a:t>  &lt;/</a:t>
+            </a:r>
+            <a:r>
+              <a:rPr lang="en-US" altLang="ko-KR" sz="1400">
+                <a:solidFill>
+                  <a:srgbClr val="800000"/>
+                </a:solidFill>
+                <a:highlight>
+                  <a:srgbClr val="FFFFFF"/>
+                </a:highlight>
+                <a:latin typeface="D2Coding" panose="020B0609020101020101" pitchFamily="49" charset="-127"/>
+                <a:ea typeface="D2Coding" panose="020B0609020101020101" pitchFamily="49" charset="-127"/>
+              </a:rPr>
+              <a:t>caption</a:t>
+            </a:r>
+            <a:r>
+              <a:rPr lang="en-US" altLang="ko-KR" sz="1400">
+                <a:solidFill>
+                  <a:srgbClr val="0000FF"/>
+                </a:solidFill>
+                <a:highlight>
+                  <a:srgbClr val="FFFFFF"/>
+                </a:highlight>
+                <a:latin typeface="D2Coding" panose="020B0609020101020101" pitchFamily="49" charset="-127"/>
+                <a:ea typeface="D2Coding" panose="020B0609020101020101" pitchFamily="49" charset="-127"/>
+              </a:rPr>
+              <a:t>&gt;</a:t>
+            </a:r>
+            <a:endParaRPr lang="en-US" altLang="ko-KR" sz="1400">
+              <a:solidFill>
+                <a:srgbClr val="000000"/>
+              </a:solidFill>
+              <a:highlight>
+                <a:srgbClr val="FFFFFF"/>
+              </a:highlight>
+              <a:latin typeface="D2Coding" panose="020B0609020101020101" pitchFamily="49" charset="-127"/>
+              <a:ea typeface="D2Coding" panose="020B0609020101020101" pitchFamily="49" charset="-127"/>
+            </a:endParaRPr>
+          </a:p>
+          <a:p>
+            <a:r>
+              <a:rPr lang="en-US" altLang="ko-KR" sz="1400">
+                <a:solidFill>
+                  <a:srgbClr val="0000FF"/>
+                </a:solidFill>
+                <a:highlight>
+                  <a:srgbClr val="FFFFFF"/>
+                </a:highlight>
+                <a:latin typeface="D2Coding" panose="020B0609020101020101" pitchFamily="49" charset="-127"/>
+                <a:ea typeface="D2Coding" panose="020B0609020101020101" pitchFamily="49" charset="-127"/>
+              </a:rPr>
+              <a:t>  &lt;</a:t>
+            </a:r>
+            <a:r>
+              <a:rPr lang="en-US" altLang="ko-KR" sz="1400">
+                <a:solidFill>
+                  <a:srgbClr val="800000"/>
+                </a:solidFill>
+                <a:highlight>
+                  <a:srgbClr val="FFFFFF"/>
+                </a:highlight>
+                <a:latin typeface="D2Coding" panose="020B0609020101020101" pitchFamily="49" charset="-127"/>
+                <a:ea typeface="D2Coding" panose="020B0609020101020101" pitchFamily="49" charset="-127"/>
+              </a:rPr>
+              <a:t>tr</a:t>
+            </a:r>
+            <a:r>
+              <a:rPr lang="en-US" altLang="ko-KR" sz="1400">
+                <a:solidFill>
+                  <a:srgbClr val="0000FF"/>
+                </a:solidFill>
+                <a:highlight>
+                  <a:srgbClr val="FFFFFF"/>
+                </a:highlight>
+                <a:latin typeface="D2Coding" panose="020B0609020101020101" pitchFamily="49" charset="-127"/>
+                <a:ea typeface="D2Coding" panose="020B0609020101020101" pitchFamily="49" charset="-127"/>
+              </a:rPr>
+              <a:t>&gt; …… &lt;/</a:t>
+            </a:r>
+            <a:r>
+              <a:rPr lang="en-US" altLang="ko-KR" sz="1400">
+                <a:solidFill>
+                  <a:srgbClr val="800000"/>
+                </a:solidFill>
+                <a:highlight>
+                  <a:srgbClr val="FFFFFF"/>
+                </a:highlight>
+                <a:latin typeface="D2Coding" panose="020B0609020101020101" pitchFamily="49" charset="-127"/>
+                <a:ea typeface="D2Coding" panose="020B0609020101020101" pitchFamily="49" charset="-127"/>
+              </a:rPr>
+              <a:t>tr</a:t>
+            </a:r>
+            <a:r>
+              <a:rPr lang="en-US" altLang="ko-KR" sz="1400">
+                <a:solidFill>
+                  <a:srgbClr val="0000FF"/>
+                </a:solidFill>
+                <a:highlight>
+                  <a:srgbClr val="FFFFFF"/>
+                </a:highlight>
+                <a:latin typeface="D2Coding" panose="020B0609020101020101" pitchFamily="49" charset="-127"/>
+                <a:ea typeface="D2Coding" panose="020B0609020101020101" pitchFamily="49" charset="-127"/>
+              </a:rPr>
+              <a:t>&gt;</a:t>
+            </a:r>
+          </a:p>
+          <a:p>
+            <a:r>
+              <a:rPr lang="en-US" altLang="ko-KR" sz="1400">
+                <a:solidFill>
+                  <a:srgbClr val="0000FF"/>
+                </a:solidFill>
+                <a:highlight>
+                  <a:srgbClr val="FFFFFF"/>
+                </a:highlight>
+                <a:latin typeface="D2Coding" panose="020B0609020101020101" pitchFamily="49" charset="-127"/>
+                <a:ea typeface="D2Coding" panose="020B0609020101020101" pitchFamily="49" charset="-127"/>
+              </a:rPr>
+              <a:t>  &lt;</a:t>
+            </a:r>
+            <a:r>
+              <a:rPr lang="en-US" altLang="ko-KR" sz="1400">
+                <a:solidFill>
+                  <a:srgbClr val="800000"/>
+                </a:solidFill>
+                <a:highlight>
+                  <a:srgbClr val="FFFFFF"/>
+                </a:highlight>
+                <a:latin typeface="D2Coding" panose="020B0609020101020101" pitchFamily="49" charset="-127"/>
+                <a:ea typeface="D2Coding" panose="020B0609020101020101" pitchFamily="49" charset="-127"/>
+              </a:rPr>
+              <a:t>tr</a:t>
+            </a:r>
+            <a:r>
+              <a:rPr lang="en-US" altLang="ko-KR" sz="1400">
+                <a:solidFill>
+                  <a:srgbClr val="0000FF"/>
+                </a:solidFill>
+                <a:highlight>
+                  <a:srgbClr val="FFFFFF"/>
+                </a:highlight>
+                <a:latin typeface="D2Coding" panose="020B0609020101020101" pitchFamily="49" charset="-127"/>
+                <a:ea typeface="D2Coding" panose="020B0609020101020101" pitchFamily="49" charset="-127"/>
+              </a:rPr>
+              <a:t>&gt; …… &lt;/</a:t>
+            </a:r>
+            <a:r>
+              <a:rPr lang="en-US" altLang="ko-KR" sz="1400">
+                <a:solidFill>
+                  <a:srgbClr val="800000"/>
+                </a:solidFill>
+                <a:highlight>
+                  <a:srgbClr val="FFFFFF"/>
+                </a:highlight>
+                <a:latin typeface="D2Coding" panose="020B0609020101020101" pitchFamily="49" charset="-127"/>
+                <a:ea typeface="D2Coding" panose="020B0609020101020101" pitchFamily="49" charset="-127"/>
+              </a:rPr>
+              <a:t>tr</a:t>
+            </a:r>
+            <a:r>
+              <a:rPr lang="en-US" altLang="ko-KR" sz="1400">
+                <a:solidFill>
+                  <a:srgbClr val="0000FF"/>
+                </a:solidFill>
+                <a:highlight>
+                  <a:srgbClr val="FFFFFF"/>
+                </a:highlight>
+                <a:latin typeface="D2Coding" panose="020B0609020101020101" pitchFamily="49" charset="-127"/>
+                <a:ea typeface="D2Coding" panose="020B0609020101020101" pitchFamily="49" charset="-127"/>
+              </a:rPr>
+              <a:t>&gt;</a:t>
+            </a:r>
+          </a:p>
+          <a:p>
+            <a:r>
+              <a:rPr lang="en-US" altLang="ko-KR" sz="1400">
+                <a:solidFill>
+                  <a:srgbClr val="0000FF"/>
+                </a:solidFill>
+                <a:highlight>
+                  <a:srgbClr val="FFFFFF"/>
+                </a:highlight>
+                <a:latin typeface="D2Coding" panose="020B0609020101020101" pitchFamily="49" charset="-127"/>
+                <a:ea typeface="D2Coding" panose="020B0609020101020101" pitchFamily="49" charset="-127"/>
+              </a:rPr>
+              <a:t>  &lt;</a:t>
+            </a:r>
+            <a:r>
+              <a:rPr lang="en-US" altLang="ko-KR" sz="1400">
+                <a:solidFill>
+                  <a:srgbClr val="800000"/>
+                </a:solidFill>
+                <a:highlight>
+                  <a:srgbClr val="FFFFFF"/>
+                </a:highlight>
+                <a:latin typeface="D2Coding" panose="020B0609020101020101" pitchFamily="49" charset="-127"/>
+                <a:ea typeface="D2Coding" panose="020B0609020101020101" pitchFamily="49" charset="-127"/>
+              </a:rPr>
+              <a:t>tr</a:t>
+            </a:r>
+            <a:r>
+              <a:rPr lang="en-US" altLang="ko-KR" sz="1400">
+                <a:solidFill>
+                  <a:srgbClr val="0000FF"/>
+                </a:solidFill>
+                <a:highlight>
+                  <a:srgbClr val="FFFFFF"/>
+                </a:highlight>
+                <a:latin typeface="D2Coding" panose="020B0609020101020101" pitchFamily="49" charset="-127"/>
+                <a:ea typeface="D2Coding" panose="020B0609020101020101" pitchFamily="49" charset="-127"/>
+              </a:rPr>
+              <a:t>&gt; …… &lt;/</a:t>
+            </a:r>
+            <a:r>
+              <a:rPr lang="en-US" altLang="ko-KR" sz="1400">
+                <a:solidFill>
+                  <a:srgbClr val="800000"/>
+                </a:solidFill>
+                <a:highlight>
+                  <a:srgbClr val="FFFFFF"/>
+                </a:highlight>
+                <a:latin typeface="D2Coding" panose="020B0609020101020101" pitchFamily="49" charset="-127"/>
+                <a:ea typeface="D2Coding" panose="020B0609020101020101" pitchFamily="49" charset="-127"/>
+              </a:rPr>
+              <a:t>tr</a:t>
+            </a:r>
+            <a:r>
+              <a:rPr lang="en-US" altLang="ko-KR" sz="1400">
+                <a:solidFill>
+                  <a:srgbClr val="0000FF"/>
+                </a:solidFill>
+                <a:highlight>
+                  <a:srgbClr val="FFFFFF"/>
+                </a:highlight>
+                <a:latin typeface="D2Coding" panose="020B0609020101020101" pitchFamily="49" charset="-127"/>
+                <a:ea typeface="D2Coding" panose="020B0609020101020101" pitchFamily="49" charset="-127"/>
+              </a:rPr>
+              <a:t>&gt;</a:t>
+            </a:r>
+          </a:p>
+          <a:p>
+            <a:r>
+              <a:rPr lang="en-US" altLang="ko-KR" sz="1400">
+                <a:solidFill>
+                  <a:srgbClr val="0000FF"/>
+                </a:solidFill>
+                <a:highlight>
+                  <a:srgbClr val="FFFFFF"/>
+                </a:highlight>
+                <a:latin typeface="D2Coding" panose="020B0609020101020101" pitchFamily="49" charset="-127"/>
+                <a:ea typeface="D2Coding" panose="020B0609020101020101" pitchFamily="49" charset="-127"/>
+              </a:rPr>
+              <a:t>  &lt;</a:t>
+            </a:r>
+            <a:r>
+              <a:rPr lang="en-US" altLang="ko-KR" sz="1400">
+                <a:solidFill>
+                  <a:srgbClr val="800000"/>
+                </a:solidFill>
+                <a:highlight>
+                  <a:srgbClr val="FFFFFF"/>
+                </a:highlight>
+                <a:latin typeface="D2Coding" panose="020B0609020101020101" pitchFamily="49" charset="-127"/>
+                <a:ea typeface="D2Coding" panose="020B0609020101020101" pitchFamily="49" charset="-127"/>
+              </a:rPr>
+              <a:t>tr</a:t>
+            </a:r>
+            <a:r>
+              <a:rPr lang="en-US" altLang="ko-KR" sz="1400">
+                <a:solidFill>
+                  <a:srgbClr val="0000FF"/>
+                </a:solidFill>
+                <a:highlight>
+                  <a:srgbClr val="FFFFFF"/>
+                </a:highlight>
+                <a:latin typeface="D2Coding" panose="020B0609020101020101" pitchFamily="49" charset="-127"/>
+                <a:ea typeface="D2Coding" panose="020B0609020101020101" pitchFamily="49" charset="-127"/>
+              </a:rPr>
+              <a:t>&gt; …… &lt;/</a:t>
+            </a:r>
+            <a:r>
+              <a:rPr lang="en-US" altLang="ko-KR" sz="1400">
+                <a:solidFill>
+                  <a:srgbClr val="800000"/>
+                </a:solidFill>
+                <a:highlight>
+                  <a:srgbClr val="FFFFFF"/>
+                </a:highlight>
+                <a:latin typeface="D2Coding" panose="020B0609020101020101" pitchFamily="49" charset="-127"/>
+                <a:ea typeface="D2Coding" panose="020B0609020101020101" pitchFamily="49" charset="-127"/>
+              </a:rPr>
+              <a:t>tr</a:t>
+            </a:r>
+            <a:r>
+              <a:rPr lang="en-US" altLang="ko-KR" sz="1400">
+                <a:solidFill>
+                  <a:srgbClr val="0000FF"/>
+                </a:solidFill>
+                <a:highlight>
+                  <a:srgbClr val="FFFFFF"/>
+                </a:highlight>
+                <a:latin typeface="D2Coding" panose="020B0609020101020101" pitchFamily="49" charset="-127"/>
+                <a:ea typeface="D2Coding" panose="020B0609020101020101" pitchFamily="49" charset="-127"/>
+              </a:rPr>
+              <a:t>&gt;</a:t>
+            </a:r>
+          </a:p>
+          <a:p>
+            <a:r>
+              <a:rPr lang="en-US" altLang="ko-KR" sz="1400">
+                <a:solidFill>
+                  <a:srgbClr val="0000FF"/>
+                </a:solidFill>
+                <a:highlight>
+                  <a:srgbClr val="FFFFFF"/>
+                </a:highlight>
+                <a:latin typeface="D2Coding" panose="020B0609020101020101" pitchFamily="49" charset="-127"/>
+                <a:ea typeface="D2Coding" panose="020B0609020101020101" pitchFamily="49" charset="-127"/>
+              </a:rPr>
+              <a:t>&lt;/</a:t>
+            </a:r>
+            <a:r>
+              <a:rPr lang="en-US" altLang="ko-KR" sz="1400">
+                <a:solidFill>
+                  <a:srgbClr val="800000"/>
+                </a:solidFill>
+                <a:highlight>
+                  <a:srgbClr val="FFFFFF"/>
+                </a:highlight>
+                <a:latin typeface="D2Coding" panose="020B0609020101020101" pitchFamily="49" charset="-127"/>
+                <a:ea typeface="D2Coding" panose="020B0609020101020101" pitchFamily="49" charset="-127"/>
+              </a:rPr>
+              <a:t>table</a:t>
+            </a:r>
+            <a:r>
+              <a:rPr lang="en-US" altLang="ko-KR" sz="1400">
+                <a:solidFill>
+                  <a:srgbClr val="0000FF"/>
+                </a:solidFill>
+                <a:highlight>
+                  <a:srgbClr val="FFFFFF"/>
+                </a:highlight>
+                <a:latin typeface="D2Coding" panose="020B0609020101020101" pitchFamily="49" charset="-127"/>
+                <a:ea typeface="D2Coding" panose="020B0609020101020101" pitchFamily="49" charset="-127"/>
+              </a:rPr>
+              <a:t>&gt;</a:t>
+            </a:r>
+            <a:endParaRPr lang="ko-KR" altLang="en-US" sz="1400"/>
+          </a:p>
+        </p:txBody>
+      </p:sp>
+      <p:pic>
+        <p:nvPicPr>
+          <p:cNvPr id="10" name="그림 9"/>
+          <p:cNvPicPr>
+            <a:picLocks noChangeAspect="1"/>
+          </p:cNvPicPr>
+          <p:nvPr/>
+        </p:nvPicPr>
+        <p:blipFill>
+          <a:blip r:embed="rId2"/>
+          <a:stretch>
+            <a:fillRect/>
+          </a:stretch>
+        </p:blipFill>
+        <p:spPr>
+          <a:xfrm>
+            <a:off x="966788" y="4617186"/>
+            <a:ext cx="4254182" cy="1452026"/>
+          </a:xfrm>
+          <a:prstGeom prst="rect">
+            <a:avLst/>
+          </a:prstGeom>
+        </p:spPr>
+      </p:pic>
+      <p:sp>
+        <p:nvSpPr>
+          <p:cNvPr id="19" name="TextBox 18"/>
+          <p:cNvSpPr txBox="1"/>
+          <p:nvPr/>
+        </p:nvSpPr>
+        <p:spPr>
+          <a:xfrm>
+            <a:off x="6429123" y="1312752"/>
+            <a:ext cx="4100057" cy="369332"/>
+          </a:xfrm>
+          <a:prstGeom prst="rect">
+            <a:avLst/>
+          </a:prstGeom>
+          <a:noFill/>
+        </p:spPr>
+        <p:txBody>
+          <a:bodyPr wrap="square" rtlCol="0">
+            <a:spAutoFit/>
+          </a:bodyPr>
+          <a:lstStyle/>
+          <a:p>
+            <a:r>
+              <a:rPr lang="en-US" altLang="ko-KR" b="1"/>
+              <a:t>&lt;figure&gt;, &lt;figcaption&gt; – </a:t>
+            </a:r>
+            <a:r>
+              <a:rPr lang="ko-KR" altLang="en-US" b="1"/>
+              <a:t>표</a:t>
+            </a:r>
+            <a:r>
+              <a:rPr lang="en-US" altLang="ko-KR" b="1"/>
+              <a:t> </a:t>
+            </a:r>
+            <a:r>
+              <a:rPr lang="ko-KR" altLang="en-US" b="1"/>
+              <a:t>제목</a:t>
+            </a:r>
+          </a:p>
+        </p:txBody>
+      </p:sp>
+      <p:sp>
+        <p:nvSpPr>
+          <p:cNvPr id="11" name="직사각형 10"/>
+          <p:cNvSpPr/>
+          <p:nvPr/>
+        </p:nvSpPr>
+        <p:spPr>
+          <a:xfrm>
+            <a:off x="6429123" y="2370417"/>
+            <a:ext cx="5295115" cy="2462213"/>
+          </a:xfrm>
+          <a:prstGeom prst="rect">
+            <a:avLst/>
+          </a:prstGeom>
+        </p:spPr>
+        <p:txBody>
+          <a:bodyPr wrap="square">
+            <a:spAutoFit/>
+          </a:bodyPr>
+          <a:lstStyle/>
+          <a:p>
+            <a:r>
+              <a:rPr lang="en-US" altLang="ko-KR" sz="1400">
+                <a:solidFill>
+                  <a:srgbClr val="0000FF"/>
+                </a:solidFill>
+                <a:highlight>
+                  <a:srgbClr val="FFFFFF"/>
+                </a:highlight>
+                <a:latin typeface="D2Coding" panose="020B0609020101020101" pitchFamily="49" charset="-127"/>
+                <a:ea typeface="D2Coding" panose="020B0609020101020101" pitchFamily="49" charset="-127"/>
+              </a:rPr>
+              <a:t>&lt;</a:t>
+            </a:r>
+            <a:r>
+              <a:rPr lang="en-US" altLang="ko-KR" sz="1400">
+                <a:solidFill>
+                  <a:srgbClr val="800000"/>
+                </a:solidFill>
+                <a:highlight>
+                  <a:srgbClr val="FFFFFF"/>
+                </a:highlight>
+                <a:latin typeface="D2Coding" panose="020B0609020101020101" pitchFamily="49" charset="-127"/>
+                <a:ea typeface="D2Coding" panose="020B0609020101020101" pitchFamily="49" charset="-127"/>
+              </a:rPr>
+              <a:t>figure</a:t>
+            </a:r>
+            <a:r>
+              <a:rPr lang="en-US" altLang="ko-KR" sz="1400">
+                <a:solidFill>
+                  <a:srgbClr val="0000FF"/>
+                </a:solidFill>
+                <a:highlight>
+                  <a:srgbClr val="FFFFFF"/>
+                </a:highlight>
+                <a:latin typeface="D2Coding" panose="020B0609020101020101" pitchFamily="49" charset="-127"/>
+                <a:ea typeface="D2Coding" panose="020B0609020101020101" pitchFamily="49" charset="-127"/>
+              </a:rPr>
+              <a:t>&gt;</a:t>
+            </a:r>
+            <a:endParaRPr lang="en-US" altLang="ko-KR" sz="1400">
+              <a:solidFill>
+                <a:srgbClr val="000000"/>
+              </a:solidFill>
+              <a:highlight>
+                <a:srgbClr val="FFFFFF"/>
+              </a:highlight>
+              <a:latin typeface="D2Coding" panose="020B0609020101020101" pitchFamily="49" charset="-127"/>
+              <a:ea typeface="D2Coding" panose="020B0609020101020101" pitchFamily="49" charset="-127"/>
+            </a:endParaRPr>
+          </a:p>
+          <a:p>
+            <a:r>
+              <a:rPr lang="en-US" altLang="ko-KR" sz="1400">
+                <a:solidFill>
+                  <a:srgbClr val="0000FF"/>
+                </a:solidFill>
+                <a:highlight>
+                  <a:srgbClr val="FFFFFF"/>
+                </a:highlight>
+                <a:latin typeface="D2Coding" panose="020B0609020101020101" pitchFamily="49" charset="-127"/>
+                <a:ea typeface="D2Coding" panose="020B0609020101020101" pitchFamily="49" charset="-127"/>
+              </a:rPr>
+              <a:t>  &lt;</a:t>
+            </a:r>
+            <a:r>
+              <a:rPr lang="en-US" altLang="ko-KR" sz="1400">
+                <a:solidFill>
+                  <a:srgbClr val="800000"/>
+                </a:solidFill>
+                <a:highlight>
+                  <a:srgbClr val="FFFFFF"/>
+                </a:highlight>
+                <a:latin typeface="D2Coding" panose="020B0609020101020101" pitchFamily="49" charset="-127"/>
+                <a:ea typeface="D2Coding" panose="020B0609020101020101" pitchFamily="49" charset="-127"/>
+              </a:rPr>
+              <a:t>figcaption</a:t>
+            </a:r>
+            <a:r>
+              <a:rPr lang="en-US" altLang="ko-KR" sz="1400">
+                <a:solidFill>
+                  <a:srgbClr val="0000FF"/>
+                </a:solidFill>
+                <a:highlight>
+                  <a:srgbClr val="FFFFFF"/>
+                </a:highlight>
+                <a:latin typeface="D2Coding" panose="020B0609020101020101" pitchFamily="49" charset="-127"/>
+                <a:ea typeface="D2Coding" panose="020B0609020101020101" pitchFamily="49" charset="-127"/>
+              </a:rPr>
+              <a:t>&gt;</a:t>
+            </a:r>
+            <a:endParaRPr lang="en-US" altLang="ko-KR" sz="1400">
+              <a:solidFill>
+                <a:srgbClr val="000000"/>
+              </a:solidFill>
+              <a:highlight>
+                <a:srgbClr val="FFFFFF"/>
+              </a:highlight>
+              <a:latin typeface="D2Coding" panose="020B0609020101020101" pitchFamily="49" charset="-127"/>
+              <a:ea typeface="D2Coding" panose="020B0609020101020101" pitchFamily="49" charset="-127"/>
+            </a:endParaRPr>
+          </a:p>
+          <a:p>
+            <a:r>
+              <a:rPr lang="en-US" altLang="ko-KR" sz="1400">
+                <a:solidFill>
+                  <a:srgbClr val="0000FF"/>
+                </a:solidFill>
+                <a:highlight>
+                  <a:srgbClr val="FFFFFF"/>
+                </a:highlight>
+                <a:latin typeface="D2Coding" panose="020B0609020101020101" pitchFamily="49" charset="-127"/>
+                <a:ea typeface="D2Coding" panose="020B0609020101020101" pitchFamily="49" charset="-127"/>
+              </a:rPr>
+              <a:t>    &lt;</a:t>
+            </a:r>
+            <a:r>
+              <a:rPr lang="en-US" altLang="ko-KR" sz="1400">
+                <a:solidFill>
+                  <a:srgbClr val="800000"/>
+                </a:solidFill>
+                <a:highlight>
+                  <a:srgbClr val="FFFFFF"/>
+                </a:highlight>
+                <a:latin typeface="D2Coding" panose="020B0609020101020101" pitchFamily="49" charset="-127"/>
+                <a:ea typeface="D2Coding" panose="020B0609020101020101" pitchFamily="49" charset="-127"/>
+              </a:rPr>
+              <a:t>p</a:t>
+            </a:r>
+            <a:r>
+              <a:rPr lang="en-US" altLang="ko-KR" sz="1400">
+                <a:solidFill>
+                  <a:srgbClr val="0000FF"/>
+                </a:solidFill>
+                <a:highlight>
+                  <a:srgbClr val="FFFFFF"/>
+                </a:highlight>
+                <a:latin typeface="D2Coding" panose="020B0609020101020101" pitchFamily="49" charset="-127"/>
+                <a:ea typeface="D2Coding" panose="020B0609020101020101" pitchFamily="49" charset="-127"/>
+              </a:rPr>
+              <a:t>&gt;</a:t>
+            </a:r>
+            <a:r>
+              <a:rPr lang="ko-KR" altLang="en-US" sz="1400">
+                <a:solidFill>
+                  <a:srgbClr val="000000"/>
+                </a:solidFill>
+                <a:highlight>
+                  <a:srgbClr val="FFFFFF"/>
+                </a:highlight>
+                <a:latin typeface="D2Coding" panose="020B0609020101020101" pitchFamily="49" charset="-127"/>
+                <a:ea typeface="D2Coding" panose="020B0609020101020101" pitchFamily="49" charset="-127"/>
+              </a:rPr>
+              <a:t>국내에서 자주 사용하는 </a:t>
+            </a:r>
+            <a:r>
+              <a:rPr lang="en-US" altLang="ko-KR" sz="1400">
+                <a:solidFill>
+                  <a:srgbClr val="0000FF"/>
+                </a:solidFill>
+                <a:highlight>
+                  <a:srgbClr val="FFFFFF"/>
+                </a:highlight>
+                <a:latin typeface="D2Coding" panose="020B0609020101020101" pitchFamily="49" charset="-127"/>
+                <a:ea typeface="D2Coding" panose="020B0609020101020101" pitchFamily="49" charset="-127"/>
+              </a:rPr>
+              <a:t>&lt;</a:t>
+            </a:r>
+            <a:r>
+              <a:rPr lang="en-US" altLang="ko-KR" sz="1400">
+                <a:solidFill>
+                  <a:srgbClr val="800000"/>
+                </a:solidFill>
+                <a:highlight>
+                  <a:srgbClr val="FFFFFF"/>
+                </a:highlight>
+                <a:latin typeface="D2Coding" panose="020B0609020101020101" pitchFamily="49" charset="-127"/>
+                <a:ea typeface="D2Coding" panose="020B0609020101020101" pitchFamily="49" charset="-127"/>
+              </a:rPr>
+              <a:t>b</a:t>
+            </a:r>
+            <a:r>
+              <a:rPr lang="en-US" altLang="ko-KR" sz="1400">
+                <a:solidFill>
+                  <a:srgbClr val="0000FF"/>
+                </a:solidFill>
+                <a:highlight>
+                  <a:srgbClr val="FFFFFF"/>
+                </a:highlight>
+                <a:latin typeface="D2Coding" panose="020B0609020101020101" pitchFamily="49" charset="-127"/>
+                <a:ea typeface="D2Coding" panose="020B0609020101020101" pitchFamily="49" charset="-127"/>
+              </a:rPr>
+              <a:t>&gt;</a:t>
+            </a:r>
+            <a:r>
+              <a:rPr lang="ko-KR" altLang="en-US" sz="1400">
+                <a:solidFill>
+                  <a:srgbClr val="000000"/>
+                </a:solidFill>
+                <a:highlight>
+                  <a:srgbClr val="FFFFFF"/>
+                </a:highlight>
+                <a:latin typeface="D2Coding" panose="020B0609020101020101" pitchFamily="49" charset="-127"/>
+                <a:ea typeface="D2Coding" panose="020B0609020101020101" pitchFamily="49" charset="-127"/>
+              </a:rPr>
+              <a:t>모던 브라우저</a:t>
+            </a:r>
+            <a:r>
+              <a:rPr lang="en-US" altLang="ko-KR" sz="1400">
+                <a:solidFill>
+                  <a:srgbClr val="0000FF"/>
+                </a:solidFill>
+                <a:highlight>
+                  <a:srgbClr val="FFFFFF"/>
+                </a:highlight>
+                <a:latin typeface="D2Coding" panose="020B0609020101020101" pitchFamily="49" charset="-127"/>
+                <a:ea typeface="D2Coding" panose="020B0609020101020101" pitchFamily="49" charset="-127"/>
+              </a:rPr>
+              <a:t>&lt;/</a:t>
+            </a:r>
+            <a:r>
+              <a:rPr lang="en-US" altLang="ko-KR" sz="1400">
+                <a:solidFill>
+                  <a:srgbClr val="800000"/>
+                </a:solidFill>
+                <a:highlight>
+                  <a:srgbClr val="FFFFFF"/>
+                </a:highlight>
+                <a:latin typeface="D2Coding" panose="020B0609020101020101" pitchFamily="49" charset="-127"/>
+                <a:ea typeface="D2Coding" panose="020B0609020101020101" pitchFamily="49" charset="-127"/>
+              </a:rPr>
+              <a:t>b</a:t>
+            </a:r>
+            <a:r>
+              <a:rPr lang="en-US" altLang="ko-KR" sz="1400">
+                <a:solidFill>
+                  <a:srgbClr val="0000FF"/>
+                </a:solidFill>
+                <a:highlight>
+                  <a:srgbClr val="FFFFFF"/>
+                </a:highlight>
+                <a:latin typeface="D2Coding" panose="020B0609020101020101" pitchFamily="49" charset="-127"/>
+                <a:ea typeface="D2Coding" panose="020B0609020101020101" pitchFamily="49" charset="-127"/>
+              </a:rPr>
+              <a:t>&gt;&lt;/</a:t>
+            </a:r>
+            <a:r>
+              <a:rPr lang="en-US" altLang="ko-KR" sz="1400">
+                <a:solidFill>
+                  <a:srgbClr val="800000"/>
+                </a:solidFill>
+                <a:highlight>
+                  <a:srgbClr val="FFFFFF"/>
+                </a:highlight>
+                <a:latin typeface="D2Coding" panose="020B0609020101020101" pitchFamily="49" charset="-127"/>
+                <a:ea typeface="D2Coding" panose="020B0609020101020101" pitchFamily="49" charset="-127"/>
+              </a:rPr>
+              <a:t>p</a:t>
+            </a:r>
+            <a:r>
+              <a:rPr lang="en-US" altLang="ko-KR" sz="1400">
+                <a:solidFill>
+                  <a:srgbClr val="0000FF"/>
+                </a:solidFill>
+                <a:highlight>
+                  <a:srgbClr val="FFFFFF"/>
+                </a:highlight>
+                <a:latin typeface="D2Coding" panose="020B0609020101020101" pitchFamily="49" charset="-127"/>
+                <a:ea typeface="D2Coding" panose="020B0609020101020101" pitchFamily="49" charset="-127"/>
+              </a:rPr>
+              <a:t>&gt;</a:t>
+            </a:r>
+            <a:endParaRPr lang="ko-KR" altLang="en-US" sz="1400">
+              <a:solidFill>
+                <a:srgbClr val="000000"/>
+              </a:solidFill>
+              <a:highlight>
+                <a:srgbClr val="FFFFFF"/>
+              </a:highlight>
+              <a:latin typeface="D2Coding" panose="020B0609020101020101" pitchFamily="49" charset="-127"/>
+              <a:ea typeface="D2Coding" panose="020B0609020101020101" pitchFamily="49" charset="-127"/>
+            </a:endParaRPr>
+          </a:p>
+          <a:p>
+            <a:r>
+              <a:rPr lang="en-US" altLang="ko-KR" sz="1400">
+                <a:solidFill>
+                  <a:srgbClr val="0000FF"/>
+                </a:solidFill>
+                <a:highlight>
+                  <a:srgbClr val="FFFFFF"/>
+                </a:highlight>
+                <a:latin typeface="D2Coding" panose="020B0609020101020101" pitchFamily="49" charset="-127"/>
+                <a:ea typeface="D2Coding" panose="020B0609020101020101" pitchFamily="49" charset="-127"/>
+              </a:rPr>
+              <a:t>  &lt;/</a:t>
+            </a:r>
+            <a:r>
+              <a:rPr lang="en-US" altLang="ko-KR" sz="1400">
+                <a:solidFill>
+                  <a:srgbClr val="800000"/>
+                </a:solidFill>
+                <a:highlight>
+                  <a:srgbClr val="FFFFFF"/>
+                </a:highlight>
+                <a:latin typeface="D2Coding" panose="020B0609020101020101" pitchFamily="49" charset="-127"/>
+                <a:ea typeface="D2Coding" panose="020B0609020101020101" pitchFamily="49" charset="-127"/>
+              </a:rPr>
+              <a:t>figcaption</a:t>
+            </a:r>
+            <a:r>
+              <a:rPr lang="en-US" altLang="ko-KR" sz="1400">
+                <a:solidFill>
+                  <a:srgbClr val="0000FF"/>
+                </a:solidFill>
+                <a:highlight>
+                  <a:srgbClr val="FFFFFF"/>
+                </a:highlight>
+                <a:latin typeface="D2Coding" panose="020B0609020101020101" pitchFamily="49" charset="-127"/>
+                <a:ea typeface="D2Coding" panose="020B0609020101020101" pitchFamily="49" charset="-127"/>
+              </a:rPr>
+              <a:t>&gt;</a:t>
+            </a:r>
+            <a:endParaRPr lang="en-US" altLang="ko-KR" sz="1400">
+              <a:solidFill>
+                <a:srgbClr val="000000"/>
+              </a:solidFill>
+              <a:highlight>
+                <a:srgbClr val="FFFFFF"/>
+              </a:highlight>
+              <a:latin typeface="D2Coding" panose="020B0609020101020101" pitchFamily="49" charset="-127"/>
+              <a:ea typeface="D2Coding" panose="020B0609020101020101" pitchFamily="49" charset="-127"/>
+            </a:endParaRPr>
+          </a:p>
+          <a:p>
+            <a:r>
+              <a:rPr lang="en-US" altLang="ko-KR" sz="1400">
+                <a:solidFill>
+                  <a:srgbClr val="0000FF"/>
+                </a:solidFill>
+                <a:highlight>
+                  <a:srgbClr val="FFFFFF"/>
+                </a:highlight>
+                <a:latin typeface="D2Coding" panose="020B0609020101020101" pitchFamily="49" charset="-127"/>
+                <a:ea typeface="D2Coding" panose="020B0609020101020101" pitchFamily="49" charset="-127"/>
+              </a:rPr>
+              <a:t>  &lt;</a:t>
+            </a:r>
+            <a:r>
+              <a:rPr lang="en-US" altLang="ko-KR" sz="1400">
+                <a:solidFill>
+                  <a:srgbClr val="800000"/>
+                </a:solidFill>
+                <a:highlight>
+                  <a:srgbClr val="FFFFFF"/>
+                </a:highlight>
+                <a:latin typeface="D2Coding" panose="020B0609020101020101" pitchFamily="49" charset="-127"/>
+                <a:ea typeface="D2Coding" panose="020B0609020101020101" pitchFamily="49" charset="-127"/>
+              </a:rPr>
+              <a:t>table</a:t>
+            </a:r>
+            <a:r>
+              <a:rPr lang="en-US" altLang="ko-KR" sz="1400">
+                <a:solidFill>
+                  <a:srgbClr val="000000"/>
+                </a:solidFill>
+                <a:highlight>
+                  <a:srgbClr val="FFFFFF"/>
+                </a:highlight>
+                <a:latin typeface="D2Coding" panose="020B0609020101020101" pitchFamily="49" charset="-127"/>
+                <a:ea typeface="D2Coding" panose="020B0609020101020101" pitchFamily="49" charset="-127"/>
+              </a:rPr>
+              <a:t> </a:t>
+            </a:r>
+            <a:r>
+              <a:rPr lang="en-US" altLang="ko-KR" sz="1400">
+                <a:solidFill>
+                  <a:srgbClr val="FF0000"/>
+                </a:solidFill>
+                <a:highlight>
+                  <a:srgbClr val="FFFFFF"/>
+                </a:highlight>
+                <a:latin typeface="D2Coding" panose="020B0609020101020101" pitchFamily="49" charset="-127"/>
+                <a:ea typeface="D2Coding" panose="020B0609020101020101" pitchFamily="49" charset="-127"/>
+              </a:rPr>
+              <a:t>border</a:t>
+            </a:r>
+            <a:r>
+              <a:rPr lang="en-US" altLang="ko-KR" sz="1400">
+                <a:solidFill>
+                  <a:srgbClr val="0000FF"/>
+                </a:solidFill>
+                <a:highlight>
+                  <a:srgbClr val="FFFFFF"/>
+                </a:highlight>
+                <a:latin typeface="D2Coding" panose="020B0609020101020101" pitchFamily="49" charset="-127"/>
+                <a:ea typeface="D2Coding" panose="020B0609020101020101" pitchFamily="49" charset="-127"/>
+              </a:rPr>
+              <a:t>="1"&gt;</a:t>
+            </a:r>
+          </a:p>
+          <a:p>
+            <a:r>
+              <a:rPr lang="en-US" altLang="ko-KR" sz="1400">
+                <a:solidFill>
+                  <a:srgbClr val="0000FF"/>
+                </a:solidFill>
+                <a:highlight>
+                  <a:srgbClr val="FFFFFF"/>
+                </a:highlight>
+                <a:latin typeface="D2Coding" panose="020B0609020101020101" pitchFamily="49" charset="-127"/>
+                <a:ea typeface="D2Coding" panose="020B0609020101020101" pitchFamily="49" charset="-127"/>
+              </a:rPr>
+              <a:t>    &lt;</a:t>
+            </a:r>
+            <a:r>
+              <a:rPr lang="en-US" altLang="ko-KR" sz="1400">
+                <a:solidFill>
+                  <a:srgbClr val="800000"/>
+                </a:solidFill>
+                <a:highlight>
+                  <a:srgbClr val="FFFFFF"/>
+                </a:highlight>
+                <a:latin typeface="D2Coding" panose="020B0609020101020101" pitchFamily="49" charset="-127"/>
+                <a:ea typeface="D2Coding" panose="020B0609020101020101" pitchFamily="49" charset="-127"/>
+              </a:rPr>
+              <a:t>tr</a:t>
+            </a:r>
+            <a:r>
+              <a:rPr lang="en-US" altLang="ko-KR" sz="1400">
+                <a:solidFill>
+                  <a:srgbClr val="0000FF"/>
+                </a:solidFill>
+                <a:highlight>
+                  <a:srgbClr val="FFFFFF"/>
+                </a:highlight>
+                <a:latin typeface="D2Coding" panose="020B0609020101020101" pitchFamily="49" charset="-127"/>
+                <a:ea typeface="D2Coding" panose="020B0609020101020101" pitchFamily="49" charset="-127"/>
+              </a:rPr>
+              <a:t>&gt; …… &lt;/</a:t>
+            </a:r>
+            <a:r>
+              <a:rPr lang="en-US" altLang="ko-KR" sz="1400">
+                <a:solidFill>
+                  <a:srgbClr val="800000"/>
+                </a:solidFill>
+                <a:highlight>
+                  <a:srgbClr val="FFFFFF"/>
+                </a:highlight>
+                <a:latin typeface="D2Coding" panose="020B0609020101020101" pitchFamily="49" charset="-127"/>
+                <a:ea typeface="D2Coding" panose="020B0609020101020101" pitchFamily="49" charset="-127"/>
+              </a:rPr>
+              <a:t>tr</a:t>
+            </a:r>
+            <a:r>
+              <a:rPr lang="en-US" altLang="ko-KR" sz="1400">
+                <a:solidFill>
+                  <a:srgbClr val="0000FF"/>
+                </a:solidFill>
+                <a:highlight>
+                  <a:srgbClr val="FFFFFF"/>
+                </a:highlight>
+                <a:latin typeface="D2Coding" panose="020B0609020101020101" pitchFamily="49" charset="-127"/>
+                <a:ea typeface="D2Coding" panose="020B0609020101020101" pitchFamily="49" charset="-127"/>
+              </a:rPr>
+              <a:t>&gt;</a:t>
+            </a:r>
+          </a:p>
+          <a:p>
+            <a:r>
+              <a:rPr lang="en-US" altLang="ko-KR" sz="1400">
+                <a:solidFill>
+                  <a:srgbClr val="0000FF"/>
+                </a:solidFill>
+                <a:highlight>
+                  <a:srgbClr val="FFFFFF"/>
+                </a:highlight>
+                <a:latin typeface="D2Coding" panose="020B0609020101020101" pitchFamily="49" charset="-127"/>
+                <a:ea typeface="D2Coding" panose="020B0609020101020101" pitchFamily="49" charset="-127"/>
+              </a:rPr>
+              <a:t>    &lt;</a:t>
+            </a:r>
+            <a:r>
+              <a:rPr lang="en-US" altLang="ko-KR" sz="1400">
+                <a:solidFill>
+                  <a:srgbClr val="800000"/>
+                </a:solidFill>
+                <a:highlight>
+                  <a:srgbClr val="FFFFFF"/>
+                </a:highlight>
+                <a:latin typeface="D2Coding" panose="020B0609020101020101" pitchFamily="49" charset="-127"/>
+                <a:ea typeface="D2Coding" panose="020B0609020101020101" pitchFamily="49" charset="-127"/>
+              </a:rPr>
+              <a:t>tr</a:t>
+            </a:r>
+            <a:r>
+              <a:rPr lang="en-US" altLang="ko-KR" sz="1400">
+                <a:solidFill>
+                  <a:srgbClr val="0000FF"/>
+                </a:solidFill>
+                <a:highlight>
+                  <a:srgbClr val="FFFFFF"/>
+                </a:highlight>
+                <a:latin typeface="D2Coding" panose="020B0609020101020101" pitchFamily="49" charset="-127"/>
+                <a:ea typeface="D2Coding" panose="020B0609020101020101" pitchFamily="49" charset="-127"/>
+              </a:rPr>
+              <a:t>&gt; …… &lt;/</a:t>
+            </a:r>
+            <a:r>
+              <a:rPr lang="en-US" altLang="ko-KR" sz="1400">
+                <a:solidFill>
+                  <a:srgbClr val="800000"/>
+                </a:solidFill>
+                <a:highlight>
+                  <a:srgbClr val="FFFFFF"/>
+                </a:highlight>
+                <a:latin typeface="D2Coding" panose="020B0609020101020101" pitchFamily="49" charset="-127"/>
+                <a:ea typeface="D2Coding" panose="020B0609020101020101" pitchFamily="49" charset="-127"/>
+              </a:rPr>
+              <a:t>tr</a:t>
+            </a:r>
+            <a:r>
+              <a:rPr lang="en-US" altLang="ko-KR" sz="1400">
+                <a:solidFill>
+                  <a:srgbClr val="0000FF"/>
+                </a:solidFill>
+                <a:highlight>
+                  <a:srgbClr val="FFFFFF"/>
+                </a:highlight>
+                <a:latin typeface="D2Coding" panose="020B0609020101020101" pitchFamily="49" charset="-127"/>
+                <a:ea typeface="D2Coding" panose="020B0609020101020101" pitchFamily="49" charset="-127"/>
+              </a:rPr>
+              <a:t>&gt;</a:t>
+            </a:r>
+          </a:p>
+          <a:p>
+            <a:r>
+              <a:rPr lang="en-US" altLang="ko-KR" sz="1400">
+                <a:solidFill>
+                  <a:srgbClr val="0000FF"/>
+                </a:solidFill>
+                <a:highlight>
+                  <a:srgbClr val="FFFFFF"/>
+                </a:highlight>
+                <a:latin typeface="D2Coding" panose="020B0609020101020101" pitchFamily="49" charset="-127"/>
+                <a:ea typeface="D2Coding" panose="020B0609020101020101" pitchFamily="49" charset="-127"/>
+              </a:rPr>
+              <a:t>    &lt;</a:t>
+            </a:r>
+            <a:r>
+              <a:rPr lang="en-US" altLang="ko-KR" sz="1400">
+                <a:solidFill>
+                  <a:srgbClr val="800000"/>
+                </a:solidFill>
+                <a:highlight>
+                  <a:srgbClr val="FFFFFF"/>
+                </a:highlight>
+                <a:latin typeface="D2Coding" panose="020B0609020101020101" pitchFamily="49" charset="-127"/>
+                <a:ea typeface="D2Coding" panose="020B0609020101020101" pitchFamily="49" charset="-127"/>
+              </a:rPr>
+              <a:t>tr</a:t>
+            </a:r>
+            <a:r>
+              <a:rPr lang="en-US" altLang="ko-KR" sz="1400">
+                <a:solidFill>
+                  <a:srgbClr val="0000FF"/>
+                </a:solidFill>
+                <a:highlight>
+                  <a:srgbClr val="FFFFFF"/>
+                </a:highlight>
+                <a:latin typeface="D2Coding" panose="020B0609020101020101" pitchFamily="49" charset="-127"/>
+                <a:ea typeface="D2Coding" panose="020B0609020101020101" pitchFamily="49" charset="-127"/>
+              </a:rPr>
+              <a:t>&gt; …… &lt;/</a:t>
+            </a:r>
+            <a:r>
+              <a:rPr lang="en-US" altLang="ko-KR" sz="1400">
+                <a:solidFill>
+                  <a:srgbClr val="800000"/>
+                </a:solidFill>
+                <a:highlight>
+                  <a:srgbClr val="FFFFFF"/>
+                </a:highlight>
+                <a:latin typeface="D2Coding" panose="020B0609020101020101" pitchFamily="49" charset="-127"/>
+                <a:ea typeface="D2Coding" panose="020B0609020101020101" pitchFamily="49" charset="-127"/>
+              </a:rPr>
+              <a:t>tr</a:t>
+            </a:r>
+            <a:r>
+              <a:rPr lang="en-US" altLang="ko-KR" sz="1400">
+                <a:solidFill>
+                  <a:srgbClr val="0000FF"/>
+                </a:solidFill>
+                <a:highlight>
+                  <a:srgbClr val="FFFFFF"/>
+                </a:highlight>
+                <a:latin typeface="D2Coding" panose="020B0609020101020101" pitchFamily="49" charset="-127"/>
+                <a:ea typeface="D2Coding" panose="020B0609020101020101" pitchFamily="49" charset="-127"/>
+              </a:rPr>
+              <a:t>&gt;</a:t>
+            </a:r>
+          </a:p>
+          <a:p>
+            <a:r>
+              <a:rPr lang="en-US" altLang="ko-KR" sz="1400">
+                <a:solidFill>
+                  <a:srgbClr val="0000FF"/>
+                </a:solidFill>
+                <a:highlight>
+                  <a:srgbClr val="FFFFFF"/>
+                </a:highlight>
+                <a:latin typeface="D2Coding" panose="020B0609020101020101" pitchFamily="49" charset="-127"/>
+                <a:ea typeface="D2Coding" panose="020B0609020101020101" pitchFamily="49" charset="-127"/>
+              </a:rPr>
+              <a:t>    &lt;</a:t>
+            </a:r>
+            <a:r>
+              <a:rPr lang="en-US" altLang="ko-KR" sz="1400">
+                <a:solidFill>
+                  <a:srgbClr val="800000"/>
+                </a:solidFill>
+                <a:highlight>
+                  <a:srgbClr val="FFFFFF"/>
+                </a:highlight>
+                <a:latin typeface="D2Coding" panose="020B0609020101020101" pitchFamily="49" charset="-127"/>
+                <a:ea typeface="D2Coding" panose="020B0609020101020101" pitchFamily="49" charset="-127"/>
+              </a:rPr>
+              <a:t>tr</a:t>
+            </a:r>
+            <a:r>
+              <a:rPr lang="en-US" altLang="ko-KR" sz="1400">
+                <a:solidFill>
+                  <a:srgbClr val="0000FF"/>
+                </a:solidFill>
+                <a:highlight>
+                  <a:srgbClr val="FFFFFF"/>
+                </a:highlight>
+                <a:latin typeface="D2Coding" panose="020B0609020101020101" pitchFamily="49" charset="-127"/>
+                <a:ea typeface="D2Coding" panose="020B0609020101020101" pitchFamily="49" charset="-127"/>
+              </a:rPr>
+              <a:t>&gt; …… &lt;/</a:t>
+            </a:r>
+            <a:r>
+              <a:rPr lang="en-US" altLang="ko-KR" sz="1400">
+                <a:solidFill>
+                  <a:srgbClr val="800000"/>
+                </a:solidFill>
+                <a:highlight>
+                  <a:srgbClr val="FFFFFF"/>
+                </a:highlight>
+                <a:latin typeface="D2Coding" panose="020B0609020101020101" pitchFamily="49" charset="-127"/>
+                <a:ea typeface="D2Coding" panose="020B0609020101020101" pitchFamily="49" charset="-127"/>
+              </a:rPr>
+              <a:t>tr</a:t>
+            </a:r>
+            <a:r>
+              <a:rPr lang="en-US" altLang="ko-KR" sz="1400">
+                <a:solidFill>
+                  <a:srgbClr val="0000FF"/>
+                </a:solidFill>
+                <a:highlight>
+                  <a:srgbClr val="FFFFFF"/>
+                </a:highlight>
+                <a:latin typeface="D2Coding" panose="020B0609020101020101" pitchFamily="49" charset="-127"/>
+                <a:ea typeface="D2Coding" panose="020B0609020101020101" pitchFamily="49" charset="-127"/>
+              </a:rPr>
+              <a:t>&gt;</a:t>
+            </a:r>
+          </a:p>
+          <a:p>
+            <a:r>
+              <a:rPr lang="en-US" altLang="ko-KR" sz="1400">
+                <a:solidFill>
+                  <a:srgbClr val="0000FF"/>
+                </a:solidFill>
+                <a:highlight>
+                  <a:srgbClr val="FFFFFF"/>
+                </a:highlight>
+                <a:latin typeface="D2Coding" panose="020B0609020101020101" pitchFamily="49" charset="-127"/>
+                <a:ea typeface="D2Coding" panose="020B0609020101020101" pitchFamily="49" charset="-127"/>
+              </a:rPr>
+              <a:t>  &lt;/</a:t>
+            </a:r>
+            <a:r>
+              <a:rPr lang="en-US" altLang="ko-KR" sz="1400">
+                <a:solidFill>
+                  <a:srgbClr val="800000"/>
+                </a:solidFill>
+                <a:highlight>
+                  <a:srgbClr val="FFFFFF"/>
+                </a:highlight>
+                <a:latin typeface="D2Coding" panose="020B0609020101020101" pitchFamily="49" charset="-127"/>
+                <a:ea typeface="D2Coding" panose="020B0609020101020101" pitchFamily="49" charset="-127"/>
+              </a:rPr>
+              <a:t>table</a:t>
+            </a:r>
+            <a:r>
+              <a:rPr lang="en-US" altLang="ko-KR" sz="1400">
+                <a:solidFill>
+                  <a:srgbClr val="0000FF"/>
+                </a:solidFill>
+                <a:highlight>
+                  <a:srgbClr val="FFFFFF"/>
+                </a:highlight>
+                <a:latin typeface="D2Coding" panose="020B0609020101020101" pitchFamily="49" charset="-127"/>
+                <a:ea typeface="D2Coding" panose="020B0609020101020101" pitchFamily="49" charset="-127"/>
+              </a:rPr>
+              <a:t>&gt;</a:t>
+            </a:r>
+          </a:p>
+          <a:p>
+            <a:r>
+              <a:rPr lang="en-US" altLang="ko-KR" sz="1400">
+                <a:solidFill>
+                  <a:srgbClr val="0000FF"/>
+                </a:solidFill>
+                <a:highlight>
+                  <a:srgbClr val="FFFFFF"/>
+                </a:highlight>
+                <a:latin typeface="D2Coding" panose="020B0609020101020101" pitchFamily="49" charset="-127"/>
+                <a:ea typeface="D2Coding" panose="020B0609020101020101" pitchFamily="49" charset="-127"/>
+              </a:rPr>
+              <a:t>&lt;/</a:t>
+            </a:r>
+            <a:r>
+              <a:rPr lang="en-US" altLang="ko-KR" sz="1400">
+                <a:solidFill>
+                  <a:srgbClr val="800000"/>
+                </a:solidFill>
+                <a:highlight>
+                  <a:srgbClr val="FFFFFF"/>
+                </a:highlight>
+                <a:latin typeface="D2Coding" panose="020B0609020101020101" pitchFamily="49" charset="-127"/>
+                <a:ea typeface="D2Coding" panose="020B0609020101020101" pitchFamily="49" charset="-127"/>
+              </a:rPr>
+              <a:t>figure</a:t>
+            </a:r>
+            <a:r>
+              <a:rPr lang="en-US" altLang="ko-KR" sz="1400">
+                <a:solidFill>
+                  <a:srgbClr val="0000FF"/>
+                </a:solidFill>
+                <a:highlight>
+                  <a:srgbClr val="FFFFFF"/>
+                </a:highlight>
+                <a:latin typeface="D2Coding" panose="020B0609020101020101" pitchFamily="49" charset="-127"/>
+                <a:ea typeface="D2Coding" panose="020B0609020101020101" pitchFamily="49" charset="-127"/>
+              </a:rPr>
+              <a:t>&gt;</a:t>
+            </a:r>
+            <a:endParaRPr lang="ko-KR" altLang="en-US" sz="1400"/>
+          </a:p>
+        </p:txBody>
+      </p:sp>
+      <p:pic>
+        <p:nvPicPr>
+          <p:cNvPr id="13" name="그림 12"/>
+          <p:cNvPicPr>
+            <a:picLocks noChangeAspect="1"/>
+          </p:cNvPicPr>
+          <p:nvPr/>
+        </p:nvPicPr>
+        <p:blipFill>
+          <a:blip r:embed="rId3"/>
+          <a:stretch>
+            <a:fillRect/>
+          </a:stretch>
+        </p:blipFill>
+        <p:spPr>
+          <a:xfrm>
+            <a:off x="7496786" y="4645602"/>
+            <a:ext cx="3905204" cy="1423610"/>
+          </a:xfrm>
+          <a:prstGeom prst="rect">
+            <a:avLst/>
+          </a:prstGeom>
+        </p:spPr>
+      </p:pic>
+      <p:sp>
+        <p:nvSpPr>
+          <p:cNvPr id="14" name="TextBox 13"/>
+          <p:cNvSpPr txBox="1"/>
+          <p:nvPr/>
+        </p:nvSpPr>
+        <p:spPr>
+          <a:xfrm>
+            <a:off x="966788" y="1813225"/>
+            <a:ext cx="3164707" cy="307777"/>
+          </a:xfrm>
+          <a:prstGeom prst="rect">
+            <a:avLst/>
+          </a:prstGeom>
+          <a:noFill/>
+        </p:spPr>
+        <p:txBody>
+          <a:bodyPr wrap="square" rtlCol="0">
+            <a:spAutoFit/>
+          </a:bodyPr>
+          <a:lstStyle/>
+          <a:p>
+            <a:r>
+              <a:rPr lang="ko-KR" altLang="en-US" sz="1400"/>
+              <a:t>제목이 위쪽 중앙에 표시됨</a:t>
+            </a:r>
+          </a:p>
+        </p:txBody>
+      </p:sp>
+      <p:sp>
+        <p:nvSpPr>
+          <p:cNvPr id="24" name="TextBox 23"/>
+          <p:cNvSpPr txBox="1"/>
+          <p:nvPr/>
+        </p:nvSpPr>
+        <p:spPr>
+          <a:xfrm>
+            <a:off x="6652364" y="1813225"/>
+            <a:ext cx="4999446" cy="307777"/>
+          </a:xfrm>
+          <a:prstGeom prst="rect">
+            <a:avLst/>
+          </a:prstGeom>
+          <a:noFill/>
+        </p:spPr>
+        <p:txBody>
+          <a:bodyPr wrap="square" rtlCol="0">
+            <a:spAutoFit/>
+          </a:bodyPr>
+          <a:lstStyle/>
+          <a:p>
+            <a:r>
+              <a:rPr lang="en-US" altLang="ko-KR" sz="1400"/>
+              <a:t>&lt;figcaption&gt; </a:t>
+            </a:r>
+            <a:r>
+              <a:rPr lang="ko-KR" altLang="en-US" sz="1400"/>
+              <a:t>위치에 따라 표의 위나 아래에 제목 표시</a:t>
+            </a:r>
+          </a:p>
+        </p:txBody>
+      </p:sp>
+      <p:cxnSp>
+        <p:nvCxnSpPr>
+          <p:cNvPr id="5" name="직선 연결선 4"/>
+          <p:cNvCxnSpPr/>
+          <p:nvPr/>
+        </p:nvCxnSpPr>
+        <p:spPr>
+          <a:xfrm>
+            <a:off x="5758004" y="1312752"/>
+            <a:ext cx="0" cy="5133315"/>
+          </a:xfrm>
+          <a:prstGeom prst="line">
+            <a:avLst/>
+          </a:prstGeom>
+          <a:ln>
+            <a:prstDash val="dash"/>
+          </a:ln>
+        </p:spPr>
+        <p:style>
+          <a:lnRef idx="1">
+            <a:schemeClr val="accent1"/>
+          </a:lnRef>
+          <a:fillRef idx="0">
+            <a:schemeClr val="accent1"/>
+          </a:fillRef>
+          <a:effectRef idx="0">
+            <a:schemeClr val="accent1"/>
+          </a:effectRef>
+          <a:fontRef idx="minor">
+            <a:schemeClr val="tx1"/>
+          </a:fontRef>
+        </p:style>
+      </p:cxnSp>
+      <p:pic>
+        <p:nvPicPr>
+          <p:cNvPr id="6" name="그림 5">
+            <a:extLst>
+              <a:ext uri="{FF2B5EF4-FFF2-40B4-BE49-F238E27FC236}">
+                <a16:creationId xmlns:a16="http://schemas.microsoft.com/office/drawing/2014/main" id="{E832D1A5-DBD5-445A-9BB8-B0EB52AE00F9}"/>
+              </a:ext>
+            </a:extLst>
+          </p:cNvPr>
+          <p:cNvPicPr>
+            <a:picLocks noChangeAspect="1"/>
+          </p:cNvPicPr>
+          <p:nvPr/>
+        </p:nvPicPr>
+        <p:blipFill>
+          <a:blip r:embed="rId4">
+            <a:extLst>
+              <a:ext uri="{28A0092B-C50C-407E-A947-70E740481C1C}">
+                <a14:useLocalDpi xmlns:a14="http://schemas.microsoft.com/office/drawing/2010/main" val="0"/>
+              </a:ext>
+            </a:extLst>
+          </a:blip>
+          <a:stretch>
+            <a:fillRect/>
+          </a:stretch>
+        </p:blipFill>
+        <p:spPr>
+          <a:xfrm>
+            <a:off x="3693879" y="2247125"/>
+            <a:ext cx="1599790" cy="246584"/>
+          </a:xfrm>
+          <a:prstGeom prst="rect">
+            <a:avLst/>
+          </a:prstGeom>
+        </p:spPr>
+      </p:pic>
+      <p:pic>
+        <p:nvPicPr>
+          <p:cNvPr id="12" name="그림 11">
+            <a:extLst>
+              <a:ext uri="{FF2B5EF4-FFF2-40B4-BE49-F238E27FC236}">
+                <a16:creationId xmlns:a16="http://schemas.microsoft.com/office/drawing/2014/main" id="{20416816-8813-467B-B698-56EE7759AAAF}"/>
+              </a:ext>
+            </a:extLst>
+          </p:cNvPr>
+          <p:cNvPicPr>
+            <a:picLocks noChangeAspect="1"/>
+          </p:cNvPicPr>
+          <p:nvPr/>
+        </p:nvPicPr>
+        <p:blipFill>
+          <a:blip r:embed="rId5">
+            <a:extLst>
+              <a:ext uri="{28A0092B-C50C-407E-A947-70E740481C1C}">
+                <a14:useLocalDpi xmlns:a14="http://schemas.microsoft.com/office/drawing/2010/main" val="0"/>
+              </a:ext>
+            </a:extLst>
+          </a:blip>
+          <a:stretch>
+            <a:fillRect/>
+          </a:stretch>
+        </p:blipFill>
+        <p:spPr>
+          <a:xfrm>
+            <a:off x="9802200" y="2360396"/>
+            <a:ext cx="1599790" cy="252598"/>
+          </a:xfrm>
+          <a:prstGeom prst="rect">
+            <a:avLst/>
+          </a:prstGeom>
+        </p:spPr>
+      </p:pic>
+    </p:spTree>
+    <p:extLst>
+      <p:ext uri="{BB962C8B-B14F-4D97-AF65-F5344CB8AC3E}">
+        <p14:creationId xmlns:p14="http://schemas.microsoft.com/office/powerpoint/2010/main" val="2925761561"/>
+      </p:ext>
+    </p:extLst>
+  </p:cSld>
+  <p:clrMapOvr>
+    <a:masterClrMapping/>
+  </p:clrMapOvr>
+</p:sld>
+</file>
+
+<file path=ppt/slides/slide13.xml><?xml version="1.0" encoding="utf-8"?>
+<p:sld xmlns:a="http://schemas.openxmlformats.org/drawingml/2006/main" xmlns:r="http://schemas.openxmlformats.org/officeDocument/2006/relationships" xmlns:p="http://schemas.openxmlformats.org/presentationml/2006/main">
+  <p:cSld>
+    <p:spTree>
+      <p:nvGrpSpPr>
+        <p:cNvPr id="1" name=""/>
+        <p:cNvGrpSpPr/>
+        <p:nvPr/>
+      </p:nvGrpSpPr>
+      <p:grpSpPr>
+        <a:xfrm>
+          <a:off x="0" y="0"/>
+          <a:ext cx="0" cy="0"/>
+          <a:chOff x="0" y="0"/>
+          <a:chExt cx="0" cy="0"/>
+        </a:xfrm>
+      </p:grpSpPr>
+      <p:sp>
+        <p:nvSpPr>
+          <p:cNvPr id="2" name="제목 1"/>
+          <p:cNvSpPr>
+            <a:spLocks noGrp="1"/>
+          </p:cNvSpPr>
+          <p:nvPr>
+            <p:ph type="title"/>
+          </p:nvPr>
+        </p:nvSpPr>
+        <p:spPr>
+          <a:xfrm>
+            <a:off x="505792" y="108152"/>
+            <a:ext cx="9091189" cy="667587"/>
+          </a:xfrm>
+        </p:spPr>
+        <p:txBody>
+          <a:bodyPr/>
+          <a:lstStyle/>
+          <a:p>
+            <a:r>
+              <a:rPr lang="ko-KR" altLang="en-US"/>
+              <a:t>표를 만드는 태그</a:t>
+            </a:r>
+          </a:p>
+        </p:txBody>
+      </p:sp>
+      <p:sp>
+        <p:nvSpPr>
+          <p:cNvPr id="7" name="TextBox 6"/>
+          <p:cNvSpPr txBox="1"/>
+          <p:nvPr/>
+        </p:nvSpPr>
+        <p:spPr>
+          <a:xfrm>
+            <a:off x="671119" y="1312752"/>
+            <a:ext cx="3149443" cy="369332"/>
+          </a:xfrm>
+          <a:prstGeom prst="rect">
+            <a:avLst/>
+          </a:prstGeom>
+          <a:noFill/>
+        </p:spPr>
+        <p:txBody>
+          <a:bodyPr wrap="square" rtlCol="0">
+            <a:spAutoFit/>
+          </a:bodyPr>
+          <a:lstStyle/>
+          <a:p>
+            <a:r>
+              <a:rPr lang="en-US" altLang="ko-KR" b="1"/>
+              <a:t>&lt;caption&gt; – </a:t>
+            </a:r>
+            <a:r>
+              <a:rPr lang="ko-KR" altLang="en-US" b="1"/>
+              <a:t>표</a:t>
+            </a:r>
+            <a:r>
+              <a:rPr lang="en-US" altLang="ko-KR" b="1"/>
+              <a:t> </a:t>
+            </a:r>
+            <a:r>
+              <a:rPr lang="ko-KR" altLang="en-US" b="1"/>
+              <a:t>제목</a:t>
+            </a:r>
+          </a:p>
+        </p:txBody>
+      </p:sp>
+      <p:sp>
+        <p:nvSpPr>
+          <p:cNvPr id="9" name="직사각형 8"/>
+          <p:cNvSpPr/>
+          <p:nvPr/>
+        </p:nvSpPr>
+        <p:spPr>
+          <a:xfrm>
+            <a:off x="818818" y="2370417"/>
+            <a:ext cx="6096000" cy="2246769"/>
+          </a:xfrm>
+          <a:prstGeom prst="rect">
+            <a:avLst/>
+          </a:prstGeom>
+        </p:spPr>
+        <p:txBody>
+          <a:bodyPr>
+            <a:spAutoFit/>
+          </a:bodyPr>
+          <a:lstStyle/>
+          <a:p>
+            <a:r>
+              <a:rPr lang="en-US" altLang="ko-KR" sz="1400">
+                <a:solidFill>
+                  <a:srgbClr val="0000FF"/>
+                </a:solidFill>
+                <a:highlight>
+                  <a:srgbClr val="FFFFFF"/>
+                </a:highlight>
+                <a:latin typeface="D2Coding" panose="020B0609020101020101" pitchFamily="49" charset="-127"/>
+                <a:ea typeface="D2Coding" panose="020B0609020101020101" pitchFamily="49" charset="-127"/>
+              </a:rPr>
+              <a:t>&lt;</a:t>
+            </a:r>
+            <a:r>
+              <a:rPr lang="en-US" altLang="ko-KR" sz="1400">
+                <a:solidFill>
+                  <a:srgbClr val="800000"/>
+                </a:solidFill>
+                <a:highlight>
+                  <a:srgbClr val="FFFFFF"/>
+                </a:highlight>
+                <a:latin typeface="D2Coding" panose="020B0609020101020101" pitchFamily="49" charset="-127"/>
+                <a:ea typeface="D2Coding" panose="020B0609020101020101" pitchFamily="49" charset="-127"/>
+              </a:rPr>
+              <a:t>table</a:t>
+            </a:r>
+            <a:r>
+              <a:rPr lang="en-US" altLang="ko-KR" sz="1400">
+                <a:solidFill>
+                  <a:srgbClr val="000000"/>
+                </a:solidFill>
+                <a:highlight>
+                  <a:srgbClr val="FFFFFF"/>
+                </a:highlight>
+                <a:latin typeface="D2Coding" panose="020B0609020101020101" pitchFamily="49" charset="-127"/>
+                <a:ea typeface="D2Coding" panose="020B0609020101020101" pitchFamily="49" charset="-127"/>
+              </a:rPr>
+              <a:t> </a:t>
+            </a:r>
+            <a:r>
+              <a:rPr lang="en-US" altLang="ko-KR" sz="1400">
+                <a:solidFill>
+                  <a:srgbClr val="FF0000"/>
+                </a:solidFill>
+                <a:highlight>
+                  <a:srgbClr val="FFFFFF"/>
+                </a:highlight>
+                <a:latin typeface="D2Coding" panose="020B0609020101020101" pitchFamily="49" charset="-127"/>
+                <a:ea typeface="D2Coding" panose="020B0609020101020101" pitchFamily="49" charset="-127"/>
+              </a:rPr>
+              <a:t>border</a:t>
+            </a:r>
+            <a:r>
+              <a:rPr lang="en-US" altLang="ko-KR" sz="1400">
+                <a:solidFill>
+                  <a:srgbClr val="0000FF"/>
+                </a:solidFill>
+                <a:highlight>
+                  <a:srgbClr val="FFFFFF"/>
+                </a:highlight>
+                <a:latin typeface="D2Coding" panose="020B0609020101020101" pitchFamily="49" charset="-127"/>
+                <a:ea typeface="D2Coding" panose="020B0609020101020101" pitchFamily="49" charset="-127"/>
+              </a:rPr>
+              <a:t>="1"&gt;</a:t>
+            </a:r>
+            <a:endParaRPr lang="en-US" altLang="ko-KR" sz="1400">
+              <a:solidFill>
+                <a:srgbClr val="000000"/>
+              </a:solidFill>
+              <a:highlight>
+                <a:srgbClr val="FFFFFF"/>
+              </a:highlight>
+              <a:latin typeface="D2Coding" panose="020B0609020101020101" pitchFamily="49" charset="-127"/>
+              <a:ea typeface="D2Coding" panose="020B0609020101020101" pitchFamily="49" charset="-127"/>
+            </a:endParaRPr>
+          </a:p>
+          <a:p>
+            <a:r>
+              <a:rPr lang="en-US" altLang="ko-KR" sz="1400">
+                <a:solidFill>
+                  <a:srgbClr val="0000FF"/>
+                </a:solidFill>
+                <a:highlight>
+                  <a:srgbClr val="FFFFFF"/>
+                </a:highlight>
+                <a:latin typeface="D2Coding" panose="020B0609020101020101" pitchFamily="49" charset="-127"/>
+                <a:ea typeface="D2Coding" panose="020B0609020101020101" pitchFamily="49" charset="-127"/>
+              </a:rPr>
+              <a:t>  &lt;</a:t>
+            </a:r>
+            <a:r>
+              <a:rPr lang="en-US" altLang="ko-KR" sz="1400">
+                <a:solidFill>
+                  <a:srgbClr val="800000"/>
+                </a:solidFill>
+                <a:highlight>
+                  <a:srgbClr val="FFFFFF"/>
+                </a:highlight>
+                <a:latin typeface="D2Coding" panose="020B0609020101020101" pitchFamily="49" charset="-127"/>
+                <a:ea typeface="D2Coding" panose="020B0609020101020101" pitchFamily="49" charset="-127"/>
+              </a:rPr>
+              <a:t>caption</a:t>
+            </a:r>
+            <a:r>
+              <a:rPr lang="en-US" altLang="ko-KR" sz="1400">
+                <a:solidFill>
+                  <a:srgbClr val="0000FF"/>
+                </a:solidFill>
+                <a:highlight>
+                  <a:srgbClr val="FFFFFF"/>
+                </a:highlight>
+                <a:latin typeface="D2Coding" panose="020B0609020101020101" pitchFamily="49" charset="-127"/>
+                <a:ea typeface="D2Coding" panose="020B0609020101020101" pitchFamily="49" charset="-127"/>
+              </a:rPr>
+              <a:t>&gt;</a:t>
+            </a:r>
+            <a:endParaRPr lang="en-US" altLang="ko-KR" sz="1400">
+              <a:solidFill>
+                <a:srgbClr val="000000"/>
+              </a:solidFill>
+              <a:highlight>
+                <a:srgbClr val="FFFFFF"/>
+              </a:highlight>
+              <a:latin typeface="D2Coding" panose="020B0609020101020101" pitchFamily="49" charset="-127"/>
+              <a:ea typeface="D2Coding" panose="020B0609020101020101" pitchFamily="49" charset="-127"/>
+            </a:endParaRPr>
+          </a:p>
+          <a:p>
+            <a:r>
+              <a:rPr lang="en-US" altLang="ko-KR" sz="1400">
+                <a:solidFill>
+                  <a:srgbClr val="0000FF"/>
+                </a:solidFill>
+                <a:highlight>
+                  <a:srgbClr val="FFFFFF"/>
+                </a:highlight>
+                <a:latin typeface="D2Coding" panose="020B0609020101020101" pitchFamily="49" charset="-127"/>
+                <a:ea typeface="D2Coding" panose="020B0609020101020101" pitchFamily="49" charset="-127"/>
+              </a:rPr>
+              <a:t>    &lt;</a:t>
+            </a:r>
+            <a:r>
+              <a:rPr lang="en-US" altLang="ko-KR" sz="1400">
+                <a:solidFill>
+                  <a:srgbClr val="800000"/>
+                </a:solidFill>
+                <a:highlight>
+                  <a:srgbClr val="FFFFFF"/>
+                </a:highlight>
+                <a:latin typeface="D2Coding" panose="020B0609020101020101" pitchFamily="49" charset="-127"/>
+                <a:ea typeface="D2Coding" panose="020B0609020101020101" pitchFamily="49" charset="-127"/>
+              </a:rPr>
+              <a:t>strong</a:t>
+            </a:r>
+            <a:r>
+              <a:rPr lang="en-US" altLang="ko-KR" sz="1400">
+                <a:solidFill>
+                  <a:srgbClr val="0000FF"/>
+                </a:solidFill>
+                <a:highlight>
+                  <a:srgbClr val="FFFFFF"/>
+                </a:highlight>
+                <a:latin typeface="D2Coding" panose="020B0609020101020101" pitchFamily="49" charset="-127"/>
+                <a:ea typeface="D2Coding" panose="020B0609020101020101" pitchFamily="49" charset="-127"/>
+              </a:rPr>
+              <a:t>&gt;</a:t>
+            </a:r>
+            <a:r>
+              <a:rPr lang="en-US" altLang="ko-KR" sz="1400">
+                <a:solidFill>
+                  <a:srgbClr val="000000"/>
+                </a:solidFill>
+                <a:highlight>
+                  <a:srgbClr val="FFFFFF"/>
+                </a:highlight>
+                <a:latin typeface="D2Coding" panose="020B0609020101020101" pitchFamily="49" charset="-127"/>
+                <a:ea typeface="D2Coding" panose="020B0609020101020101" pitchFamily="49" charset="-127"/>
+              </a:rPr>
+              <a:t>Modern Browser</a:t>
+            </a:r>
+            <a:r>
+              <a:rPr lang="en-US" altLang="ko-KR" sz="1400">
+                <a:solidFill>
+                  <a:srgbClr val="0000FF"/>
+                </a:solidFill>
+                <a:highlight>
+                  <a:srgbClr val="FFFFFF"/>
+                </a:highlight>
+                <a:latin typeface="D2Coding" panose="020B0609020101020101" pitchFamily="49" charset="-127"/>
+                <a:ea typeface="D2Coding" panose="020B0609020101020101" pitchFamily="49" charset="-127"/>
+              </a:rPr>
+              <a:t>&lt;/</a:t>
+            </a:r>
+            <a:r>
+              <a:rPr lang="en-US" altLang="ko-KR" sz="1400">
+                <a:solidFill>
+                  <a:srgbClr val="800000"/>
+                </a:solidFill>
+                <a:highlight>
+                  <a:srgbClr val="FFFFFF"/>
+                </a:highlight>
+                <a:latin typeface="D2Coding" panose="020B0609020101020101" pitchFamily="49" charset="-127"/>
+                <a:ea typeface="D2Coding" panose="020B0609020101020101" pitchFamily="49" charset="-127"/>
+              </a:rPr>
+              <a:t>strong</a:t>
+            </a:r>
+            <a:r>
+              <a:rPr lang="en-US" altLang="ko-KR" sz="1400">
+                <a:solidFill>
+                  <a:srgbClr val="0000FF"/>
+                </a:solidFill>
+                <a:highlight>
+                  <a:srgbClr val="FFFFFF"/>
+                </a:highlight>
+                <a:latin typeface="D2Coding" panose="020B0609020101020101" pitchFamily="49" charset="-127"/>
+                <a:ea typeface="D2Coding" panose="020B0609020101020101" pitchFamily="49" charset="-127"/>
+              </a:rPr>
+              <a:t>&gt;</a:t>
+            </a:r>
+            <a:endParaRPr lang="en-US" altLang="ko-KR" sz="1400">
+              <a:solidFill>
+                <a:srgbClr val="000000"/>
+              </a:solidFill>
+              <a:highlight>
+                <a:srgbClr val="FFFFFF"/>
+              </a:highlight>
+              <a:latin typeface="D2Coding" panose="020B0609020101020101" pitchFamily="49" charset="-127"/>
+              <a:ea typeface="D2Coding" panose="020B0609020101020101" pitchFamily="49" charset="-127"/>
+            </a:endParaRPr>
+          </a:p>
+          <a:p>
+            <a:r>
+              <a:rPr lang="en-US" altLang="ko-KR" sz="1400">
+                <a:solidFill>
+                  <a:srgbClr val="0000FF"/>
+                </a:solidFill>
+                <a:highlight>
+                  <a:srgbClr val="FFFFFF"/>
+                </a:highlight>
+                <a:latin typeface="D2Coding" panose="020B0609020101020101" pitchFamily="49" charset="-127"/>
+                <a:ea typeface="D2Coding" panose="020B0609020101020101" pitchFamily="49" charset="-127"/>
+              </a:rPr>
+              <a:t>    &lt;</a:t>
+            </a:r>
+            <a:r>
+              <a:rPr lang="en-US" altLang="ko-KR" sz="1400">
+                <a:solidFill>
+                  <a:srgbClr val="800000"/>
+                </a:solidFill>
+                <a:highlight>
+                  <a:srgbClr val="FFFFFF"/>
+                </a:highlight>
+                <a:latin typeface="D2Coding" panose="020B0609020101020101" pitchFamily="49" charset="-127"/>
+                <a:ea typeface="D2Coding" panose="020B0609020101020101" pitchFamily="49" charset="-127"/>
+              </a:rPr>
+              <a:t>p</a:t>
+            </a:r>
+            <a:r>
+              <a:rPr lang="en-US" altLang="ko-KR" sz="1400">
+                <a:solidFill>
+                  <a:srgbClr val="0000FF"/>
+                </a:solidFill>
+                <a:highlight>
+                  <a:srgbClr val="FFFFFF"/>
+                </a:highlight>
+                <a:latin typeface="D2Coding" panose="020B0609020101020101" pitchFamily="49" charset="-127"/>
+                <a:ea typeface="D2Coding" panose="020B0609020101020101" pitchFamily="49" charset="-127"/>
+              </a:rPr>
+              <a:t>&gt;</a:t>
+            </a:r>
+            <a:r>
+              <a:rPr lang="ko-KR" altLang="en-US" sz="1400">
+                <a:solidFill>
+                  <a:srgbClr val="000000"/>
+                </a:solidFill>
+                <a:highlight>
+                  <a:srgbClr val="FFFFFF"/>
+                </a:highlight>
+                <a:latin typeface="D2Coding" panose="020B0609020101020101" pitchFamily="49" charset="-127"/>
+                <a:ea typeface="D2Coding" panose="020B0609020101020101" pitchFamily="49" charset="-127"/>
+              </a:rPr>
+              <a:t>국내에서 자주 사용하는 모던 브라우저</a:t>
+            </a:r>
+            <a:r>
+              <a:rPr lang="en-US" altLang="ko-KR" sz="1400">
+                <a:solidFill>
+                  <a:srgbClr val="0000FF"/>
+                </a:solidFill>
+                <a:highlight>
+                  <a:srgbClr val="FFFFFF"/>
+                </a:highlight>
+                <a:latin typeface="D2Coding" panose="020B0609020101020101" pitchFamily="49" charset="-127"/>
+                <a:ea typeface="D2Coding" panose="020B0609020101020101" pitchFamily="49" charset="-127"/>
+              </a:rPr>
+              <a:t>&lt;/</a:t>
+            </a:r>
+            <a:r>
+              <a:rPr lang="en-US" altLang="ko-KR" sz="1400">
+                <a:solidFill>
+                  <a:srgbClr val="800000"/>
+                </a:solidFill>
+                <a:highlight>
+                  <a:srgbClr val="FFFFFF"/>
+                </a:highlight>
+                <a:latin typeface="D2Coding" panose="020B0609020101020101" pitchFamily="49" charset="-127"/>
+                <a:ea typeface="D2Coding" panose="020B0609020101020101" pitchFamily="49" charset="-127"/>
+              </a:rPr>
+              <a:t>p</a:t>
+            </a:r>
+            <a:r>
+              <a:rPr lang="en-US" altLang="ko-KR" sz="1400">
+                <a:solidFill>
+                  <a:srgbClr val="0000FF"/>
+                </a:solidFill>
+                <a:highlight>
+                  <a:srgbClr val="FFFFFF"/>
+                </a:highlight>
+                <a:latin typeface="D2Coding" panose="020B0609020101020101" pitchFamily="49" charset="-127"/>
+                <a:ea typeface="D2Coding" panose="020B0609020101020101" pitchFamily="49" charset="-127"/>
+              </a:rPr>
+              <a:t>&gt;</a:t>
+            </a:r>
+            <a:endParaRPr lang="ko-KR" altLang="en-US" sz="1400">
+              <a:solidFill>
+                <a:srgbClr val="000000"/>
+              </a:solidFill>
+              <a:highlight>
+                <a:srgbClr val="FFFFFF"/>
+              </a:highlight>
+              <a:latin typeface="D2Coding" panose="020B0609020101020101" pitchFamily="49" charset="-127"/>
+              <a:ea typeface="D2Coding" panose="020B0609020101020101" pitchFamily="49" charset="-127"/>
+            </a:endParaRPr>
+          </a:p>
+          <a:p>
+            <a:r>
+              <a:rPr lang="en-US" altLang="ko-KR" sz="1400">
+                <a:solidFill>
+                  <a:srgbClr val="0000FF"/>
+                </a:solidFill>
+                <a:highlight>
+                  <a:srgbClr val="FFFFFF"/>
+                </a:highlight>
+                <a:latin typeface="D2Coding" panose="020B0609020101020101" pitchFamily="49" charset="-127"/>
+                <a:ea typeface="D2Coding" panose="020B0609020101020101" pitchFamily="49" charset="-127"/>
+              </a:rPr>
+              <a:t>  &lt;/</a:t>
+            </a:r>
+            <a:r>
+              <a:rPr lang="en-US" altLang="ko-KR" sz="1400">
+                <a:solidFill>
+                  <a:srgbClr val="800000"/>
+                </a:solidFill>
+                <a:highlight>
+                  <a:srgbClr val="FFFFFF"/>
+                </a:highlight>
+                <a:latin typeface="D2Coding" panose="020B0609020101020101" pitchFamily="49" charset="-127"/>
+                <a:ea typeface="D2Coding" panose="020B0609020101020101" pitchFamily="49" charset="-127"/>
+              </a:rPr>
+              <a:t>caption</a:t>
+            </a:r>
+            <a:r>
+              <a:rPr lang="en-US" altLang="ko-KR" sz="1400">
+                <a:solidFill>
+                  <a:srgbClr val="0000FF"/>
+                </a:solidFill>
+                <a:highlight>
+                  <a:srgbClr val="FFFFFF"/>
+                </a:highlight>
+                <a:latin typeface="D2Coding" panose="020B0609020101020101" pitchFamily="49" charset="-127"/>
+                <a:ea typeface="D2Coding" panose="020B0609020101020101" pitchFamily="49" charset="-127"/>
+              </a:rPr>
+              <a:t>&gt;</a:t>
+            </a:r>
+            <a:endParaRPr lang="en-US" altLang="ko-KR" sz="1400">
+              <a:solidFill>
+                <a:srgbClr val="000000"/>
+              </a:solidFill>
+              <a:highlight>
+                <a:srgbClr val="FFFFFF"/>
+              </a:highlight>
+              <a:latin typeface="D2Coding" panose="020B0609020101020101" pitchFamily="49" charset="-127"/>
+              <a:ea typeface="D2Coding" panose="020B0609020101020101" pitchFamily="49" charset="-127"/>
+            </a:endParaRPr>
+          </a:p>
+          <a:p>
+            <a:r>
+              <a:rPr lang="en-US" altLang="ko-KR" sz="1400">
+                <a:solidFill>
+                  <a:srgbClr val="0000FF"/>
+                </a:solidFill>
+                <a:highlight>
+                  <a:srgbClr val="FFFFFF"/>
+                </a:highlight>
+                <a:latin typeface="D2Coding" panose="020B0609020101020101" pitchFamily="49" charset="-127"/>
+                <a:ea typeface="D2Coding" panose="020B0609020101020101" pitchFamily="49" charset="-127"/>
+              </a:rPr>
+              <a:t>  &lt;</a:t>
+            </a:r>
+            <a:r>
+              <a:rPr lang="en-US" altLang="ko-KR" sz="1400">
+                <a:solidFill>
+                  <a:srgbClr val="800000"/>
+                </a:solidFill>
+                <a:highlight>
+                  <a:srgbClr val="FFFFFF"/>
+                </a:highlight>
+                <a:latin typeface="D2Coding" panose="020B0609020101020101" pitchFamily="49" charset="-127"/>
+                <a:ea typeface="D2Coding" panose="020B0609020101020101" pitchFamily="49" charset="-127"/>
+              </a:rPr>
+              <a:t>tr</a:t>
+            </a:r>
+            <a:r>
+              <a:rPr lang="en-US" altLang="ko-KR" sz="1400">
+                <a:solidFill>
+                  <a:srgbClr val="0000FF"/>
+                </a:solidFill>
+                <a:highlight>
+                  <a:srgbClr val="FFFFFF"/>
+                </a:highlight>
+                <a:latin typeface="D2Coding" panose="020B0609020101020101" pitchFamily="49" charset="-127"/>
+                <a:ea typeface="D2Coding" panose="020B0609020101020101" pitchFamily="49" charset="-127"/>
+              </a:rPr>
+              <a:t>&gt; …… &lt;/</a:t>
+            </a:r>
+            <a:r>
+              <a:rPr lang="en-US" altLang="ko-KR" sz="1400">
+                <a:solidFill>
+                  <a:srgbClr val="800000"/>
+                </a:solidFill>
+                <a:highlight>
+                  <a:srgbClr val="FFFFFF"/>
+                </a:highlight>
+                <a:latin typeface="D2Coding" panose="020B0609020101020101" pitchFamily="49" charset="-127"/>
+                <a:ea typeface="D2Coding" panose="020B0609020101020101" pitchFamily="49" charset="-127"/>
+              </a:rPr>
+              <a:t>tr</a:t>
+            </a:r>
+            <a:r>
+              <a:rPr lang="en-US" altLang="ko-KR" sz="1400">
+                <a:solidFill>
+                  <a:srgbClr val="0000FF"/>
+                </a:solidFill>
+                <a:highlight>
+                  <a:srgbClr val="FFFFFF"/>
+                </a:highlight>
+                <a:latin typeface="D2Coding" panose="020B0609020101020101" pitchFamily="49" charset="-127"/>
+                <a:ea typeface="D2Coding" panose="020B0609020101020101" pitchFamily="49" charset="-127"/>
+              </a:rPr>
+              <a:t>&gt;</a:t>
+            </a:r>
+          </a:p>
+          <a:p>
+            <a:r>
+              <a:rPr lang="en-US" altLang="ko-KR" sz="1400">
+                <a:solidFill>
+                  <a:srgbClr val="0000FF"/>
+                </a:solidFill>
+                <a:highlight>
+                  <a:srgbClr val="FFFFFF"/>
+                </a:highlight>
+                <a:latin typeface="D2Coding" panose="020B0609020101020101" pitchFamily="49" charset="-127"/>
+                <a:ea typeface="D2Coding" panose="020B0609020101020101" pitchFamily="49" charset="-127"/>
+              </a:rPr>
+              <a:t>  &lt;</a:t>
+            </a:r>
+            <a:r>
+              <a:rPr lang="en-US" altLang="ko-KR" sz="1400">
+                <a:solidFill>
+                  <a:srgbClr val="800000"/>
+                </a:solidFill>
+                <a:highlight>
+                  <a:srgbClr val="FFFFFF"/>
+                </a:highlight>
+                <a:latin typeface="D2Coding" panose="020B0609020101020101" pitchFamily="49" charset="-127"/>
+                <a:ea typeface="D2Coding" panose="020B0609020101020101" pitchFamily="49" charset="-127"/>
+              </a:rPr>
+              <a:t>tr</a:t>
+            </a:r>
+            <a:r>
+              <a:rPr lang="en-US" altLang="ko-KR" sz="1400">
+                <a:solidFill>
+                  <a:srgbClr val="0000FF"/>
+                </a:solidFill>
+                <a:highlight>
+                  <a:srgbClr val="FFFFFF"/>
+                </a:highlight>
+                <a:latin typeface="D2Coding" panose="020B0609020101020101" pitchFamily="49" charset="-127"/>
+                <a:ea typeface="D2Coding" panose="020B0609020101020101" pitchFamily="49" charset="-127"/>
+              </a:rPr>
+              <a:t>&gt; …… &lt;/</a:t>
+            </a:r>
+            <a:r>
+              <a:rPr lang="en-US" altLang="ko-KR" sz="1400">
+                <a:solidFill>
+                  <a:srgbClr val="800000"/>
+                </a:solidFill>
+                <a:highlight>
+                  <a:srgbClr val="FFFFFF"/>
+                </a:highlight>
+                <a:latin typeface="D2Coding" panose="020B0609020101020101" pitchFamily="49" charset="-127"/>
+                <a:ea typeface="D2Coding" panose="020B0609020101020101" pitchFamily="49" charset="-127"/>
+              </a:rPr>
+              <a:t>tr</a:t>
+            </a:r>
+            <a:r>
+              <a:rPr lang="en-US" altLang="ko-KR" sz="1400">
+                <a:solidFill>
+                  <a:srgbClr val="0000FF"/>
+                </a:solidFill>
+                <a:highlight>
+                  <a:srgbClr val="FFFFFF"/>
+                </a:highlight>
+                <a:latin typeface="D2Coding" panose="020B0609020101020101" pitchFamily="49" charset="-127"/>
+                <a:ea typeface="D2Coding" panose="020B0609020101020101" pitchFamily="49" charset="-127"/>
+              </a:rPr>
+              <a:t>&gt;</a:t>
+            </a:r>
+          </a:p>
+          <a:p>
+            <a:r>
+              <a:rPr lang="en-US" altLang="ko-KR" sz="1400">
+                <a:solidFill>
+                  <a:srgbClr val="0000FF"/>
+                </a:solidFill>
+                <a:highlight>
+                  <a:srgbClr val="FFFFFF"/>
+                </a:highlight>
+                <a:latin typeface="D2Coding" panose="020B0609020101020101" pitchFamily="49" charset="-127"/>
+                <a:ea typeface="D2Coding" panose="020B0609020101020101" pitchFamily="49" charset="-127"/>
+              </a:rPr>
+              <a:t>  &lt;</a:t>
+            </a:r>
+            <a:r>
+              <a:rPr lang="en-US" altLang="ko-KR" sz="1400">
+                <a:solidFill>
+                  <a:srgbClr val="800000"/>
+                </a:solidFill>
+                <a:highlight>
+                  <a:srgbClr val="FFFFFF"/>
+                </a:highlight>
+                <a:latin typeface="D2Coding" panose="020B0609020101020101" pitchFamily="49" charset="-127"/>
+                <a:ea typeface="D2Coding" panose="020B0609020101020101" pitchFamily="49" charset="-127"/>
+              </a:rPr>
+              <a:t>tr</a:t>
+            </a:r>
+            <a:r>
+              <a:rPr lang="en-US" altLang="ko-KR" sz="1400">
+                <a:solidFill>
+                  <a:srgbClr val="0000FF"/>
+                </a:solidFill>
+                <a:highlight>
+                  <a:srgbClr val="FFFFFF"/>
+                </a:highlight>
+                <a:latin typeface="D2Coding" panose="020B0609020101020101" pitchFamily="49" charset="-127"/>
+                <a:ea typeface="D2Coding" panose="020B0609020101020101" pitchFamily="49" charset="-127"/>
+              </a:rPr>
+              <a:t>&gt; …… &lt;/</a:t>
+            </a:r>
+            <a:r>
+              <a:rPr lang="en-US" altLang="ko-KR" sz="1400">
+                <a:solidFill>
+                  <a:srgbClr val="800000"/>
+                </a:solidFill>
+                <a:highlight>
+                  <a:srgbClr val="FFFFFF"/>
+                </a:highlight>
+                <a:latin typeface="D2Coding" panose="020B0609020101020101" pitchFamily="49" charset="-127"/>
+                <a:ea typeface="D2Coding" panose="020B0609020101020101" pitchFamily="49" charset="-127"/>
+              </a:rPr>
+              <a:t>tr</a:t>
+            </a:r>
+            <a:r>
+              <a:rPr lang="en-US" altLang="ko-KR" sz="1400">
+                <a:solidFill>
+                  <a:srgbClr val="0000FF"/>
+                </a:solidFill>
+                <a:highlight>
+                  <a:srgbClr val="FFFFFF"/>
+                </a:highlight>
+                <a:latin typeface="D2Coding" panose="020B0609020101020101" pitchFamily="49" charset="-127"/>
+                <a:ea typeface="D2Coding" panose="020B0609020101020101" pitchFamily="49" charset="-127"/>
+              </a:rPr>
+              <a:t>&gt;</a:t>
+            </a:r>
+          </a:p>
+          <a:p>
+            <a:r>
+              <a:rPr lang="en-US" altLang="ko-KR" sz="1400">
+                <a:solidFill>
+                  <a:srgbClr val="0000FF"/>
+                </a:solidFill>
+                <a:highlight>
+                  <a:srgbClr val="FFFFFF"/>
+                </a:highlight>
+                <a:latin typeface="D2Coding" panose="020B0609020101020101" pitchFamily="49" charset="-127"/>
+                <a:ea typeface="D2Coding" panose="020B0609020101020101" pitchFamily="49" charset="-127"/>
+              </a:rPr>
+              <a:t>  &lt;</a:t>
+            </a:r>
+            <a:r>
+              <a:rPr lang="en-US" altLang="ko-KR" sz="1400">
+                <a:solidFill>
+                  <a:srgbClr val="800000"/>
+                </a:solidFill>
+                <a:highlight>
+                  <a:srgbClr val="FFFFFF"/>
+                </a:highlight>
+                <a:latin typeface="D2Coding" panose="020B0609020101020101" pitchFamily="49" charset="-127"/>
+                <a:ea typeface="D2Coding" panose="020B0609020101020101" pitchFamily="49" charset="-127"/>
+              </a:rPr>
+              <a:t>tr</a:t>
+            </a:r>
+            <a:r>
+              <a:rPr lang="en-US" altLang="ko-KR" sz="1400">
+                <a:solidFill>
+                  <a:srgbClr val="0000FF"/>
+                </a:solidFill>
+                <a:highlight>
+                  <a:srgbClr val="FFFFFF"/>
+                </a:highlight>
+                <a:latin typeface="D2Coding" panose="020B0609020101020101" pitchFamily="49" charset="-127"/>
+                <a:ea typeface="D2Coding" panose="020B0609020101020101" pitchFamily="49" charset="-127"/>
+              </a:rPr>
+              <a:t>&gt; …… &lt;/</a:t>
+            </a:r>
+            <a:r>
+              <a:rPr lang="en-US" altLang="ko-KR" sz="1400">
+                <a:solidFill>
+                  <a:srgbClr val="800000"/>
+                </a:solidFill>
+                <a:highlight>
+                  <a:srgbClr val="FFFFFF"/>
+                </a:highlight>
+                <a:latin typeface="D2Coding" panose="020B0609020101020101" pitchFamily="49" charset="-127"/>
+                <a:ea typeface="D2Coding" panose="020B0609020101020101" pitchFamily="49" charset="-127"/>
+              </a:rPr>
+              <a:t>tr</a:t>
+            </a:r>
+            <a:r>
+              <a:rPr lang="en-US" altLang="ko-KR" sz="1400">
+                <a:solidFill>
+                  <a:srgbClr val="0000FF"/>
+                </a:solidFill>
+                <a:highlight>
+                  <a:srgbClr val="FFFFFF"/>
+                </a:highlight>
+                <a:latin typeface="D2Coding" panose="020B0609020101020101" pitchFamily="49" charset="-127"/>
+                <a:ea typeface="D2Coding" panose="020B0609020101020101" pitchFamily="49" charset="-127"/>
+              </a:rPr>
+              <a:t>&gt;</a:t>
+            </a:r>
+          </a:p>
+          <a:p>
+            <a:r>
+              <a:rPr lang="en-US" altLang="ko-KR" sz="1400">
+                <a:solidFill>
+                  <a:srgbClr val="0000FF"/>
+                </a:solidFill>
+                <a:highlight>
+                  <a:srgbClr val="FFFFFF"/>
+                </a:highlight>
+                <a:latin typeface="D2Coding" panose="020B0609020101020101" pitchFamily="49" charset="-127"/>
+                <a:ea typeface="D2Coding" panose="020B0609020101020101" pitchFamily="49" charset="-127"/>
+              </a:rPr>
+              <a:t>&lt;/</a:t>
+            </a:r>
+            <a:r>
+              <a:rPr lang="en-US" altLang="ko-KR" sz="1400">
+                <a:solidFill>
+                  <a:srgbClr val="800000"/>
+                </a:solidFill>
+                <a:highlight>
+                  <a:srgbClr val="FFFFFF"/>
+                </a:highlight>
+                <a:latin typeface="D2Coding" panose="020B0609020101020101" pitchFamily="49" charset="-127"/>
+                <a:ea typeface="D2Coding" panose="020B0609020101020101" pitchFamily="49" charset="-127"/>
+              </a:rPr>
+              <a:t>table</a:t>
+            </a:r>
+            <a:r>
+              <a:rPr lang="en-US" altLang="ko-KR" sz="1400">
+                <a:solidFill>
+                  <a:srgbClr val="0000FF"/>
+                </a:solidFill>
+                <a:highlight>
+                  <a:srgbClr val="FFFFFF"/>
+                </a:highlight>
+                <a:latin typeface="D2Coding" panose="020B0609020101020101" pitchFamily="49" charset="-127"/>
+                <a:ea typeface="D2Coding" panose="020B0609020101020101" pitchFamily="49" charset="-127"/>
+              </a:rPr>
+              <a:t>&gt;</a:t>
+            </a:r>
+            <a:endParaRPr lang="ko-KR" altLang="en-US" sz="1400"/>
+          </a:p>
+        </p:txBody>
+      </p:sp>
+      <p:pic>
+        <p:nvPicPr>
+          <p:cNvPr id="10" name="그림 9"/>
+          <p:cNvPicPr>
+            <a:picLocks noChangeAspect="1"/>
+          </p:cNvPicPr>
+          <p:nvPr/>
+        </p:nvPicPr>
+        <p:blipFill>
+          <a:blip r:embed="rId2"/>
+          <a:stretch>
+            <a:fillRect/>
+          </a:stretch>
+        </p:blipFill>
+        <p:spPr>
+          <a:xfrm>
+            <a:off x="966788" y="4617186"/>
+            <a:ext cx="4254182" cy="1452026"/>
+          </a:xfrm>
+          <a:prstGeom prst="rect">
+            <a:avLst/>
+          </a:prstGeom>
+        </p:spPr>
+      </p:pic>
+      <p:sp>
+        <p:nvSpPr>
+          <p:cNvPr id="19" name="TextBox 18"/>
+          <p:cNvSpPr txBox="1"/>
+          <p:nvPr/>
+        </p:nvSpPr>
+        <p:spPr>
+          <a:xfrm>
+            <a:off x="6429123" y="1312752"/>
+            <a:ext cx="4100057" cy="369332"/>
+          </a:xfrm>
+          <a:prstGeom prst="rect">
+            <a:avLst/>
+          </a:prstGeom>
+          <a:noFill/>
+        </p:spPr>
+        <p:txBody>
+          <a:bodyPr wrap="square" rtlCol="0">
+            <a:spAutoFit/>
+          </a:bodyPr>
+          <a:lstStyle/>
+          <a:p>
+            <a:r>
+              <a:rPr lang="en-US" altLang="ko-KR" b="1"/>
+              <a:t>&lt;figure&gt;, &lt;figcaption&gt; – </a:t>
+            </a:r>
+            <a:r>
+              <a:rPr lang="ko-KR" altLang="en-US" b="1"/>
+              <a:t>표</a:t>
+            </a:r>
+            <a:r>
+              <a:rPr lang="en-US" altLang="ko-KR" b="1"/>
+              <a:t> </a:t>
+            </a:r>
+            <a:r>
+              <a:rPr lang="ko-KR" altLang="en-US" b="1"/>
+              <a:t>제목</a:t>
+            </a:r>
+          </a:p>
+        </p:txBody>
+      </p:sp>
+      <p:sp>
+        <p:nvSpPr>
+          <p:cNvPr id="11" name="직사각형 10"/>
+          <p:cNvSpPr/>
+          <p:nvPr/>
+        </p:nvSpPr>
+        <p:spPr>
+          <a:xfrm>
+            <a:off x="6429123" y="2370417"/>
+            <a:ext cx="5295115" cy="2462213"/>
+          </a:xfrm>
+          <a:prstGeom prst="rect">
+            <a:avLst/>
+          </a:prstGeom>
+        </p:spPr>
+        <p:txBody>
+          <a:bodyPr wrap="square">
+            <a:spAutoFit/>
+          </a:bodyPr>
+          <a:lstStyle/>
+          <a:p>
+            <a:r>
+              <a:rPr lang="en-US" altLang="ko-KR" sz="1400">
+                <a:solidFill>
+                  <a:srgbClr val="0000FF"/>
+                </a:solidFill>
+                <a:highlight>
+                  <a:srgbClr val="FFFFFF"/>
+                </a:highlight>
+                <a:latin typeface="D2Coding" panose="020B0609020101020101" pitchFamily="49" charset="-127"/>
+                <a:ea typeface="D2Coding" panose="020B0609020101020101" pitchFamily="49" charset="-127"/>
+              </a:rPr>
+              <a:t>&lt;</a:t>
+            </a:r>
+            <a:r>
+              <a:rPr lang="en-US" altLang="ko-KR" sz="1400">
+                <a:solidFill>
+                  <a:srgbClr val="800000"/>
+                </a:solidFill>
+                <a:highlight>
+                  <a:srgbClr val="FFFFFF"/>
+                </a:highlight>
+                <a:latin typeface="D2Coding" panose="020B0609020101020101" pitchFamily="49" charset="-127"/>
+                <a:ea typeface="D2Coding" panose="020B0609020101020101" pitchFamily="49" charset="-127"/>
+              </a:rPr>
+              <a:t>figure</a:t>
+            </a:r>
+            <a:r>
+              <a:rPr lang="en-US" altLang="ko-KR" sz="1400">
+                <a:solidFill>
+                  <a:srgbClr val="0000FF"/>
+                </a:solidFill>
+                <a:highlight>
+                  <a:srgbClr val="FFFFFF"/>
+                </a:highlight>
+                <a:latin typeface="D2Coding" panose="020B0609020101020101" pitchFamily="49" charset="-127"/>
+                <a:ea typeface="D2Coding" panose="020B0609020101020101" pitchFamily="49" charset="-127"/>
+              </a:rPr>
+              <a:t>&gt;</a:t>
+            </a:r>
+            <a:endParaRPr lang="en-US" altLang="ko-KR" sz="1400">
+              <a:solidFill>
+                <a:srgbClr val="000000"/>
+              </a:solidFill>
+              <a:highlight>
+                <a:srgbClr val="FFFFFF"/>
+              </a:highlight>
+              <a:latin typeface="D2Coding" panose="020B0609020101020101" pitchFamily="49" charset="-127"/>
+              <a:ea typeface="D2Coding" panose="020B0609020101020101" pitchFamily="49" charset="-127"/>
+            </a:endParaRPr>
+          </a:p>
+          <a:p>
+            <a:r>
+              <a:rPr lang="en-US" altLang="ko-KR" sz="1400">
+                <a:solidFill>
+                  <a:srgbClr val="0000FF"/>
+                </a:solidFill>
+                <a:highlight>
+                  <a:srgbClr val="FFFFFF"/>
+                </a:highlight>
+                <a:latin typeface="D2Coding" panose="020B0609020101020101" pitchFamily="49" charset="-127"/>
+                <a:ea typeface="D2Coding" panose="020B0609020101020101" pitchFamily="49" charset="-127"/>
+              </a:rPr>
+              <a:t>  &lt;</a:t>
+            </a:r>
+            <a:r>
+              <a:rPr lang="en-US" altLang="ko-KR" sz="1400">
+                <a:solidFill>
+                  <a:srgbClr val="800000"/>
+                </a:solidFill>
+                <a:highlight>
+                  <a:srgbClr val="FFFFFF"/>
+                </a:highlight>
+                <a:latin typeface="D2Coding" panose="020B0609020101020101" pitchFamily="49" charset="-127"/>
+                <a:ea typeface="D2Coding" panose="020B0609020101020101" pitchFamily="49" charset="-127"/>
+              </a:rPr>
+              <a:t>figcaption</a:t>
+            </a:r>
+            <a:r>
+              <a:rPr lang="en-US" altLang="ko-KR" sz="1400">
+                <a:solidFill>
+                  <a:srgbClr val="0000FF"/>
+                </a:solidFill>
+                <a:highlight>
+                  <a:srgbClr val="FFFFFF"/>
+                </a:highlight>
+                <a:latin typeface="D2Coding" panose="020B0609020101020101" pitchFamily="49" charset="-127"/>
+                <a:ea typeface="D2Coding" panose="020B0609020101020101" pitchFamily="49" charset="-127"/>
+              </a:rPr>
+              <a:t>&gt;</a:t>
+            </a:r>
+            <a:endParaRPr lang="en-US" altLang="ko-KR" sz="1400">
+              <a:solidFill>
+                <a:srgbClr val="000000"/>
+              </a:solidFill>
+              <a:highlight>
+                <a:srgbClr val="FFFFFF"/>
+              </a:highlight>
+              <a:latin typeface="D2Coding" panose="020B0609020101020101" pitchFamily="49" charset="-127"/>
+              <a:ea typeface="D2Coding" panose="020B0609020101020101" pitchFamily="49" charset="-127"/>
+            </a:endParaRPr>
+          </a:p>
+          <a:p>
+            <a:r>
+              <a:rPr lang="en-US" altLang="ko-KR" sz="1400">
+                <a:solidFill>
+                  <a:srgbClr val="0000FF"/>
+                </a:solidFill>
+                <a:highlight>
+                  <a:srgbClr val="FFFFFF"/>
+                </a:highlight>
+                <a:latin typeface="D2Coding" panose="020B0609020101020101" pitchFamily="49" charset="-127"/>
+                <a:ea typeface="D2Coding" panose="020B0609020101020101" pitchFamily="49" charset="-127"/>
+              </a:rPr>
+              <a:t>    &lt;</a:t>
+            </a:r>
+            <a:r>
+              <a:rPr lang="en-US" altLang="ko-KR" sz="1400">
+                <a:solidFill>
+                  <a:srgbClr val="800000"/>
+                </a:solidFill>
+                <a:highlight>
+                  <a:srgbClr val="FFFFFF"/>
+                </a:highlight>
+                <a:latin typeface="D2Coding" panose="020B0609020101020101" pitchFamily="49" charset="-127"/>
+                <a:ea typeface="D2Coding" panose="020B0609020101020101" pitchFamily="49" charset="-127"/>
+              </a:rPr>
+              <a:t>p</a:t>
+            </a:r>
+            <a:r>
+              <a:rPr lang="en-US" altLang="ko-KR" sz="1400">
+                <a:solidFill>
+                  <a:srgbClr val="0000FF"/>
+                </a:solidFill>
+                <a:highlight>
+                  <a:srgbClr val="FFFFFF"/>
+                </a:highlight>
+                <a:latin typeface="D2Coding" panose="020B0609020101020101" pitchFamily="49" charset="-127"/>
+                <a:ea typeface="D2Coding" panose="020B0609020101020101" pitchFamily="49" charset="-127"/>
+              </a:rPr>
+              <a:t>&gt;</a:t>
+            </a:r>
+            <a:r>
+              <a:rPr lang="ko-KR" altLang="en-US" sz="1400">
+                <a:solidFill>
+                  <a:srgbClr val="000000"/>
+                </a:solidFill>
+                <a:highlight>
+                  <a:srgbClr val="FFFFFF"/>
+                </a:highlight>
+                <a:latin typeface="D2Coding" panose="020B0609020101020101" pitchFamily="49" charset="-127"/>
+                <a:ea typeface="D2Coding" panose="020B0609020101020101" pitchFamily="49" charset="-127"/>
+              </a:rPr>
+              <a:t>국내에서 자주 사용하는 </a:t>
+            </a:r>
+            <a:r>
+              <a:rPr lang="en-US" altLang="ko-KR" sz="1400">
+                <a:solidFill>
+                  <a:srgbClr val="0000FF"/>
+                </a:solidFill>
+                <a:highlight>
+                  <a:srgbClr val="FFFFFF"/>
+                </a:highlight>
+                <a:latin typeface="D2Coding" panose="020B0609020101020101" pitchFamily="49" charset="-127"/>
+                <a:ea typeface="D2Coding" panose="020B0609020101020101" pitchFamily="49" charset="-127"/>
+              </a:rPr>
+              <a:t>&lt;</a:t>
+            </a:r>
+            <a:r>
+              <a:rPr lang="en-US" altLang="ko-KR" sz="1400">
+                <a:solidFill>
+                  <a:srgbClr val="800000"/>
+                </a:solidFill>
+                <a:highlight>
+                  <a:srgbClr val="FFFFFF"/>
+                </a:highlight>
+                <a:latin typeface="D2Coding" panose="020B0609020101020101" pitchFamily="49" charset="-127"/>
+                <a:ea typeface="D2Coding" panose="020B0609020101020101" pitchFamily="49" charset="-127"/>
+              </a:rPr>
+              <a:t>b</a:t>
+            </a:r>
+            <a:r>
+              <a:rPr lang="en-US" altLang="ko-KR" sz="1400">
+                <a:solidFill>
+                  <a:srgbClr val="0000FF"/>
+                </a:solidFill>
+                <a:highlight>
+                  <a:srgbClr val="FFFFFF"/>
+                </a:highlight>
+                <a:latin typeface="D2Coding" panose="020B0609020101020101" pitchFamily="49" charset="-127"/>
+                <a:ea typeface="D2Coding" panose="020B0609020101020101" pitchFamily="49" charset="-127"/>
+              </a:rPr>
+              <a:t>&gt;</a:t>
+            </a:r>
+            <a:r>
+              <a:rPr lang="ko-KR" altLang="en-US" sz="1400">
+                <a:solidFill>
+                  <a:srgbClr val="000000"/>
+                </a:solidFill>
+                <a:highlight>
+                  <a:srgbClr val="FFFFFF"/>
+                </a:highlight>
+                <a:latin typeface="D2Coding" panose="020B0609020101020101" pitchFamily="49" charset="-127"/>
+                <a:ea typeface="D2Coding" panose="020B0609020101020101" pitchFamily="49" charset="-127"/>
+              </a:rPr>
+              <a:t>모던 브라우저</a:t>
+            </a:r>
+            <a:r>
+              <a:rPr lang="en-US" altLang="ko-KR" sz="1400">
+                <a:solidFill>
+                  <a:srgbClr val="0000FF"/>
+                </a:solidFill>
+                <a:highlight>
+                  <a:srgbClr val="FFFFFF"/>
+                </a:highlight>
+                <a:latin typeface="D2Coding" panose="020B0609020101020101" pitchFamily="49" charset="-127"/>
+                <a:ea typeface="D2Coding" panose="020B0609020101020101" pitchFamily="49" charset="-127"/>
+              </a:rPr>
+              <a:t>&lt;/</a:t>
+            </a:r>
+            <a:r>
+              <a:rPr lang="en-US" altLang="ko-KR" sz="1400">
+                <a:solidFill>
+                  <a:srgbClr val="800000"/>
+                </a:solidFill>
+                <a:highlight>
+                  <a:srgbClr val="FFFFFF"/>
+                </a:highlight>
+                <a:latin typeface="D2Coding" panose="020B0609020101020101" pitchFamily="49" charset="-127"/>
+                <a:ea typeface="D2Coding" panose="020B0609020101020101" pitchFamily="49" charset="-127"/>
+              </a:rPr>
+              <a:t>b</a:t>
+            </a:r>
+            <a:r>
+              <a:rPr lang="en-US" altLang="ko-KR" sz="1400">
+                <a:solidFill>
+                  <a:srgbClr val="0000FF"/>
+                </a:solidFill>
+                <a:highlight>
+                  <a:srgbClr val="FFFFFF"/>
+                </a:highlight>
+                <a:latin typeface="D2Coding" panose="020B0609020101020101" pitchFamily="49" charset="-127"/>
+                <a:ea typeface="D2Coding" panose="020B0609020101020101" pitchFamily="49" charset="-127"/>
+              </a:rPr>
+              <a:t>&gt;&lt;/</a:t>
+            </a:r>
+            <a:r>
+              <a:rPr lang="en-US" altLang="ko-KR" sz="1400">
+                <a:solidFill>
+                  <a:srgbClr val="800000"/>
+                </a:solidFill>
+                <a:highlight>
+                  <a:srgbClr val="FFFFFF"/>
+                </a:highlight>
+                <a:latin typeface="D2Coding" panose="020B0609020101020101" pitchFamily="49" charset="-127"/>
+                <a:ea typeface="D2Coding" panose="020B0609020101020101" pitchFamily="49" charset="-127"/>
+              </a:rPr>
+              <a:t>p</a:t>
+            </a:r>
+            <a:r>
+              <a:rPr lang="en-US" altLang="ko-KR" sz="1400">
+                <a:solidFill>
+                  <a:srgbClr val="0000FF"/>
+                </a:solidFill>
+                <a:highlight>
+                  <a:srgbClr val="FFFFFF"/>
+                </a:highlight>
+                <a:latin typeface="D2Coding" panose="020B0609020101020101" pitchFamily="49" charset="-127"/>
+                <a:ea typeface="D2Coding" panose="020B0609020101020101" pitchFamily="49" charset="-127"/>
+              </a:rPr>
+              <a:t>&gt;</a:t>
+            </a:r>
+            <a:endParaRPr lang="ko-KR" altLang="en-US" sz="1400">
+              <a:solidFill>
+                <a:srgbClr val="000000"/>
+              </a:solidFill>
+              <a:highlight>
+                <a:srgbClr val="FFFFFF"/>
+              </a:highlight>
+              <a:latin typeface="D2Coding" panose="020B0609020101020101" pitchFamily="49" charset="-127"/>
+              <a:ea typeface="D2Coding" panose="020B0609020101020101" pitchFamily="49" charset="-127"/>
+            </a:endParaRPr>
+          </a:p>
+          <a:p>
+            <a:r>
+              <a:rPr lang="en-US" altLang="ko-KR" sz="1400">
+                <a:solidFill>
+                  <a:srgbClr val="0000FF"/>
+                </a:solidFill>
+                <a:highlight>
+                  <a:srgbClr val="FFFFFF"/>
+                </a:highlight>
+                <a:latin typeface="D2Coding" panose="020B0609020101020101" pitchFamily="49" charset="-127"/>
+                <a:ea typeface="D2Coding" panose="020B0609020101020101" pitchFamily="49" charset="-127"/>
+              </a:rPr>
+              <a:t>  &lt;/</a:t>
+            </a:r>
+            <a:r>
+              <a:rPr lang="en-US" altLang="ko-KR" sz="1400">
+                <a:solidFill>
+                  <a:srgbClr val="800000"/>
+                </a:solidFill>
+                <a:highlight>
+                  <a:srgbClr val="FFFFFF"/>
+                </a:highlight>
+                <a:latin typeface="D2Coding" panose="020B0609020101020101" pitchFamily="49" charset="-127"/>
+                <a:ea typeface="D2Coding" panose="020B0609020101020101" pitchFamily="49" charset="-127"/>
+              </a:rPr>
+              <a:t>figcaption</a:t>
+            </a:r>
+            <a:r>
+              <a:rPr lang="en-US" altLang="ko-KR" sz="1400">
+                <a:solidFill>
+                  <a:srgbClr val="0000FF"/>
+                </a:solidFill>
+                <a:highlight>
+                  <a:srgbClr val="FFFFFF"/>
+                </a:highlight>
+                <a:latin typeface="D2Coding" panose="020B0609020101020101" pitchFamily="49" charset="-127"/>
+                <a:ea typeface="D2Coding" panose="020B0609020101020101" pitchFamily="49" charset="-127"/>
+              </a:rPr>
+              <a:t>&gt;</a:t>
+            </a:r>
+            <a:endParaRPr lang="en-US" altLang="ko-KR" sz="1400">
+              <a:solidFill>
+                <a:srgbClr val="000000"/>
+              </a:solidFill>
+              <a:highlight>
+                <a:srgbClr val="FFFFFF"/>
+              </a:highlight>
+              <a:latin typeface="D2Coding" panose="020B0609020101020101" pitchFamily="49" charset="-127"/>
+              <a:ea typeface="D2Coding" panose="020B0609020101020101" pitchFamily="49" charset="-127"/>
+            </a:endParaRPr>
+          </a:p>
+          <a:p>
+            <a:r>
+              <a:rPr lang="en-US" altLang="ko-KR" sz="1400">
+                <a:solidFill>
+                  <a:srgbClr val="0000FF"/>
+                </a:solidFill>
+                <a:highlight>
+                  <a:srgbClr val="FFFFFF"/>
+                </a:highlight>
+                <a:latin typeface="D2Coding" panose="020B0609020101020101" pitchFamily="49" charset="-127"/>
+                <a:ea typeface="D2Coding" panose="020B0609020101020101" pitchFamily="49" charset="-127"/>
+              </a:rPr>
+              <a:t>  &lt;</a:t>
+            </a:r>
+            <a:r>
+              <a:rPr lang="en-US" altLang="ko-KR" sz="1400">
+                <a:solidFill>
+                  <a:srgbClr val="800000"/>
+                </a:solidFill>
+                <a:highlight>
+                  <a:srgbClr val="FFFFFF"/>
+                </a:highlight>
+                <a:latin typeface="D2Coding" panose="020B0609020101020101" pitchFamily="49" charset="-127"/>
+                <a:ea typeface="D2Coding" panose="020B0609020101020101" pitchFamily="49" charset="-127"/>
+              </a:rPr>
+              <a:t>table</a:t>
+            </a:r>
+            <a:r>
+              <a:rPr lang="en-US" altLang="ko-KR" sz="1400">
+                <a:solidFill>
+                  <a:srgbClr val="000000"/>
+                </a:solidFill>
+                <a:highlight>
+                  <a:srgbClr val="FFFFFF"/>
+                </a:highlight>
+                <a:latin typeface="D2Coding" panose="020B0609020101020101" pitchFamily="49" charset="-127"/>
+                <a:ea typeface="D2Coding" panose="020B0609020101020101" pitchFamily="49" charset="-127"/>
+              </a:rPr>
+              <a:t> </a:t>
+            </a:r>
+            <a:r>
+              <a:rPr lang="en-US" altLang="ko-KR" sz="1400">
+                <a:solidFill>
+                  <a:srgbClr val="FF0000"/>
+                </a:solidFill>
+                <a:highlight>
+                  <a:srgbClr val="FFFFFF"/>
+                </a:highlight>
+                <a:latin typeface="D2Coding" panose="020B0609020101020101" pitchFamily="49" charset="-127"/>
+                <a:ea typeface="D2Coding" panose="020B0609020101020101" pitchFamily="49" charset="-127"/>
+              </a:rPr>
+              <a:t>border</a:t>
+            </a:r>
+            <a:r>
+              <a:rPr lang="en-US" altLang="ko-KR" sz="1400">
+                <a:solidFill>
+                  <a:srgbClr val="0000FF"/>
+                </a:solidFill>
+                <a:highlight>
+                  <a:srgbClr val="FFFFFF"/>
+                </a:highlight>
+                <a:latin typeface="D2Coding" panose="020B0609020101020101" pitchFamily="49" charset="-127"/>
+                <a:ea typeface="D2Coding" panose="020B0609020101020101" pitchFamily="49" charset="-127"/>
+              </a:rPr>
+              <a:t>="1"&gt;</a:t>
+            </a:r>
+          </a:p>
+          <a:p>
+            <a:r>
+              <a:rPr lang="en-US" altLang="ko-KR" sz="1400">
+                <a:solidFill>
+                  <a:srgbClr val="0000FF"/>
+                </a:solidFill>
+                <a:highlight>
+                  <a:srgbClr val="FFFFFF"/>
+                </a:highlight>
+                <a:latin typeface="D2Coding" panose="020B0609020101020101" pitchFamily="49" charset="-127"/>
+                <a:ea typeface="D2Coding" panose="020B0609020101020101" pitchFamily="49" charset="-127"/>
+              </a:rPr>
+              <a:t>    &lt;</a:t>
+            </a:r>
+            <a:r>
+              <a:rPr lang="en-US" altLang="ko-KR" sz="1400">
+                <a:solidFill>
+                  <a:srgbClr val="800000"/>
+                </a:solidFill>
+                <a:highlight>
+                  <a:srgbClr val="FFFFFF"/>
+                </a:highlight>
+                <a:latin typeface="D2Coding" panose="020B0609020101020101" pitchFamily="49" charset="-127"/>
+                <a:ea typeface="D2Coding" panose="020B0609020101020101" pitchFamily="49" charset="-127"/>
+              </a:rPr>
+              <a:t>tr</a:t>
+            </a:r>
+            <a:r>
+              <a:rPr lang="en-US" altLang="ko-KR" sz="1400">
+                <a:solidFill>
+                  <a:srgbClr val="0000FF"/>
+                </a:solidFill>
+                <a:highlight>
+                  <a:srgbClr val="FFFFFF"/>
+                </a:highlight>
+                <a:latin typeface="D2Coding" panose="020B0609020101020101" pitchFamily="49" charset="-127"/>
+                <a:ea typeface="D2Coding" panose="020B0609020101020101" pitchFamily="49" charset="-127"/>
+              </a:rPr>
+              <a:t>&gt; …… &lt;/</a:t>
+            </a:r>
+            <a:r>
+              <a:rPr lang="en-US" altLang="ko-KR" sz="1400">
+                <a:solidFill>
+                  <a:srgbClr val="800000"/>
+                </a:solidFill>
+                <a:highlight>
+                  <a:srgbClr val="FFFFFF"/>
+                </a:highlight>
+                <a:latin typeface="D2Coding" panose="020B0609020101020101" pitchFamily="49" charset="-127"/>
+                <a:ea typeface="D2Coding" panose="020B0609020101020101" pitchFamily="49" charset="-127"/>
+              </a:rPr>
+              <a:t>tr</a:t>
+            </a:r>
+            <a:r>
+              <a:rPr lang="en-US" altLang="ko-KR" sz="1400">
+                <a:solidFill>
+                  <a:srgbClr val="0000FF"/>
+                </a:solidFill>
+                <a:highlight>
+                  <a:srgbClr val="FFFFFF"/>
+                </a:highlight>
+                <a:latin typeface="D2Coding" panose="020B0609020101020101" pitchFamily="49" charset="-127"/>
+                <a:ea typeface="D2Coding" panose="020B0609020101020101" pitchFamily="49" charset="-127"/>
+              </a:rPr>
+              <a:t>&gt;</a:t>
+            </a:r>
+          </a:p>
+          <a:p>
+            <a:r>
+              <a:rPr lang="en-US" altLang="ko-KR" sz="1400">
+                <a:solidFill>
+                  <a:srgbClr val="0000FF"/>
+                </a:solidFill>
+                <a:highlight>
+                  <a:srgbClr val="FFFFFF"/>
+                </a:highlight>
+                <a:latin typeface="D2Coding" panose="020B0609020101020101" pitchFamily="49" charset="-127"/>
+                <a:ea typeface="D2Coding" panose="020B0609020101020101" pitchFamily="49" charset="-127"/>
+              </a:rPr>
+              <a:t>    &lt;</a:t>
+            </a:r>
+            <a:r>
+              <a:rPr lang="en-US" altLang="ko-KR" sz="1400">
+                <a:solidFill>
+                  <a:srgbClr val="800000"/>
+                </a:solidFill>
+                <a:highlight>
+                  <a:srgbClr val="FFFFFF"/>
+                </a:highlight>
+                <a:latin typeface="D2Coding" panose="020B0609020101020101" pitchFamily="49" charset="-127"/>
+                <a:ea typeface="D2Coding" panose="020B0609020101020101" pitchFamily="49" charset="-127"/>
+              </a:rPr>
+              <a:t>tr</a:t>
+            </a:r>
+            <a:r>
+              <a:rPr lang="en-US" altLang="ko-KR" sz="1400">
+                <a:solidFill>
+                  <a:srgbClr val="0000FF"/>
+                </a:solidFill>
+                <a:highlight>
+                  <a:srgbClr val="FFFFFF"/>
+                </a:highlight>
+                <a:latin typeface="D2Coding" panose="020B0609020101020101" pitchFamily="49" charset="-127"/>
+                <a:ea typeface="D2Coding" panose="020B0609020101020101" pitchFamily="49" charset="-127"/>
+              </a:rPr>
+              <a:t>&gt; …… &lt;/</a:t>
+            </a:r>
+            <a:r>
+              <a:rPr lang="en-US" altLang="ko-KR" sz="1400">
+                <a:solidFill>
+                  <a:srgbClr val="800000"/>
+                </a:solidFill>
+                <a:highlight>
+                  <a:srgbClr val="FFFFFF"/>
+                </a:highlight>
+                <a:latin typeface="D2Coding" panose="020B0609020101020101" pitchFamily="49" charset="-127"/>
+                <a:ea typeface="D2Coding" panose="020B0609020101020101" pitchFamily="49" charset="-127"/>
+              </a:rPr>
+              <a:t>tr</a:t>
+            </a:r>
+            <a:r>
+              <a:rPr lang="en-US" altLang="ko-KR" sz="1400">
+                <a:solidFill>
+                  <a:srgbClr val="0000FF"/>
+                </a:solidFill>
+                <a:highlight>
+                  <a:srgbClr val="FFFFFF"/>
+                </a:highlight>
+                <a:latin typeface="D2Coding" panose="020B0609020101020101" pitchFamily="49" charset="-127"/>
+                <a:ea typeface="D2Coding" panose="020B0609020101020101" pitchFamily="49" charset="-127"/>
+              </a:rPr>
+              <a:t>&gt;</a:t>
+            </a:r>
+          </a:p>
+          <a:p>
+            <a:r>
+              <a:rPr lang="en-US" altLang="ko-KR" sz="1400">
+                <a:solidFill>
+                  <a:srgbClr val="0000FF"/>
+                </a:solidFill>
+                <a:highlight>
+                  <a:srgbClr val="FFFFFF"/>
+                </a:highlight>
+                <a:latin typeface="D2Coding" panose="020B0609020101020101" pitchFamily="49" charset="-127"/>
+                <a:ea typeface="D2Coding" panose="020B0609020101020101" pitchFamily="49" charset="-127"/>
+              </a:rPr>
+              <a:t>    &lt;</a:t>
+            </a:r>
+            <a:r>
+              <a:rPr lang="en-US" altLang="ko-KR" sz="1400">
+                <a:solidFill>
+                  <a:srgbClr val="800000"/>
+                </a:solidFill>
+                <a:highlight>
+                  <a:srgbClr val="FFFFFF"/>
+                </a:highlight>
+                <a:latin typeface="D2Coding" panose="020B0609020101020101" pitchFamily="49" charset="-127"/>
+                <a:ea typeface="D2Coding" panose="020B0609020101020101" pitchFamily="49" charset="-127"/>
+              </a:rPr>
+              <a:t>tr</a:t>
+            </a:r>
+            <a:r>
+              <a:rPr lang="en-US" altLang="ko-KR" sz="1400">
+                <a:solidFill>
+                  <a:srgbClr val="0000FF"/>
+                </a:solidFill>
+                <a:highlight>
+                  <a:srgbClr val="FFFFFF"/>
+                </a:highlight>
+                <a:latin typeface="D2Coding" panose="020B0609020101020101" pitchFamily="49" charset="-127"/>
+                <a:ea typeface="D2Coding" panose="020B0609020101020101" pitchFamily="49" charset="-127"/>
+              </a:rPr>
+              <a:t>&gt; …… &lt;/</a:t>
+            </a:r>
+            <a:r>
+              <a:rPr lang="en-US" altLang="ko-KR" sz="1400">
+                <a:solidFill>
+                  <a:srgbClr val="800000"/>
+                </a:solidFill>
+                <a:highlight>
+                  <a:srgbClr val="FFFFFF"/>
+                </a:highlight>
+                <a:latin typeface="D2Coding" panose="020B0609020101020101" pitchFamily="49" charset="-127"/>
+                <a:ea typeface="D2Coding" panose="020B0609020101020101" pitchFamily="49" charset="-127"/>
+              </a:rPr>
+              <a:t>tr</a:t>
+            </a:r>
+            <a:r>
+              <a:rPr lang="en-US" altLang="ko-KR" sz="1400">
+                <a:solidFill>
+                  <a:srgbClr val="0000FF"/>
+                </a:solidFill>
+                <a:highlight>
+                  <a:srgbClr val="FFFFFF"/>
+                </a:highlight>
+                <a:latin typeface="D2Coding" panose="020B0609020101020101" pitchFamily="49" charset="-127"/>
+                <a:ea typeface="D2Coding" panose="020B0609020101020101" pitchFamily="49" charset="-127"/>
+              </a:rPr>
+              <a:t>&gt;</a:t>
+            </a:r>
+          </a:p>
+          <a:p>
+            <a:r>
+              <a:rPr lang="en-US" altLang="ko-KR" sz="1400">
+                <a:solidFill>
+                  <a:srgbClr val="0000FF"/>
+                </a:solidFill>
+                <a:highlight>
+                  <a:srgbClr val="FFFFFF"/>
+                </a:highlight>
+                <a:latin typeface="D2Coding" panose="020B0609020101020101" pitchFamily="49" charset="-127"/>
+                <a:ea typeface="D2Coding" panose="020B0609020101020101" pitchFamily="49" charset="-127"/>
+              </a:rPr>
+              <a:t>    &lt;</a:t>
+            </a:r>
+            <a:r>
+              <a:rPr lang="en-US" altLang="ko-KR" sz="1400">
+                <a:solidFill>
+                  <a:srgbClr val="800000"/>
+                </a:solidFill>
+                <a:highlight>
+                  <a:srgbClr val="FFFFFF"/>
+                </a:highlight>
+                <a:latin typeface="D2Coding" panose="020B0609020101020101" pitchFamily="49" charset="-127"/>
+                <a:ea typeface="D2Coding" panose="020B0609020101020101" pitchFamily="49" charset="-127"/>
+              </a:rPr>
+              <a:t>tr</a:t>
+            </a:r>
+            <a:r>
+              <a:rPr lang="en-US" altLang="ko-KR" sz="1400">
+                <a:solidFill>
+                  <a:srgbClr val="0000FF"/>
+                </a:solidFill>
+                <a:highlight>
+                  <a:srgbClr val="FFFFFF"/>
+                </a:highlight>
+                <a:latin typeface="D2Coding" panose="020B0609020101020101" pitchFamily="49" charset="-127"/>
+                <a:ea typeface="D2Coding" panose="020B0609020101020101" pitchFamily="49" charset="-127"/>
+              </a:rPr>
+              <a:t>&gt; …… &lt;/</a:t>
+            </a:r>
+            <a:r>
+              <a:rPr lang="en-US" altLang="ko-KR" sz="1400">
+                <a:solidFill>
+                  <a:srgbClr val="800000"/>
+                </a:solidFill>
+                <a:highlight>
+                  <a:srgbClr val="FFFFFF"/>
+                </a:highlight>
+                <a:latin typeface="D2Coding" panose="020B0609020101020101" pitchFamily="49" charset="-127"/>
+                <a:ea typeface="D2Coding" panose="020B0609020101020101" pitchFamily="49" charset="-127"/>
+              </a:rPr>
+              <a:t>tr</a:t>
+            </a:r>
+            <a:r>
+              <a:rPr lang="en-US" altLang="ko-KR" sz="1400">
+                <a:solidFill>
+                  <a:srgbClr val="0000FF"/>
+                </a:solidFill>
+                <a:highlight>
+                  <a:srgbClr val="FFFFFF"/>
+                </a:highlight>
+                <a:latin typeface="D2Coding" panose="020B0609020101020101" pitchFamily="49" charset="-127"/>
+                <a:ea typeface="D2Coding" panose="020B0609020101020101" pitchFamily="49" charset="-127"/>
+              </a:rPr>
+              <a:t>&gt;</a:t>
+            </a:r>
+          </a:p>
+          <a:p>
+            <a:r>
+              <a:rPr lang="en-US" altLang="ko-KR" sz="1400">
+                <a:solidFill>
+                  <a:srgbClr val="0000FF"/>
+                </a:solidFill>
+                <a:highlight>
+                  <a:srgbClr val="FFFFFF"/>
+                </a:highlight>
+                <a:latin typeface="D2Coding" panose="020B0609020101020101" pitchFamily="49" charset="-127"/>
+                <a:ea typeface="D2Coding" panose="020B0609020101020101" pitchFamily="49" charset="-127"/>
+              </a:rPr>
+              <a:t>  &lt;/</a:t>
+            </a:r>
+            <a:r>
+              <a:rPr lang="en-US" altLang="ko-KR" sz="1400">
+                <a:solidFill>
+                  <a:srgbClr val="800000"/>
+                </a:solidFill>
+                <a:highlight>
+                  <a:srgbClr val="FFFFFF"/>
+                </a:highlight>
+                <a:latin typeface="D2Coding" panose="020B0609020101020101" pitchFamily="49" charset="-127"/>
+                <a:ea typeface="D2Coding" panose="020B0609020101020101" pitchFamily="49" charset="-127"/>
+              </a:rPr>
+              <a:t>table</a:t>
+            </a:r>
+            <a:r>
+              <a:rPr lang="en-US" altLang="ko-KR" sz="1400">
+                <a:solidFill>
+                  <a:srgbClr val="0000FF"/>
+                </a:solidFill>
+                <a:highlight>
+                  <a:srgbClr val="FFFFFF"/>
+                </a:highlight>
+                <a:latin typeface="D2Coding" panose="020B0609020101020101" pitchFamily="49" charset="-127"/>
+                <a:ea typeface="D2Coding" panose="020B0609020101020101" pitchFamily="49" charset="-127"/>
+              </a:rPr>
+              <a:t>&gt;</a:t>
+            </a:r>
+          </a:p>
+          <a:p>
+            <a:r>
+              <a:rPr lang="en-US" altLang="ko-KR" sz="1400">
+                <a:solidFill>
+                  <a:srgbClr val="0000FF"/>
+                </a:solidFill>
+                <a:highlight>
+                  <a:srgbClr val="FFFFFF"/>
+                </a:highlight>
+                <a:latin typeface="D2Coding" panose="020B0609020101020101" pitchFamily="49" charset="-127"/>
+                <a:ea typeface="D2Coding" panose="020B0609020101020101" pitchFamily="49" charset="-127"/>
+              </a:rPr>
+              <a:t>&lt;/</a:t>
+            </a:r>
+            <a:r>
+              <a:rPr lang="en-US" altLang="ko-KR" sz="1400">
+                <a:solidFill>
+                  <a:srgbClr val="800000"/>
+                </a:solidFill>
+                <a:highlight>
+                  <a:srgbClr val="FFFFFF"/>
+                </a:highlight>
+                <a:latin typeface="D2Coding" panose="020B0609020101020101" pitchFamily="49" charset="-127"/>
+                <a:ea typeface="D2Coding" panose="020B0609020101020101" pitchFamily="49" charset="-127"/>
+              </a:rPr>
+              <a:t>figure</a:t>
+            </a:r>
+            <a:r>
+              <a:rPr lang="en-US" altLang="ko-KR" sz="1400">
+                <a:solidFill>
+                  <a:srgbClr val="0000FF"/>
+                </a:solidFill>
+                <a:highlight>
+                  <a:srgbClr val="FFFFFF"/>
+                </a:highlight>
+                <a:latin typeface="D2Coding" panose="020B0609020101020101" pitchFamily="49" charset="-127"/>
+                <a:ea typeface="D2Coding" panose="020B0609020101020101" pitchFamily="49" charset="-127"/>
+              </a:rPr>
+              <a:t>&gt;</a:t>
+            </a:r>
+            <a:endParaRPr lang="ko-KR" altLang="en-US" sz="1400"/>
+          </a:p>
+        </p:txBody>
+      </p:sp>
+      <p:pic>
+        <p:nvPicPr>
+          <p:cNvPr id="13" name="그림 12"/>
+          <p:cNvPicPr>
+            <a:picLocks noChangeAspect="1"/>
+          </p:cNvPicPr>
+          <p:nvPr/>
+        </p:nvPicPr>
+        <p:blipFill>
+          <a:blip r:embed="rId3"/>
+          <a:stretch>
+            <a:fillRect/>
+          </a:stretch>
+        </p:blipFill>
+        <p:spPr>
+          <a:xfrm>
+            <a:off x="7496786" y="4645602"/>
+            <a:ext cx="3905204" cy="1423610"/>
+          </a:xfrm>
+          <a:prstGeom prst="rect">
+            <a:avLst/>
+          </a:prstGeom>
+        </p:spPr>
+      </p:pic>
+      <p:sp>
+        <p:nvSpPr>
+          <p:cNvPr id="14" name="TextBox 13"/>
+          <p:cNvSpPr txBox="1"/>
+          <p:nvPr/>
+        </p:nvSpPr>
+        <p:spPr>
+          <a:xfrm>
+            <a:off x="966788" y="1813225"/>
+            <a:ext cx="3164707" cy="307777"/>
+          </a:xfrm>
+          <a:prstGeom prst="rect">
+            <a:avLst/>
+          </a:prstGeom>
+          <a:noFill/>
+        </p:spPr>
+        <p:txBody>
+          <a:bodyPr wrap="square" rtlCol="0">
+            <a:spAutoFit/>
+          </a:bodyPr>
+          <a:lstStyle/>
+          <a:p>
+            <a:r>
+              <a:rPr lang="ko-KR" altLang="en-US" sz="1400"/>
+              <a:t>제목이 위쪽 중앙에 표시됨</a:t>
+            </a:r>
+          </a:p>
+        </p:txBody>
+      </p:sp>
+      <p:sp>
+        <p:nvSpPr>
+          <p:cNvPr id="24" name="TextBox 23"/>
+          <p:cNvSpPr txBox="1"/>
+          <p:nvPr/>
+        </p:nvSpPr>
+        <p:spPr>
+          <a:xfrm>
+            <a:off x="6652364" y="1813225"/>
+            <a:ext cx="4999446" cy="307777"/>
+          </a:xfrm>
+          <a:prstGeom prst="rect">
+            <a:avLst/>
+          </a:prstGeom>
+          <a:noFill/>
+        </p:spPr>
+        <p:txBody>
+          <a:bodyPr wrap="square" rtlCol="0">
+            <a:spAutoFit/>
+          </a:bodyPr>
+          <a:lstStyle/>
+          <a:p>
+            <a:r>
+              <a:rPr lang="en-US" altLang="ko-KR" sz="1400"/>
+              <a:t>&lt;figcaption&gt; </a:t>
+            </a:r>
+            <a:r>
+              <a:rPr lang="ko-KR" altLang="en-US" sz="1400"/>
+              <a:t>위치에 따라 표의 위나 아래에 제목 표시</a:t>
+            </a:r>
+          </a:p>
+        </p:txBody>
+      </p:sp>
+      <p:cxnSp>
+        <p:nvCxnSpPr>
+          <p:cNvPr id="5" name="직선 연결선 4"/>
+          <p:cNvCxnSpPr/>
+          <p:nvPr/>
+        </p:nvCxnSpPr>
+        <p:spPr>
+          <a:xfrm>
+            <a:off x="5758004" y="1312752"/>
+            <a:ext cx="0" cy="5133315"/>
+          </a:xfrm>
+          <a:prstGeom prst="line">
+            <a:avLst/>
+          </a:prstGeom>
+          <a:ln>
+            <a:prstDash val="dash"/>
+          </a:ln>
+        </p:spPr>
+        <p:style>
+          <a:lnRef idx="1">
+            <a:schemeClr val="accent1"/>
+          </a:lnRef>
+          <a:fillRef idx="0">
+            <a:schemeClr val="accent1"/>
+          </a:fillRef>
+          <a:effectRef idx="0">
+            <a:schemeClr val="accent1"/>
+          </a:effectRef>
+          <a:fontRef idx="minor">
+            <a:schemeClr val="tx1"/>
+          </a:fontRef>
+        </p:style>
+      </p:cxnSp>
+      <p:pic>
+        <p:nvPicPr>
+          <p:cNvPr id="6" name="그림 5">
+            <a:extLst>
+              <a:ext uri="{FF2B5EF4-FFF2-40B4-BE49-F238E27FC236}">
+                <a16:creationId xmlns:a16="http://schemas.microsoft.com/office/drawing/2014/main" id="{E832D1A5-DBD5-445A-9BB8-B0EB52AE00F9}"/>
+              </a:ext>
+            </a:extLst>
+          </p:cNvPr>
+          <p:cNvPicPr>
+            <a:picLocks noChangeAspect="1"/>
+          </p:cNvPicPr>
+          <p:nvPr/>
+        </p:nvPicPr>
+        <p:blipFill>
+          <a:blip r:embed="rId4">
+            <a:extLst>
+              <a:ext uri="{28A0092B-C50C-407E-A947-70E740481C1C}">
+                <a14:useLocalDpi xmlns:a14="http://schemas.microsoft.com/office/drawing/2010/main" val="0"/>
+              </a:ext>
+            </a:extLst>
+          </a:blip>
+          <a:stretch>
+            <a:fillRect/>
+          </a:stretch>
+        </p:blipFill>
+        <p:spPr>
+          <a:xfrm>
+            <a:off x="3693879" y="2247125"/>
+            <a:ext cx="1599790" cy="246584"/>
+          </a:xfrm>
+          <a:prstGeom prst="rect">
+            <a:avLst/>
+          </a:prstGeom>
+        </p:spPr>
+      </p:pic>
+      <p:pic>
+        <p:nvPicPr>
+          <p:cNvPr id="12" name="그림 11">
+            <a:extLst>
+              <a:ext uri="{FF2B5EF4-FFF2-40B4-BE49-F238E27FC236}">
+                <a16:creationId xmlns:a16="http://schemas.microsoft.com/office/drawing/2014/main" id="{20416816-8813-467B-B698-56EE7759AAAF}"/>
+              </a:ext>
+            </a:extLst>
+          </p:cNvPr>
+          <p:cNvPicPr>
+            <a:picLocks noChangeAspect="1"/>
+          </p:cNvPicPr>
+          <p:nvPr/>
+        </p:nvPicPr>
+        <p:blipFill>
+          <a:blip r:embed="rId5">
+            <a:extLst>
+              <a:ext uri="{28A0092B-C50C-407E-A947-70E740481C1C}">
+                <a14:useLocalDpi xmlns:a14="http://schemas.microsoft.com/office/drawing/2010/main" val="0"/>
+              </a:ext>
+            </a:extLst>
+          </a:blip>
+          <a:stretch>
+            <a:fillRect/>
+          </a:stretch>
+        </p:blipFill>
+        <p:spPr>
+          <a:xfrm>
+            <a:off x="9802200" y="2360396"/>
+            <a:ext cx="1599790" cy="252598"/>
+          </a:xfrm>
+          <a:prstGeom prst="rect">
+            <a:avLst/>
+          </a:prstGeom>
+        </p:spPr>
+      </p:pic>
+      <p:sp>
+        <p:nvSpPr>
+          <p:cNvPr id="15" name="TextBox 6">
+            <a:extLst>
+              <a:ext uri="{FF2B5EF4-FFF2-40B4-BE49-F238E27FC236}">
+                <a16:creationId xmlns:a16="http://schemas.microsoft.com/office/drawing/2014/main" id="{2BFF27A4-A822-4A45-B862-7F785BEF8EC1}"/>
+              </a:ext>
+            </a:extLst>
+          </p:cNvPr>
+          <p:cNvSpPr txBox="1"/>
+          <p:nvPr/>
+        </p:nvSpPr>
+        <p:spPr>
+          <a:xfrm>
+            <a:off x="11074204" y="190598"/>
+            <a:ext cx="955711" cy="369332"/>
+          </a:xfrm>
+          <a:prstGeom prst="rect">
+            <a:avLst/>
+          </a:prstGeom>
+          <a:noFill/>
+        </p:spPr>
+        <p:txBody>
+          <a:bodyPr wrap="none" rtlCol="0">
+            <a:spAutoFit/>
+          </a:bodyPr>
+          <a:lstStyle>
+            <a:defPPr>
+              <a:defRPr lang="ko-KR"/>
+            </a:defPPr>
+            <a:lvl1pPr marL="0" algn="l" defTabSz="914400" rtl="0" eaLnBrk="1" latinLnBrk="1" hangingPunct="1">
+              <a:defRPr sz="1800" kern="1200">
+                <a:solidFill>
+                  <a:schemeClr val="tx1"/>
+                </a:solidFill>
+                <a:latin typeface="+mn-lt"/>
+                <a:ea typeface="+mn-ea"/>
+                <a:cs typeface="+mn-cs"/>
+              </a:defRPr>
+            </a:lvl1pPr>
+            <a:lvl2pPr marL="457200" algn="l" defTabSz="914400" rtl="0" eaLnBrk="1" latinLnBrk="1" hangingPunct="1">
+              <a:defRPr sz="1800" kern="1200">
+                <a:solidFill>
+                  <a:schemeClr val="tx1"/>
+                </a:solidFill>
+                <a:latin typeface="+mn-lt"/>
+                <a:ea typeface="+mn-ea"/>
+                <a:cs typeface="+mn-cs"/>
+              </a:defRPr>
+            </a:lvl2pPr>
+            <a:lvl3pPr marL="914400" algn="l" defTabSz="914400" rtl="0" eaLnBrk="1" latinLnBrk="1" hangingPunct="1">
+              <a:defRPr sz="1800" kern="1200">
+                <a:solidFill>
+                  <a:schemeClr val="tx1"/>
+                </a:solidFill>
+                <a:latin typeface="+mn-lt"/>
+                <a:ea typeface="+mn-ea"/>
+                <a:cs typeface="+mn-cs"/>
+              </a:defRPr>
+            </a:lvl3pPr>
+            <a:lvl4pPr marL="1371600" algn="l" defTabSz="914400" rtl="0" eaLnBrk="1" latinLnBrk="1" hangingPunct="1">
+              <a:defRPr sz="1800" kern="1200">
+                <a:solidFill>
+                  <a:schemeClr val="tx1"/>
+                </a:solidFill>
+                <a:latin typeface="+mn-lt"/>
+                <a:ea typeface="+mn-ea"/>
+                <a:cs typeface="+mn-cs"/>
+              </a:defRPr>
+            </a:lvl4pPr>
+            <a:lvl5pPr marL="1828800" algn="l" defTabSz="914400" rtl="0" eaLnBrk="1" latinLnBrk="1" hangingPunct="1">
+              <a:defRPr sz="1800" kern="1200">
+                <a:solidFill>
+                  <a:schemeClr val="tx1"/>
+                </a:solidFill>
+                <a:latin typeface="+mn-lt"/>
+                <a:ea typeface="+mn-ea"/>
+                <a:cs typeface="+mn-cs"/>
+              </a:defRPr>
+            </a:lvl5pPr>
+            <a:lvl6pPr marL="2286000" algn="l" defTabSz="914400" rtl="0" eaLnBrk="1" latinLnBrk="1" hangingPunct="1">
+              <a:defRPr sz="1800" kern="1200">
+                <a:solidFill>
+                  <a:schemeClr val="tx1"/>
+                </a:solidFill>
+                <a:latin typeface="+mn-lt"/>
+                <a:ea typeface="+mn-ea"/>
+                <a:cs typeface="+mn-cs"/>
+              </a:defRPr>
+            </a:lvl6pPr>
+            <a:lvl7pPr marL="2743200" algn="l" defTabSz="914400" rtl="0" eaLnBrk="1" latinLnBrk="1" hangingPunct="1">
+              <a:defRPr sz="1800" kern="1200">
+                <a:solidFill>
+                  <a:schemeClr val="tx1"/>
+                </a:solidFill>
+                <a:latin typeface="+mn-lt"/>
+                <a:ea typeface="+mn-ea"/>
+                <a:cs typeface="+mn-cs"/>
+              </a:defRPr>
+            </a:lvl7pPr>
+            <a:lvl8pPr marL="3200400" algn="l" defTabSz="914400" rtl="0" eaLnBrk="1" latinLnBrk="1" hangingPunct="1">
+              <a:defRPr sz="1800" kern="1200">
+                <a:solidFill>
+                  <a:schemeClr val="tx1"/>
+                </a:solidFill>
+                <a:latin typeface="+mn-lt"/>
+                <a:ea typeface="+mn-ea"/>
+                <a:cs typeface="+mn-cs"/>
+              </a:defRPr>
+            </a:lvl8pPr>
+            <a:lvl9pPr marL="3657600" algn="l" defTabSz="914400" rtl="0" eaLnBrk="1" latinLnBrk="1" hangingPunct="1">
+              <a:defRPr sz="1800" kern="1200">
+                <a:solidFill>
+                  <a:schemeClr val="tx1"/>
+                </a:solidFill>
+                <a:latin typeface="+mn-lt"/>
+                <a:ea typeface="+mn-ea"/>
+                <a:cs typeface="+mn-cs"/>
+              </a:defRPr>
+            </a:lvl9pPr>
+          </a:lstStyle>
+          <a:p>
+            <a:r>
+              <a:rPr lang="en-US" altLang="ko-KR" b="1" dirty="0">
+                <a:solidFill>
+                  <a:schemeClr val="bg1"/>
+                </a:solidFill>
+              </a:rPr>
+              <a:t>P80-81</a:t>
+            </a:r>
+          </a:p>
+        </p:txBody>
+      </p:sp>
+    </p:spTree>
+    <p:extLst>
+      <p:ext uri="{BB962C8B-B14F-4D97-AF65-F5344CB8AC3E}">
+        <p14:creationId xmlns:p14="http://schemas.microsoft.com/office/powerpoint/2010/main" val="6111238"/>
+      </p:ext>
+    </p:extLst>
+  </p:cSld>
+  <p:clrMapOvr>
+    <a:masterClrMapping/>
+  </p:clrMapOvr>
+</p:sld>
+</file>
+
+<file path=ppt/slides/slide14.xml><?xml version="1.0" encoding="utf-8"?>
+<p:sld xmlns:a="http://schemas.openxmlformats.org/drawingml/2006/main" xmlns:r="http://schemas.openxmlformats.org/officeDocument/2006/relationships" xmlns:p="http://schemas.openxmlformats.org/presentationml/2006/main">
+  <p:cSld>
+    <p:spTree>
+      <p:nvGrpSpPr>
+        <p:cNvPr id="1" name=""/>
+        <p:cNvGrpSpPr/>
+        <p:nvPr/>
+      </p:nvGrpSpPr>
+      <p:grpSpPr>
+        <a:xfrm>
+          <a:off x="0" y="0"/>
+          <a:ext cx="0" cy="0"/>
+          <a:chOff x="0" y="0"/>
+          <a:chExt cx="0" cy="0"/>
+        </a:xfrm>
+      </p:grpSpPr>
+      <p:sp>
+        <p:nvSpPr>
+          <p:cNvPr id="2" name="제목 1"/>
+          <p:cNvSpPr>
+            <a:spLocks noGrp="1"/>
+          </p:cNvSpPr>
+          <p:nvPr>
+            <p:ph type="title"/>
+          </p:nvPr>
+        </p:nvSpPr>
+        <p:spPr>
+          <a:xfrm>
             <a:off x="451471" y="125288"/>
             <a:ext cx="9091189" cy="667587"/>
           </a:xfrm>
@@ -8315,6 +12273,139 @@
           </a:p>
         </p:txBody>
       </p:sp>
+      <p:sp>
+        <p:nvSpPr>
+          <p:cNvPr id="10" name="TextBox 6">
+            <a:extLst>
+              <a:ext uri="{FF2B5EF4-FFF2-40B4-BE49-F238E27FC236}">
+                <a16:creationId xmlns:a16="http://schemas.microsoft.com/office/drawing/2014/main" id="{E553F38D-50EE-4A09-8838-BBB083F82FE9}"/>
+              </a:ext>
+            </a:extLst>
+          </p:cNvPr>
+          <p:cNvSpPr txBox="1"/>
+          <p:nvPr/>
+        </p:nvSpPr>
+        <p:spPr>
+          <a:xfrm>
+            <a:off x="11445391" y="190598"/>
+            <a:ext cx="593432" cy="369332"/>
+          </a:xfrm>
+          <a:prstGeom prst="rect">
+            <a:avLst/>
+          </a:prstGeom>
+          <a:noFill/>
+        </p:spPr>
+        <p:txBody>
+          <a:bodyPr wrap="none" rtlCol="0">
+            <a:spAutoFit/>
+          </a:bodyPr>
+          <a:lstStyle>
+            <a:defPPr>
+              <a:defRPr lang="ko-KR"/>
+            </a:defPPr>
+            <a:lvl1pPr marL="0" algn="l" defTabSz="914400" rtl="0" eaLnBrk="1" latinLnBrk="1" hangingPunct="1">
+              <a:defRPr sz="1800" kern="1200">
+                <a:solidFill>
+                  <a:schemeClr val="tx1"/>
+                </a:solidFill>
+                <a:latin typeface="+mn-lt"/>
+                <a:ea typeface="+mn-ea"/>
+                <a:cs typeface="+mn-cs"/>
+              </a:defRPr>
+            </a:lvl1pPr>
+            <a:lvl2pPr marL="457200" algn="l" defTabSz="914400" rtl="0" eaLnBrk="1" latinLnBrk="1" hangingPunct="1">
+              <a:defRPr sz="1800" kern="1200">
+                <a:solidFill>
+                  <a:schemeClr val="tx1"/>
+                </a:solidFill>
+                <a:latin typeface="+mn-lt"/>
+                <a:ea typeface="+mn-ea"/>
+                <a:cs typeface="+mn-cs"/>
+              </a:defRPr>
+            </a:lvl2pPr>
+            <a:lvl3pPr marL="914400" algn="l" defTabSz="914400" rtl="0" eaLnBrk="1" latinLnBrk="1" hangingPunct="1">
+              <a:defRPr sz="1800" kern="1200">
+                <a:solidFill>
+                  <a:schemeClr val="tx1"/>
+                </a:solidFill>
+                <a:latin typeface="+mn-lt"/>
+                <a:ea typeface="+mn-ea"/>
+                <a:cs typeface="+mn-cs"/>
+              </a:defRPr>
+            </a:lvl3pPr>
+            <a:lvl4pPr marL="1371600" algn="l" defTabSz="914400" rtl="0" eaLnBrk="1" latinLnBrk="1" hangingPunct="1">
+              <a:defRPr sz="1800" kern="1200">
+                <a:solidFill>
+                  <a:schemeClr val="tx1"/>
+                </a:solidFill>
+                <a:latin typeface="+mn-lt"/>
+                <a:ea typeface="+mn-ea"/>
+                <a:cs typeface="+mn-cs"/>
+              </a:defRPr>
+            </a:lvl4pPr>
+            <a:lvl5pPr marL="1828800" algn="l" defTabSz="914400" rtl="0" eaLnBrk="1" latinLnBrk="1" hangingPunct="1">
+              <a:defRPr sz="1800" kern="1200">
+                <a:solidFill>
+                  <a:schemeClr val="tx1"/>
+                </a:solidFill>
+                <a:latin typeface="+mn-lt"/>
+                <a:ea typeface="+mn-ea"/>
+                <a:cs typeface="+mn-cs"/>
+              </a:defRPr>
+            </a:lvl5pPr>
+            <a:lvl6pPr marL="2286000" algn="l" defTabSz="914400" rtl="0" eaLnBrk="1" latinLnBrk="1" hangingPunct="1">
+              <a:defRPr sz="1800" kern="1200">
+                <a:solidFill>
+                  <a:schemeClr val="tx1"/>
+                </a:solidFill>
+                <a:latin typeface="+mn-lt"/>
+                <a:ea typeface="+mn-ea"/>
+                <a:cs typeface="+mn-cs"/>
+              </a:defRPr>
+            </a:lvl6pPr>
+            <a:lvl7pPr marL="2743200" algn="l" defTabSz="914400" rtl="0" eaLnBrk="1" latinLnBrk="1" hangingPunct="1">
+              <a:defRPr sz="1800" kern="1200">
+                <a:solidFill>
+                  <a:schemeClr val="tx1"/>
+                </a:solidFill>
+                <a:latin typeface="+mn-lt"/>
+                <a:ea typeface="+mn-ea"/>
+                <a:cs typeface="+mn-cs"/>
+              </a:defRPr>
+            </a:lvl7pPr>
+            <a:lvl8pPr marL="3200400" algn="l" defTabSz="914400" rtl="0" eaLnBrk="1" latinLnBrk="1" hangingPunct="1">
+              <a:defRPr sz="1800" kern="1200">
+                <a:solidFill>
+                  <a:schemeClr val="tx1"/>
+                </a:solidFill>
+                <a:latin typeface="+mn-lt"/>
+                <a:ea typeface="+mn-ea"/>
+                <a:cs typeface="+mn-cs"/>
+              </a:defRPr>
+            </a:lvl8pPr>
+            <a:lvl9pPr marL="3657600" algn="l" defTabSz="914400" rtl="0" eaLnBrk="1" latinLnBrk="1" hangingPunct="1">
+              <a:defRPr sz="1800" kern="1200">
+                <a:solidFill>
+                  <a:schemeClr val="tx1"/>
+                </a:solidFill>
+                <a:latin typeface="+mn-lt"/>
+                <a:ea typeface="+mn-ea"/>
+                <a:cs typeface="+mn-cs"/>
+              </a:defRPr>
+            </a:lvl9pPr>
+          </a:lstStyle>
+          <a:p>
+            <a:r>
+              <a:rPr lang="en-US" altLang="ko-KR" b="1" dirty="0">
+                <a:solidFill>
+                  <a:schemeClr val="bg1"/>
+                </a:solidFill>
+              </a:rPr>
+              <a:t>P83</a:t>
+            </a:r>
+          </a:p>
+        </p:txBody>
+      </p:sp>
     </p:spTree>
     <p:extLst>
       <p:ext uri="{BB962C8B-B14F-4D97-AF65-F5344CB8AC3E}">
@@ -8328,7 +12419,7 @@
 </p:sld>
 </file>
 
-<file path=ppt/slides/slide13.xml><?xml version="1.0" encoding="utf-8"?>
+<file path=ppt/slides/slide15.xml><?xml version="1.0" encoding="utf-8"?>
 <p:sld xmlns:a="http://schemas.openxmlformats.org/drawingml/2006/main" xmlns:r="http://schemas.openxmlformats.org/officeDocument/2006/relationships" xmlns:p="http://schemas.openxmlformats.org/presentationml/2006/main">
   <p:cSld>
     <p:spTree>
@@ -9919,6 +14010,139 @@
           </a:prstGeom>
         </p:spPr>
       </p:pic>
+      <p:sp>
+        <p:nvSpPr>
+          <p:cNvPr id="9" name="TextBox 6">
+            <a:extLst>
+              <a:ext uri="{FF2B5EF4-FFF2-40B4-BE49-F238E27FC236}">
+                <a16:creationId xmlns:a16="http://schemas.microsoft.com/office/drawing/2014/main" id="{5412EF3C-9D9C-483D-9C23-56BC5FF566B0}"/>
+              </a:ext>
+            </a:extLst>
+          </p:cNvPr>
+          <p:cNvSpPr txBox="1"/>
+          <p:nvPr/>
+        </p:nvSpPr>
+        <p:spPr>
+          <a:xfrm>
+            <a:off x="11445391" y="190598"/>
+            <a:ext cx="593432" cy="369332"/>
+          </a:xfrm>
+          <a:prstGeom prst="rect">
+            <a:avLst/>
+          </a:prstGeom>
+          <a:noFill/>
+        </p:spPr>
+        <p:txBody>
+          <a:bodyPr wrap="none" rtlCol="0">
+            <a:spAutoFit/>
+          </a:bodyPr>
+          <a:lstStyle>
+            <a:defPPr>
+              <a:defRPr lang="ko-KR"/>
+            </a:defPPr>
+            <a:lvl1pPr marL="0" algn="l" defTabSz="914400" rtl="0" eaLnBrk="1" latinLnBrk="1" hangingPunct="1">
+              <a:defRPr sz="1800" kern="1200">
+                <a:solidFill>
+                  <a:schemeClr val="tx1"/>
+                </a:solidFill>
+                <a:latin typeface="+mn-lt"/>
+                <a:ea typeface="+mn-ea"/>
+                <a:cs typeface="+mn-cs"/>
+              </a:defRPr>
+            </a:lvl1pPr>
+            <a:lvl2pPr marL="457200" algn="l" defTabSz="914400" rtl="0" eaLnBrk="1" latinLnBrk="1" hangingPunct="1">
+              <a:defRPr sz="1800" kern="1200">
+                <a:solidFill>
+                  <a:schemeClr val="tx1"/>
+                </a:solidFill>
+                <a:latin typeface="+mn-lt"/>
+                <a:ea typeface="+mn-ea"/>
+                <a:cs typeface="+mn-cs"/>
+              </a:defRPr>
+            </a:lvl2pPr>
+            <a:lvl3pPr marL="914400" algn="l" defTabSz="914400" rtl="0" eaLnBrk="1" latinLnBrk="1" hangingPunct="1">
+              <a:defRPr sz="1800" kern="1200">
+                <a:solidFill>
+                  <a:schemeClr val="tx1"/>
+                </a:solidFill>
+                <a:latin typeface="+mn-lt"/>
+                <a:ea typeface="+mn-ea"/>
+                <a:cs typeface="+mn-cs"/>
+              </a:defRPr>
+            </a:lvl3pPr>
+            <a:lvl4pPr marL="1371600" algn="l" defTabSz="914400" rtl="0" eaLnBrk="1" latinLnBrk="1" hangingPunct="1">
+              <a:defRPr sz="1800" kern="1200">
+                <a:solidFill>
+                  <a:schemeClr val="tx1"/>
+                </a:solidFill>
+                <a:latin typeface="+mn-lt"/>
+                <a:ea typeface="+mn-ea"/>
+                <a:cs typeface="+mn-cs"/>
+              </a:defRPr>
+            </a:lvl4pPr>
+            <a:lvl5pPr marL="1828800" algn="l" defTabSz="914400" rtl="0" eaLnBrk="1" latinLnBrk="1" hangingPunct="1">
+              <a:defRPr sz="1800" kern="1200">
+                <a:solidFill>
+                  <a:schemeClr val="tx1"/>
+                </a:solidFill>
+                <a:latin typeface="+mn-lt"/>
+                <a:ea typeface="+mn-ea"/>
+                <a:cs typeface="+mn-cs"/>
+              </a:defRPr>
+            </a:lvl5pPr>
+            <a:lvl6pPr marL="2286000" algn="l" defTabSz="914400" rtl="0" eaLnBrk="1" latinLnBrk="1" hangingPunct="1">
+              <a:defRPr sz="1800" kern="1200">
+                <a:solidFill>
+                  <a:schemeClr val="tx1"/>
+                </a:solidFill>
+                <a:latin typeface="+mn-lt"/>
+                <a:ea typeface="+mn-ea"/>
+                <a:cs typeface="+mn-cs"/>
+              </a:defRPr>
+            </a:lvl6pPr>
+            <a:lvl7pPr marL="2743200" algn="l" defTabSz="914400" rtl="0" eaLnBrk="1" latinLnBrk="1" hangingPunct="1">
+              <a:defRPr sz="1800" kern="1200">
+                <a:solidFill>
+                  <a:schemeClr val="tx1"/>
+                </a:solidFill>
+                <a:latin typeface="+mn-lt"/>
+                <a:ea typeface="+mn-ea"/>
+                <a:cs typeface="+mn-cs"/>
+              </a:defRPr>
+            </a:lvl7pPr>
+            <a:lvl8pPr marL="3200400" algn="l" defTabSz="914400" rtl="0" eaLnBrk="1" latinLnBrk="1" hangingPunct="1">
+              <a:defRPr sz="1800" kern="1200">
+                <a:solidFill>
+                  <a:schemeClr val="tx1"/>
+                </a:solidFill>
+                <a:latin typeface="+mn-lt"/>
+                <a:ea typeface="+mn-ea"/>
+                <a:cs typeface="+mn-cs"/>
+              </a:defRPr>
+            </a:lvl8pPr>
+            <a:lvl9pPr marL="3657600" algn="l" defTabSz="914400" rtl="0" eaLnBrk="1" latinLnBrk="1" hangingPunct="1">
+              <a:defRPr sz="1800" kern="1200">
+                <a:solidFill>
+                  <a:schemeClr val="tx1"/>
+                </a:solidFill>
+                <a:latin typeface="+mn-lt"/>
+                <a:ea typeface="+mn-ea"/>
+                <a:cs typeface="+mn-cs"/>
+              </a:defRPr>
+            </a:lvl9pPr>
+          </a:lstStyle>
+          <a:p>
+            <a:r>
+              <a:rPr lang="en-US" altLang="ko-KR" b="1" dirty="0">
+                <a:solidFill>
+                  <a:schemeClr val="bg1"/>
+                </a:solidFill>
+              </a:rPr>
+              <a:t>P84</a:t>
+            </a:r>
+          </a:p>
+        </p:txBody>
+      </p:sp>
     </p:spTree>
     <p:extLst>
       <p:ext uri="{BB962C8B-B14F-4D97-AF65-F5344CB8AC3E}">
@@ -9932,7 +14156,7 @@
 </p:sld>
 </file>
 
-<file path=ppt/slides/slide14.xml><?xml version="1.0" encoding="utf-8"?>
+<file path=ppt/slides/slide16.xml><?xml version="1.0" encoding="utf-8"?>
 <p:sld xmlns:a="http://schemas.openxmlformats.org/drawingml/2006/main" xmlns:r="http://schemas.openxmlformats.org/officeDocument/2006/relationships" xmlns:p="http://schemas.openxmlformats.org/presentationml/2006/main">
   <p:cSld>
     <p:spTree>
@@ -11924,6 +16148,139 @@
           </a:prstGeom>
         </p:spPr>
       </p:pic>
+      <p:sp>
+        <p:nvSpPr>
+          <p:cNvPr id="9" name="TextBox 6">
+            <a:extLst>
+              <a:ext uri="{FF2B5EF4-FFF2-40B4-BE49-F238E27FC236}">
+                <a16:creationId xmlns:a16="http://schemas.microsoft.com/office/drawing/2014/main" id="{423D4310-C419-4126-BA76-0CBB34249A2F}"/>
+              </a:ext>
+            </a:extLst>
+          </p:cNvPr>
+          <p:cNvSpPr txBox="1"/>
+          <p:nvPr/>
+        </p:nvSpPr>
+        <p:spPr>
+          <a:xfrm>
+            <a:off x="11445391" y="190598"/>
+            <a:ext cx="593432" cy="369332"/>
+          </a:xfrm>
+          <a:prstGeom prst="rect">
+            <a:avLst/>
+          </a:prstGeom>
+          <a:noFill/>
+        </p:spPr>
+        <p:txBody>
+          <a:bodyPr wrap="none" rtlCol="0">
+            <a:spAutoFit/>
+          </a:bodyPr>
+          <a:lstStyle>
+            <a:defPPr>
+              <a:defRPr lang="ko-KR"/>
+            </a:defPPr>
+            <a:lvl1pPr marL="0" algn="l" defTabSz="914400" rtl="0" eaLnBrk="1" latinLnBrk="1" hangingPunct="1">
+              <a:defRPr sz="1800" kern="1200">
+                <a:solidFill>
+                  <a:schemeClr val="tx1"/>
+                </a:solidFill>
+                <a:latin typeface="+mn-lt"/>
+                <a:ea typeface="+mn-ea"/>
+                <a:cs typeface="+mn-cs"/>
+              </a:defRPr>
+            </a:lvl1pPr>
+            <a:lvl2pPr marL="457200" algn="l" defTabSz="914400" rtl="0" eaLnBrk="1" latinLnBrk="1" hangingPunct="1">
+              <a:defRPr sz="1800" kern="1200">
+                <a:solidFill>
+                  <a:schemeClr val="tx1"/>
+                </a:solidFill>
+                <a:latin typeface="+mn-lt"/>
+                <a:ea typeface="+mn-ea"/>
+                <a:cs typeface="+mn-cs"/>
+              </a:defRPr>
+            </a:lvl2pPr>
+            <a:lvl3pPr marL="914400" algn="l" defTabSz="914400" rtl="0" eaLnBrk="1" latinLnBrk="1" hangingPunct="1">
+              <a:defRPr sz="1800" kern="1200">
+                <a:solidFill>
+                  <a:schemeClr val="tx1"/>
+                </a:solidFill>
+                <a:latin typeface="+mn-lt"/>
+                <a:ea typeface="+mn-ea"/>
+                <a:cs typeface="+mn-cs"/>
+              </a:defRPr>
+            </a:lvl3pPr>
+            <a:lvl4pPr marL="1371600" algn="l" defTabSz="914400" rtl="0" eaLnBrk="1" latinLnBrk="1" hangingPunct="1">
+              <a:defRPr sz="1800" kern="1200">
+                <a:solidFill>
+                  <a:schemeClr val="tx1"/>
+                </a:solidFill>
+                <a:latin typeface="+mn-lt"/>
+                <a:ea typeface="+mn-ea"/>
+                <a:cs typeface="+mn-cs"/>
+              </a:defRPr>
+            </a:lvl4pPr>
+            <a:lvl5pPr marL="1828800" algn="l" defTabSz="914400" rtl="0" eaLnBrk="1" latinLnBrk="1" hangingPunct="1">
+              <a:defRPr sz="1800" kern="1200">
+                <a:solidFill>
+                  <a:schemeClr val="tx1"/>
+                </a:solidFill>
+                <a:latin typeface="+mn-lt"/>
+                <a:ea typeface="+mn-ea"/>
+                <a:cs typeface="+mn-cs"/>
+              </a:defRPr>
+            </a:lvl5pPr>
+            <a:lvl6pPr marL="2286000" algn="l" defTabSz="914400" rtl="0" eaLnBrk="1" latinLnBrk="1" hangingPunct="1">
+              <a:defRPr sz="1800" kern="1200">
+                <a:solidFill>
+                  <a:schemeClr val="tx1"/>
+                </a:solidFill>
+                <a:latin typeface="+mn-lt"/>
+                <a:ea typeface="+mn-ea"/>
+                <a:cs typeface="+mn-cs"/>
+              </a:defRPr>
+            </a:lvl6pPr>
+            <a:lvl7pPr marL="2743200" algn="l" defTabSz="914400" rtl="0" eaLnBrk="1" latinLnBrk="1" hangingPunct="1">
+              <a:defRPr sz="1800" kern="1200">
+                <a:solidFill>
+                  <a:schemeClr val="tx1"/>
+                </a:solidFill>
+                <a:latin typeface="+mn-lt"/>
+                <a:ea typeface="+mn-ea"/>
+                <a:cs typeface="+mn-cs"/>
+              </a:defRPr>
+            </a:lvl7pPr>
+            <a:lvl8pPr marL="3200400" algn="l" defTabSz="914400" rtl="0" eaLnBrk="1" latinLnBrk="1" hangingPunct="1">
+              <a:defRPr sz="1800" kern="1200">
+                <a:solidFill>
+                  <a:schemeClr val="tx1"/>
+                </a:solidFill>
+                <a:latin typeface="+mn-lt"/>
+                <a:ea typeface="+mn-ea"/>
+                <a:cs typeface="+mn-cs"/>
+              </a:defRPr>
+            </a:lvl8pPr>
+            <a:lvl9pPr marL="3657600" algn="l" defTabSz="914400" rtl="0" eaLnBrk="1" latinLnBrk="1" hangingPunct="1">
+              <a:defRPr sz="1800" kern="1200">
+                <a:solidFill>
+                  <a:schemeClr val="tx1"/>
+                </a:solidFill>
+                <a:latin typeface="+mn-lt"/>
+                <a:ea typeface="+mn-ea"/>
+                <a:cs typeface="+mn-cs"/>
+              </a:defRPr>
+            </a:lvl9pPr>
+          </a:lstStyle>
+          <a:p>
+            <a:r>
+              <a:rPr lang="en-US" altLang="ko-KR" b="1" dirty="0">
+                <a:solidFill>
+                  <a:schemeClr val="bg1"/>
+                </a:solidFill>
+              </a:rPr>
+              <a:t>P87</a:t>
+            </a:r>
+          </a:p>
+        </p:txBody>
+      </p:sp>
     </p:spTree>
     <p:extLst>
       <p:ext uri="{BB962C8B-B14F-4D97-AF65-F5344CB8AC3E}">
@@ -11937,7 +16294,7 @@
 </p:sld>
 </file>
 
-<file path=ppt/slides/slide15.xml><?xml version="1.0" encoding="utf-8"?>
+<file path=ppt/slides/slide17.xml><?xml version="1.0" encoding="utf-8"?>
 <p:sld xmlns:a="http://schemas.openxmlformats.org/drawingml/2006/main" xmlns:r="http://schemas.openxmlformats.org/officeDocument/2006/relationships" xmlns:p="http://schemas.openxmlformats.org/presentationml/2006/main">
   <p:cSld>
     <p:spTree>
@@ -12206,6 +16563,139 @@
           </a:p>
         </p:txBody>
       </p:sp>
+      <p:sp>
+        <p:nvSpPr>
+          <p:cNvPr id="7" name="TextBox 6">
+            <a:extLst>
+              <a:ext uri="{FF2B5EF4-FFF2-40B4-BE49-F238E27FC236}">
+                <a16:creationId xmlns:a16="http://schemas.microsoft.com/office/drawing/2014/main" id="{65A96EA6-9962-4659-8F2C-CD6EEE2B77E8}"/>
+              </a:ext>
+            </a:extLst>
+          </p:cNvPr>
+          <p:cNvSpPr txBox="1"/>
+          <p:nvPr/>
+        </p:nvSpPr>
+        <p:spPr>
+          <a:xfrm>
+            <a:off x="11445391" y="190598"/>
+            <a:ext cx="593432" cy="369332"/>
+          </a:xfrm>
+          <a:prstGeom prst="rect">
+            <a:avLst/>
+          </a:prstGeom>
+          <a:noFill/>
+        </p:spPr>
+        <p:txBody>
+          <a:bodyPr wrap="none" rtlCol="0">
+            <a:spAutoFit/>
+          </a:bodyPr>
+          <a:lstStyle>
+            <a:defPPr>
+              <a:defRPr lang="ko-KR"/>
+            </a:defPPr>
+            <a:lvl1pPr marL="0" algn="l" defTabSz="914400" rtl="0" eaLnBrk="1" latinLnBrk="1" hangingPunct="1">
+              <a:defRPr sz="1800" kern="1200">
+                <a:solidFill>
+                  <a:schemeClr val="tx1"/>
+                </a:solidFill>
+                <a:latin typeface="+mn-lt"/>
+                <a:ea typeface="+mn-ea"/>
+                <a:cs typeface="+mn-cs"/>
+              </a:defRPr>
+            </a:lvl1pPr>
+            <a:lvl2pPr marL="457200" algn="l" defTabSz="914400" rtl="0" eaLnBrk="1" latinLnBrk="1" hangingPunct="1">
+              <a:defRPr sz="1800" kern="1200">
+                <a:solidFill>
+                  <a:schemeClr val="tx1"/>
+                </a:solidFill>
+                <a:latin typeface="+mn-lt"/>
+                <a:ea typeface="+mn-ea"/>
+                <a:cs typeface="+mn-cs"/>
+              </a:defRPr>
+            </a:lvl2pPr>
+            <a:lvl3pPr marL="914400" algn="l" defTabSz="914400" rtl="0" eaLnBrk="1" latinLnBrk="1" hangingPunct="1">
+              <a:defRPr sz="1800" kern="1200">
+                <a:solidFill>
+                  <a:schemeClr val="tx1"/>
+                </a:solidFill>
+                <a:latin typeface="+mn-lt"/>
+                <a:ea typeface="+mn-ea"/>
+                <a:cs typeface="+mn-cs"/>
+              </a:defRPr>
+            </a:lvl3pPr>
+            <a:lvl4pPr marL="1371600" algn="l" defTabSz="914400" rtl="0" eaLnBrk="1" latinLnBrk="1" hangingPunct="1">
+              <a:defRPr sz="1800" kern="1200">
+                <a:solidFill>
+                  <a:schemeClr val="tx1"/>
+                </a:solidFill>
+                <a:latin typeface="+mn-lt"/>
+                <a:ea typeface="+mn-ea"/>
+                <a:cs typeface="+mn-cs"/>
+              </a:defRPr>
+            </a:lvl4pPr>
+            <a:lvl5pPr marL="1828800" algn="l" defTabSz="914400" rtl="0" eaLnBrk="1" latinLnBrk="1" hangingPunct="1">
+              <a:defRPr sz="1800" kern="1200">
+                <a:solidFill>
+                  <a:schemeClr val="tx1"/>
+                </a:solidFill>
+                <a:latin typeface="+mn-lt"/>
+                <a:ea typeface="+mn-ea"/>
+                <a:cs typeface="+mn-cs"/>
+              </a:defRPr>
+            </a:lvl5pPr>
+            <a:lvl6pPr marL="2286000" algn="l" defTabSz="914400" rtl="0" eaLnBrk="1" latinLnBrk="1" hangingPunct="1">
+              <a:defRPr sz="1800" kern="1200">
+                <a:solidFill>
+                  <a:schemeClr val="tx1"/>
+                </a:solidFill>
+                <a:latin typeface="+mn-lt"/>
+                <a:ea typeface="+mn-ea"/>
+                <a:cs typeface="+mn-cs"/>
+              </a:defRPr>
+            </a:lvl6pPr>
+            <a:lvl7pPr marL="2743200" algn="l" defTabSz="914400" rtl="0" eaLnBrk="1" latinLnBrk="1" hangingPunct="1">
+              <a:defRPr sz="1800" kern="1200">
+                <a:solidFill>
+                  <a:schemeClr val="tx1"/>
+                </a:solidFill>
+                <a:latin typeface="+mn-lt"/>
+                <a:ea typeface="+mn-ea"/>
+                <a:cs typeface="+mn-cs"/>
+              </a:defRPr>
+            </a:lvl7pPr>
+            <a:lvl8pPr marL="3200400" algn="l" defTabSz="914400" rtl="0" eaLnBrk="1" latinLnBrk="1" hangingPunct="1">
+              <a:defRPr sz="1800" kern="1200">
+                <a:solidFill>
+                  <a:schemeClr val="tx1"/>
+                </a:solidFill>
+                <a:latin typeface="+mn-lt"/>
+                <a:ea typeface="+mn-ea"/>
+                <a:cs typeface="+mn-cs"/>
+              </a:defRPr>
+            </a:lvl8pPr>
+            <a:lvl9pPr marL="3657600" algn="l" defTabSz="914400" rtl="0" eaLnBrk="1" latinLnBrk="1" hangingPunct="1">
+              <a:defRPr sz="1800" kern="1200">
+                <a:solidFill>
+                  <a:schemeClr val="tx1"/>
+                </a:solidFill>
+                <a:latin typeface="+mn-lt"/>
+                <a:ea typeface="+mn-ea"/>
+                <a:cs typeface="+mn-cs"/>
+              </a:defRPr>
+            </a:lvl9pPr>
+          </a:lstStyle>
+          <a:p>
+            <a:r>
+              <a:rPr lang="en-US" altLang="ko-KR" b="1" dirty="0">
+                <a:solidFill>
+                  <a:schemeClr val="bg1"/>
+                </a:solidFill>
+              </a:rPr>
+              <a:t>P87</a:t>
+            </a:r>
+          </a:p>
+        </p:txBody>
+      </p:sp>
     </p:spTree>
     <p:extLst>
       <p:ext uri="{BB962C8B-B14F-4D97-AF65-F5344CB8AC3E}">
@@ -13346,6 +17836,144 @@
           </a:p>
         </p:txBody>
       </p:sp>
+      <p:sp>
+        <p:nvSpPr>
+          <p:cNvPr id="26" name="TextBox 6">
+            <a:extLst>
+              <a:ext uri="{FF2B5EF4-FFF2-40B4-BE49-F238E27FC236}">
+                <a16:creationId xmlns:a16="http://schemas.microsoft.com/office/drawing/2014/main" id="{D12A0E7A-5635-4B1B-9A18-F9E17AF04BF5}"/>
+              </a:ext>
+            </a:extLst>
+          </p:cNvPr>
+          <p:cNvSpPr txBox="1"/>
+          <p:nvPr/>
+        </p:nvSpPr>
+        <p:spPr>
+          <a:xfrm>
+            <a:off x="11445391" y="190598"/>
+            <a:ext cx="595035" cy="369332"/>
+          </a:xfrm>
+          <a:prstGeom prst="rect">
+            <a:avLst/>
+          </a:prstGeom>
+          <a:noFill/>
+        </p:spPr>
+        <p:txBody>
+          <a:bodyPr wrap="none" rtlCol="0">
+            <a:spAutoFit/>
+          </a:bodyPr>
+          <a:lstStyle>
+            <a:defPPr>
+              <a:defRPr lang="ko-KR"/>
+            </a:defPPr>
+            <a:lvl1pPr marL="0" algn="l" defTabSz="914400" rtl="0" eaLnBrk="1" latinLnBrk="1" hangingPunct="1">
+              <a:defRPr sz="1800" kern="1200">
+                <a:solidFill>
+                  <a:schemeClr val="tx1"/>
+                </a:solidFill>
+                <a:latin typeface="+mn-lt"/>
+                <a:ea typeface="+mn-ea"/>
+                <a:cs typeface="+mn-cs"/>
+              </a:defRPr>
+            </a:lvl1pPr>
+            <a:lvl2pPr marL="457200" algn="l" defTabSz="914400" rtl="0" eaLnBrk="1" latinLnBrk="1" hangingPunct="1">
+              <a:defRPr sz="1800" kern="1200">
+                <a:solidFill>
+                  <a:schemeClr val="tx1"/>
+                </a:solidFill>
+                <a:latin typeface="+mn-lt"/>
+                <a:ea typeface="+mn-ea"/>
+                <a:cs typeface="+mn-cs"/>
+              </a:defRPr>
+            </a:lvl2pPr>
+            <a:lvl3pPr marL="914400" algn="l" defTabSz="914400" rtl="0" eaLnBrk="1" latinLnBrk="1" hangingPunct="1">
+              <a:defRPr sz="1800" kern="1200">
+                <a:solidFill>
+                  <a:schemeClr val="tx1"/>
+                </a:solidFill>
+                <a:latin typeface="+mn-lt"/>
+                <a:ea typeface="+mn-ea"/>
+                <a:cs typeface="+mn-cs"/>
+              </a:defRPr>
+            </a:lvl3pPr>
+            <a:lvl4pPr marL="1371600" algn="l" defTabSz="914400" rtl="0" eaLnBrk="1" latinLnBrk="1" hangingPunct="1">
+              <a:defRPr sz="1800" kern="1200">
+                <a:solidFill>
+                  <a:schemeClr val="tx1"/>
+                </a:solidFill>
+                <a:latin typeface="+mn-lt"/>
+                <a:ea typeface="+mn-ea"/>
+                <a:cs typeface="+mn-cs"/>
+              </a:defRPr>
+            </a:lvl4pPr>
+            <a:lvl5pPr marL="1828800" algn="l" defTabSz="914400" rtl="0" eaLnBrk="1" latinLnBrk="1" hangingPunct="1">
+              <a:defRPr sz="1800" kern="1200">
+                <a:solidFill>
+                  <a:schemeClr val="tx1"/>
+                </a:solidFill>
+                <a:latin typeface="+mn-lt"/>
+                <a:ea typeface="+mn-ea"/>
+                <a:cs typeface="+mn-cs"/>
+              </a:defRPr>
+            </a:lvl5pPr>
+            <a:lvl6pPr marL="2286000" algn="l" defTabSz="914400" rtl="0" eaLnBrk="1" latinLnBrk="1" hangingPunct="1">
+              <a:defRPr sz="1800" kern="1200">
+                <a:solidFill>
+                  <a:schemeClr val="tx1"/>
+                </a:solidFill>
+                <a:latin typeface="+mn-lt"/>
+                <a:ea typeface="+mn-ea"/>
+                <a:cs typeface="+mn-cs"/>
+              </a:defRPr>
+            </a:lvl6pPr>
+            <a:lvl7pPr marL="2743200" algn="l" defTabSz="914400" rtl="0" eaLnBrk="1" latinLnBrk="1" hangingPunct="1">
+              <a:defRPr sz="1800" kern="1200">
+                <a:solidFill>
+                  <a:schemeClr val="tx1"/>
+                </a:solidFill>
+                <a:latin typeface="+mn-lt"/>
+                <a:ea typeface="+mn-ea"/>
+                <a:cs typeface="+mn-cs"/>
+              </a:defRPr>
+            </a:lvl7pPr>
+            <a:lvl8pPr marL="3200400" algn="l" defTabSz="914400" rtl="0" eaLnBrk="1" latinLnBrk="1" hangingPunct="1">
+              <a:defRPr sz="1800" kern="1200">
+                <a:solidFill>
+                  <a:schemeClr val="tx1"/>
+                </a:solidFill>
+                <a:latin typeface="+mn-lt"/>
+                <a:ea typeface="+mn-ea"/>
+                <a:cs typeface="+mn-cs"/>
+              </a:defRPr>
+            </a:lvl8pPr>
+            <a:lvl9pPr marL="3657600" algn="l" defTabSz="914400" rtl="0" eaLnBrk="1" latinLnBrk="1" hangingPunct="1">
+              <a:defRPr sz="1800" kern="1200">
+                <a:solidFill>
+                  <a:schemeClr val="tx1"/>
+                </a:solidFill>
+                <a:latin typeface="+mn-lt"/>
+                <a:ea typeface="+mn-ea"/>
+                <a:cs typeface="+mn-cs"/>
+              </a:defRPr>
+            </a:lvl9pPr>
+          </a:lstStyle>
+          <a:p>
+            <a:r>
+              <a:rPr lang="en-US" altLang="ko-KR" b="1" dirty="0">
+                <a:solidFill>
+                  <a:schemeClr val="bg1"/>
+                </a:solidFill>
+              </a:rPr>
+              <a:t>p57</a:t>
+            </a:r>
+            <a:endParaRPr lang="ko-KR" altLang="en-US" b="1" dirty="0">
+              <a:solidFill>
+                <a:schemeClr val="bg1"/>
+              </a:solidFill>
+            </a:endParaRPr>
+          </a:p>
+        </p:txBody>
+      </p:sp>
     </p:spTree>
     <p:extLst>
       <p:ext uri="{BB962C8B-B14F-4D97-AF65-F5344CB8AC3E}">
@@ -14655,6 +19283,144 @@
           </a:prstGeom>
         </p:spPr>
       </p:pic>
+      <p:sp>
+        <p:nvSpPr>
+          <p:cNvPr id="6" name="TextBox 6">
+            <a:extLst>
+              <a:ext uri="{FF2B5EF4-FFF2-40B4-BE49-F238E27FC236}">
+                <a16:creationId xmlns:a16="http://schemas.microsoft.com/office/drawing/2014/main" id="{30C30F2C-1917-42D5-B2DF-4AAB0C8D5BB3}"/>
+              </a:ext>
+            </a:extLst>
+          </p:cNvPr>
+          <p:cNvSpPr txBox="1"/>
+          <p:nvPr/>
+        </p:nvSpPr>
+        <p:spPr>
+          <a:xfrm>
+            <a:off x="11445391" y="190598"/>
+            <a:ext cx="595035" cy="369332"/>
+          </a:xfrm>
+          <a:prstGeom prst="rect">
+            <a:avLst/>
+          </a:prstGeom>
+          <a:noFill/>
+        </p:spPr>
+        <p:txBody>
+          <a:bodyPr wrap="none" rtlCol="0">
+            <a:spAutoFit/>
+          </a:bodyPr>
+          <a:lstStyle>
+            <a:defPPr>
+              <a:defRPr lang="ko-KR"/>
+            </a:defPPr>
+            <a:lvl1pPr marL="0" algn="l" defTabSz="914400" rtl="0" eaLnBrk="1" latinLnBrk="1" hangingPunct="1">
+              <a:defRPr sz="1800" kern="1200">
+                <a:solidFill>
+                  <a:schemeClr val="tx1"/>
+                </a:solidFill>
+                <a:latin typeface="+mn-lt"/>
+                <a:ea typeface="+mn-ea"/>
+                <a:cs typeface="+mn-cs"/>
+              </a:defRPr>
+            </a:lvl1pPr>
+            <a:lvl2pPr marL="457200" algn="l" defTabSz="914400" rtl="0" eaLnBrk="1" latinLnBrk="1" hangingPunct="1">
+              <a:defRPr sz="1800" kern="1200">
+                <a:solidFill>
+                  <a:schemeClr val="tx1"/>
+                </a:solidFill>
+                <a:latin typeface="+mn-lt"/>
+                <a:ea typeface="+mn-ea"/>
+                <a:cs typeface="+mn-cs"/>
+              </a:defRPr>
+            </a:lvl2pPr>
+            <a:lvl3pPr marL="914400" algn="l" defTabSz="914400" rtl="0" eaLnBrk="1" latinLnBrk="1" hangingPunct="1">
+              <a:defRPr sz="1800" kern="1200">
+                <a:solidFill>
+                  <a:schemeClr val="tx1"/>
+                </a:solidFill>
+                <a:latin typeface="+mn-lt"/>
+                <a:ea typeface="+mn-ea"/>
+                <a:cs typeface="+mn-cs"/>
+              </a:defRPr>
+            </a:lvl3pPr>
+            <a:lvl4pPr marL="1371600" algn="l" defTabSz="914400" rtl="0" eaLnBrk="1" latinLnBrk="1" hangingPunct="1">
+              <a:defRPr sz="1800" kern="1200">
+                <a:solidFill>
+                  <a:schemeClr val="tx1"/>
+                </a:solidFill>
+                <a:latin typeface="+mn-lt"/>
+                <a:ea typeface="+mn-ea"/>
+                <a:cs typeface="+mn-cs"/>
+              </a:defRPr>
+            </a:lvl4pPr>
+            <a:lvl5pPr marL="1828800" algn="l" defTabSz="914400" rtl="0" eaLnBrk="1" latinLnBrk="1" hangingPunct="1">
+              <a:defRPr sz="1800" kern="1200">
+                <a:solidFill>
+                  <a:schemeClr val="tx1"/>
+                </a:solidFill>
+                <a:latin typeface="+mn-lt"/>
+                <a:ea typeface="+mn-ea"/>
+                <a:cs typeface="+mn-cs"/>
+              </a:defRPr>
+            </a:lvl5pPr>
+            <a:lvl6pPr marL="2286000" algn="l" defTabSz="914400" rtl="0" eaLnBrk="1" latinLnBrk="1" hangingPunct="1">
+              <a:defRPr sz="1800" kern="1200">
+                <a:solidFill>
+                  <a:schemeClr val="tx1"/>
+                </a:solidFill>
+                <a:latin typeface="+mn-lt"/>
+                <a:ea typeface="+mn-ea"/>
+                <a:cs typeface="+mn-cs"/>
+              </a:defRPr>
+            </a:lvl6pPr>
+            <a:lvl7pPr marL="2743200" algn="l" defTabSz="914400" rtl="0" eaLnBrk="1" latinLnBrk="1" hangingPunct="1">
+              <a:defRPr sz="1800" kern="1200">
+                <a:solidFill>
+                  <a:schemeClr val="tx1"/>
+                </a:solidFill>
+                <a:latin typeface="+mn-lt"/>
+                <a:ea typeface="+mn-ea"/>
+                <a:cs typeface="+mn-cs"/>
+              </a:defRPr>
+            </a:lvl7pPr>
+            <a:lvl8pPr marL="3200400" algn="l" defTabSz="914400" rtl="0" eaLnBrk="1" latinLnBrk="1" hangingPunct="1">
+              <a:defRPr sz="1800" kern="1200">
+                <a:solidFill>
+                  <a:schemeClr val="tx1"/>
+                </a:solidFill>
+                <a:latin typeface="+mn-lt"/>
+                <a:ea typeface="+mn-ea"/>
+                <a:cs typeface="+mn-cs"/>
+              </a:defRPr>
+            </a:lvl8pPr>
+            <a:lvl9pPr marL="3657600" algn="l" defTabSz="914400" rtl="0" eaLnBrk="1" latinLnBrk="1" hangingPunct="1">
+              <a:defRPr sz="1800" kern="1200">
+                <a:solidFill>
+                  <a:schemeClr val="tx1"/>
+                </a:solidFill>
+                <a:latin typeface="+mn-lt"/>
+                <a:ea typeface="+mn-ea"/>
+                <a:cs typeface="+mn-cs"/>
+              </a:defRPr>
+            </a:lvl9pPr>
+          </a:lstStyle>
+          <a:p>
+            <a:r>
+              <a:rPr lang="en-US" altLang="ko-KR" b="1" dirty="0">
+                <a:solidFill>
+                  <a:schemeClr val="bg1"/>
+                </a:solidFill>
+              </a:rPr>
+              <a:t>p58</a:t>
+            </a:r>
+            <a:endParaRPr lang="ko-KR" altLang="en-US" b="1" dirty="0">
+              <a:solidFill>
+                <a:schemeClr val="bg1"/>
+              </a:solidFill>
+            </a:endParaRPr>
+          </a:p>
+        </p:txBody>
+      </p:sp>
     </p:spTree>
     <p:extLst>
       <p:ext uri="{BB962C8B-B14F-4D97-AF65-F5344CB8AC3E}">
@@ -16724,6 +21490,139 @@
           </a:fontRef>
         </p:style>
       </p:cxnSp>
+      <p:sp>
+        <p:nvSpPr>
+          <p:cNvPr id="21" name="TextBox 6">
+            <a:extLst>
+              <a:ext uri="{FF2B5EF4-FFF2-40B4-BE49-F238E27FC236}">
+                <a16:creationId xmlns:a16="http://schemas.microsoft.com/office/drawing/2014/main" id="{4BF042D1-9802-4833-BBA6-577421E8F74A}"/>
+              </a:ext>
+            </a:extLst>
+          </p:cNvPr>
+          <p:cNvSpPr txBox="1"/>
+          <p:nvPr/>
+        </p:nvSpPr>
+        <p:spPr>
+          <a:xfrm>
+            <a:off x="11445391" y="190598"/>
+            <a:ext cx="593432" cy="369332"/>
+          </a:xfrm>
+          <a:prstGeom prst="rect">
+            <a:avLst/>
+          </a:prstGeom>
+          <a:noFill/>
+        </p:spPr>
+        <p:txBody>
+          <a:bodyPr wrap="none" rtlCol="0">
+            <a:spAutoFit/>
+          </a:bodyPr>
+          <a:lstStyle>
+            <a:defPPr>
+              <a:defRPr lang="ko-KR"/>
+            </a:defPPr>
+            <a:lvl1pPr marL="0" algn="l" defTabSz="914400" rtl="0" eaLnBrk="1" latinLnBrk="1" hangingPunct="1">
+              <a:defRPr sz="1800" kern="1200">
+                <a:solidFill>
+                  <a:schemeClr val="tx1"/>
+                </a:solidFill>
+                <a:latin typeface="+mn-lt"/>
+                <a:ea typeface="+mn-ea"/>
+                <a:cs typeface="+mn-cs"/>
+              </a:defRPr>
+            </a:lvl1pPr>
+            <a:lvl2pPr marL="457200" algn="l" defTabSz="914400" rtl="0" eaLnBrk="1" latinLnBrk="1" hangingPunct="1">
+              <a:defRPr sz="1800" kern="1200">
+                <a:solidFill>
+                  <a:schemeClr val="tx1"/>
+                </a:solidFill>
+                <a:latin typeface="+mn-lt"/>
+                <a:ea typeface="+mn-ea"/>
+                <a:cs typeface="+mn-cs"/>
+              </a:defRPr>
+            </a:lvl2pPr>
+            <a:lvl3pPr marL="914400" algn="l" defTabSz="914400" rtl="0" eaLnBrk="1" latinLnBrk="1" hangingPunct="1">
+              <a:defRPr sz="1800" kern="1200">
+                <a:solidFill>
+                  <a:schemeClr val="tx1"/>
+                </a:solidFill>
+                <a:latin typeface="+mn-lt"/>
+                <a:ea typeface="+mn-ea"/>
+                <a:cs typeface="+mn-cs"/>
+              </a:defRPr>
+            </a:lvl3pPr>
+            <a:lvl4pPr marL="1371600" algn="l" defTabSz="914400" rtl="0" eaLnBrk="1" latinLnBrk="1" hangingPunct="1">
+              <a:defRPr sz="1800" kern="1200">
+                <a:solidFill>
+                  <a:schemeClr val="tx1"/>
+                </a:solidFill>
+                <a:latin typeface="+mn-lt"/>
+                <a:ea typeface="+mn-ea"/>
+                <a:cs typeface="+mn-cs"/>
+              </a:defRPr>
+            </a:lvl4pPr>
+            <a:lvl5pPr marL="1828800" algn="l" defTabSz="914400" rtl="0" eaLnBrk="1" latinLnBrk="1" hangingPunct="1">
+              <a:defRPr sz="1800" kern="1200">
+                <a:solidFill>
+                  <a:schemeClr val="tx1"/>
+                </a:solidFill>
+                <a:latin typeface="+mn-lt"/>
+                <a:ea typeface="+mn-ea"/>
+                <a:cs typeface="+mn-cs"/>
+              </a:defRPr>
+            </a:lvl5pPr>
+            <a:lvl6pPr marL="2286000" algn="l" defTabSz="914400" rtl="0" eaLnBrk="1" latinLnBrk="1" hangingPunct="1">
+              <a:defRPr sz="1800" kern="1200">
+                <a:solidFill>
+                  <a:schemeClr val="tx1"/>
+                </a:solidFill>
+                <a:latin typeface="+mn-lt"/>
+                <a:ea typeface="+mn-ea"/>
+                <a:cs typeface="+mn-cs"/>
+              </a:defRPr>
+            </a:lvl6pPr>
+            <a:lvl7pPr marL="2743200" algn="l" defTabSz="914400" rtl="0" eaLnBrk="1" latinLnBrk="1" hangingPunct="1">
+              <a:defRPr sz="1800" kern="1200">
+                <a:solidFill>
+                  <a:schemeClr val="tx1"/>
+                </a:solidFill>
+                <a:latin typeface="+mn-lt"/>
+                <a:ea typeface="+mn-ea"/>
+                <a:cs typeface="+mn-cs"/>
+              </a:defRPr>
+            </a:lvl7pPr>
+            <a:lvl8pPr marL="3200400" algn="l" defTabSz="914400" rtl="0" eaLnBrk="1" latinLnBrk="1" hangingPunct="1">
+              <a:defRPr sz="1800" kern="1200">
+                <a:solidFill>
+                  <a:schemeClr val="tx1"/>
+                </a:solidFill>
+                <a:latin typeface="+mn-lt"/>
+                <a:ea typeface="+mn-ea"/>
+                <a:cs typeface="+mn-cs"/>
+              </a:defRPr>
+            </a:lvl8pPr>
+            <a:lvl9pPr marL="3657600" algn="l" defTabSz="914400" rtl="0" eaLnBrk="1" latinLnBrk="1" hangingPunct="1">
+              <a:defRPr sz="1800" kern="1200">
+                <a:solidFill>
+                  <a:schemeClr val="tx1"/>
+                </a:solidFill>
+                <a:latin typeface="+mn-lt"/>
+                <a:ea typeface="+mn-ea"/>
+                <a:cs typeface="+mn-cs"/>
+              </a:defRPr>
+            </a:lvl9pPr>
+          </a:lstStyle>
+          <a:p>
+            <a:r>
+              <a:rPr lang="en-US" altLang="ko-KR" b="1" dirty="0">
+                <a:solidFill>
+                  <a:schemeClr val="bg1"/>
+                </a:solidFill>
+              </a:rPr>
+              <a:t>P61</a:t>
+            </a:r>
+          </a:p>
+        </p:txBody>
+      </p:sp>
     </p:spTree>
     <p:extLst>
       <p:ext uri="{BB962C8B-B14F-4D97-AF65-F5344CB8AC3E}">
@@ -18445,6 +23344,139 @@
           </a:fontRef>
         </p:style>
       </p:cxnSp>
+      <p:sp>
+        <p:nvSpPr>
+          <p:cNvPr id="21" name="TextBox 6">
+            <a:extLst>
+              <a:ext uri="{FF2B5EF4-FFF2-40B4-BE49-F238E27FC236}">
+                <a16:creationId xmlns:a16="http://schemas.microsoft.com/office/drawing/2014/main" id="{57FFD54B-CEEC-4744-BE11-D628EC37DB26}"/>
+              </a:ext>
+            </a:extLst>
+          </p:cNvPr>
+          <p:cNvSpPr txBox="1"/>
+          <p:nvPr/>
+        </p:nvSpPr>
+        <p:spPr>
+          <a:xfrm>
+            <a:off x="11445391" y="190598"/>
+            <a:ext cx="593432" cy="369332"/>
+          </a:xfrm>
+          <a:prstGeom prst="rect">
+            <a:avLst/>
+          </a:prstGeom>
+          <a:noFill/>
+        </p:spPr>
+        <p:txBody>
+          <a:bodyPr wrap="none" rtlCol="0">
+            <a:spAutoFit/>
+          </a:bodyPr>
+          <a:lstStyle>
+            <a:defPPr>
+              <a:defRPr lang="ko-KR"/>
+            </a:defPPr>
+            <a:lvl1pPr marL="0" algn="l" defTabSz="914400" rtl="0" eaLnBrk="1" latinLnBrk="1" hangingPunct="1">
+              <a:defRPr sz="1800" kern="1200">
+                <a:solidFill>
+                  <a:schemeClr val="tx1"/>
+                </a:solidFill>
+                <a:latin typeface="+mn-lt"/>
+                <a:ea typeface="+mn-ea"/>
+                <a:cs typeface="+mn-cs"/>
+              </a:defRPr>
+            </a:lvl1pPr>
+            <a:lvl2pPr marL="457200" algn="l" defTabSz="914400" rtl="0" eaLnBrk="1" latinLnBrk="1" hangingPunct="1">
+              <a:defRPr sz="1800" kern="1200">
+                <a:solidFill>
+                  <a:schemeClr val="tx1"/>
+                </a:solidFill>
+                <a:latin typeface="+mn-lt"/>
+                <a:ea typeface="+mn-ea"/>
+                <a:cs typeface="+mn-cs"/>
+              </a:defRPr>
+            </a:lvl2pPr>
+            <a:lvl3pPr marL="914400" algn="l" defTabSz="914400" rtl="0" eaLnBrk="1" latinLnBrk="1" hangingPunct="1">
+              <a:defRPr sz="1800" kern="1200">
+                <a:solidFill>
+                  <a:schemeClr val="tx1"/>
+                </a:solidFill>
+                <a:latin typeface="+mn-lt"/>
+                <a:ea typeface="+mn-ea"/>
+                <a:cs typeface="+mn-cs"/>
+              </a:defRPr>
+            </a:lvl3pPr>
+            <a:lvl4pPr marL="1371600" algn="l" defTabSz="914400" rtl="0" eaLnBrk="1" latinLnBrk="1" hangingPunct="1">
+              <a:defRPr sz="1800" kern="1200">
+                <a:solidFill>
+                  <a:schemeClr val="tx1"/>
+                </a:solidFill>
+                <a:latin typeface="+mn-lt"/>
+                <a:ea typeface="+mn-ea"/>
+                <a:cs typeface="+mn-cs"/>
+              </a:defRPr>
+            </a:lvl4pPr>
+            <a:lvl5pPr marL="1828800" algn="l" defTabSz="914400" rtl="0" eaLnBrk="1" latinLnBrk="1" hangingPunct="1">
+              <a:defRPr sz="1800" kern="1200">
+                <a:solidFill>
+                  <a:schemeClr val="tx1"/>
+                </a:solidFill>
+                <a:latin typeface="+mn-lt"/>
+                <a:ea typeface="+mn-ea"/>
+                <a:cs typeface="+mn-cs"/>
+              </a:defRPr>
+            </a:lvl5pPr>
+            <a:lvl6pPr marL="2286000" algn="l" defTabSz="914400" rtl="0" eaLnBrk="1" latinLnBrk="1" hangingPunct="1">
+              <a:defRPr sz="1800" kern="1200">
+                <a:solidFill>
+                  <a:schemeClr val="tx1"/>
+                </a:solidFill>
+                <a:latin typeface="+mn-lt"/>
+                <a:ea typeface="+mn-ea"/>
+                <a:cs typeface="+mn-cs"/>
+              </a:defRPr>
+            </a:lvl6pPr>
+            <a:lvl7pPr marL="2743200" algn="l" defTabSz="914400" rtl="0" eaLnBrk="1" latinLnBrk="1" hangingPunct="1">
+              <a:defRPr sz="1800" kern="1200">
+                <a:solidFill>
+                  <a:schemeClr val="tx1"/>
+                </a:solidFill>
+                <a:latin typeface="+mn-lt"/>
+                <a:ea typeface="+mn-ea"/>
+                <a:cs typeface="+mn-cs"/>
+              </a:defRPr>
+            </a:lvl7pPr>
+            <a:lvl8pPr marL="3200400" algn="l" defTabSz="914400" rtl="0" eaLnBrk="1" latinLnBrk="1" hangingPunct="1">
+              <a:defRPr sz="1800" kern="1200">
+                <a:solidFill>
+                  <a:schemeClr val="tx1"/>
+                </a:solidFill>
+                <a:latin typeface="+mn-lt"/>
+                <a:ea typeface="+mn-ea"/>
+                <a:cs typeface="+mn-cs"/>
+              </a:defRPr>
+            </a:lvl8pPr>
+            <a:lvl9pPr marL="3657600" algn="l" defTabSz="914400" rtl="0" eaLnBrk="1" latinLnBrk="1" hangingPunct="1">
+              <a:defRPr sz="1800" kern="1200">
+                <a:solidFill>
+                  <a:schemeClr val="tx1"/>
+                </a:solidFill>
+                <a:latin typeface="+mn-lt"/>
+                <a:ea typeface="+mn-ea"/>
+                <a:cs typeface="+mn-cs"/>
+              </a:defRPr>
+            </a:lvl9pPr>
+          </a:lstStyle>
+          <a:p>
+            <a:r>
+              <a:rPr lang="en-US" altLang="ko-KR" b="1" dirty="0">
+                <a:solidFill>
+                  <a:schemeClr val="bg1"/>
+                </a:solidFill>
+              </a:rPr>
+              <a:t>P63</a:t>
+            </a:r>
+          </a:p>
+        </p:txBody>
+      </p:sp>
     </p:spTree>
     <p:extLst>
       <p:ext uri="{BB962C8B-B14F-4D97-AF65-F5344CB8AC3E}">
@@ -20094,6 +25126,139 @@
           </a:p>
         </p:txBody>
       </p:sp>
+      <p:sp>
+        <p:nvSpPr>
+          <p:cNvPr id="11" name="TextBox 6">
+            <a:extLst>
+              <a:ext uri="{FF2B5EF4-FFF2-40B4-BE49-F238E27FC236}">
+                <a16:creationId xmlns:a16="http://schemas.microsoft.com/office/drawing/2014/main" id="{685F40DF-FE7D-4936-870B-5CC36CD429DA}"/>
+              </a:ext>
+            </a:extLst>
+          </p:cNvPr>
+          <p:cNvSpPr txBox="1"/>
+          <p:nvPr/>
+        </p:nvSpPr>
+        <p:spPr>
+          <a:xfrm>
+            <a:off x="11445391" y="190598"/>
+            <a:ext cx="593432" cy="369332"/>
+          </a:xfrm>
+          <a:prstGeom prst="rect">
+            <a:avLst/>
+          </a:prstGeom>
+          <a:noFill/>
+        </p:spPr>
+        <p:txBody>
+          <a:bodyPr wrap="none" rtlCol="0">
+            <a:spAutoFit/>
+          </a:bodyPr>
+          <a:lstStyle>
+            <a:defPPr>
+              <a:defRPr lang="ko-KR"/>
+            </a:defPPr>
+            <a:lvl1pPr marL="0" algn="l" defTabSz="914400" rtl="0" eaLnBrk="1" latinLnBrk="1" hangingPunct="1">
+              <a:defRPr sz="1800" kern="1200">
+                <a:solidFill>
+                  <a:schemeClr val="tx1"/>
+                </a:solidFill>
+                <a:latin typeface="+mn-lt"/>
+                <a:ea typeface="+mn-ea"/>
+                <a:cs typeface="+mn-cs"/>
+              </a:defRPr>
+            </a:lvl1pPr>
+            <a:lvl2pPr marL="457200" algn="l" defTabSz="914400" rtl="0" eaLnBrk="1" latinLnBrk="1" hangingPunct="1">
+              <a:defRPr sz="1800" kern="1200">
+                <a:solidFill>
+                  <a:schemeClr val="tx1"/>
+                </a:solidFill>
+                <a:latin typeface="+mn-lt"/>
+                <a:ea typeface="+mn-ea"/>
+                <a:cs typeface="+mn-cs"/>
+              </a:defRPr>
+            </a:lvl2pPr>
+            <a:lvl3pPr marL="914400" algn="l" defTabSz="914400" rtl="0" eaLnBrk="1" latinLnBrk="1" hangingPunct="1">
+              <a:defRPr sz="1800" kern="1200">
+                <a:solidFill>
+                  <a:schemeClr val="tx1"/>
+                </a:solidFill>
+                <a:latin typeface="+mn-lt"/>
+                <a:ea typeface="+mn-ea"/>
+                <a:cs typeface="+mn-cs"/>
+              </a:defRPr>
+            </a:lvl3pPr>
+            <a:lvl4pPr marL="1371600" algn="l" defTabSz="914400" rtl="0" eaLnBrk="1" latinLnBrk="1" hangingPunct="1">
+              <a:defRPr sz="1800" kern="1200">
+                <a:solidFill>
+                  <a:schemeClr val="tx1"/>
+                </a:solidFill>
+                <a:latin typeface="+mn-lt"/>
+                <a:ea typeface="+mn-ea"/>
+                <a:cs typeface="+mn-cs"/>
+              </a:defRPr>
+            </a:lvl4pPr>
+            <a:lvl5pPr marL="1828800" algn="l" defTabSz="914400" rtl="0" eaLnBrk="1" latinLnBrk="1" hangingPunct="1">
+              <a:defRPr sz="1800" kern="1200">
+                <a:solidFill>
+                  <a:schemeClr val="tx1"/>
+                </a:solidFill>
+                <a:latin typeface="+mn-lt"/>
+                <a:ea typeface="+mn-ea"/>
+                <a:cs typeface="+mn-cs"/>
+              </a:defRPr>
+            </a:lvl5pPr>
+            <a:lvl6pPr marL="2286000" algn="l" defTabSz="914400" rtl="0" eaLnBrk="1" latinLnBrk="1" hangingPunct="1">
+              <a:defRPr sz="1800" kern="1200">
+                <a:solidFill>
+                  <a:schemeClr val="tx1"/>
+                </a:solidFill>
+                <a:latin typeface="+mn-lt"/>
+                <a:ea typeface="+mn-ea"/>
+                <a:cs typeface="+mn-cs"/>
+              </a:defRPr>
+            </a:lvl6pPr>
+            <a:lvl7pPr marL="2743200" algn="l" defTabSz="914400" rtl="0" eaLnBrk="1" latinLnBrk="1" hangingPunct="1">
+              <a:defRPr sz="1800" kern="1200">
+                <a:solidFill>
+                  <a:schemeClr val="tx1"/>
+                </a:solidFill>
+                <a:latin typeface="+mn-lt"/>
+                <a:ea typeface="+mn-ea"/>
+                <a:cs typeface="+mn-cs"/>
+              </a:defRPr>
+            </a:lvl7pPr>
+            <a:lvl8pPr marL="3200400" algn="l" defTabSz="914400" rtl="0" eaLnBrk="1" latinLnBrk="1" hangingPunct="1">
+              <a:defRPr sz="1800" kern="1200">
+                <a:solidFill>
+                  <a:schemeClr val="tx1"/>
+                </a:solidFill>
+                <a:latin typeface="+mn-lt"/>
+                <a:ea typeface="+mn-ea"/>
+                <a:cs typeface="+mn-cs"/>
+              </a:defRPr>
+            </a:lvl8pPr>
+            <a:lvl9pPr marL="3657600" algn="l" defTabSz="914400" rtl="0" eaLnBrk="1" latinLnBrk="1" hangingPunct="1">
+              <a:defRPr sz="1800" kern="1200">
+                <a:solidFill>
+                  <a:schemeClr val="tx1"/>
+                </a:solidFill>
+                <a:latin typeface="+mn-lt"/>
+                <a:ea typeface="+mn-ea"/>
+                <a:cs typeface="+mn-cs"/>
+              </a:defRPr>
+            </a:lvl9pPr>
+          </a:lstStyle>
+          <a:p>
+            <a:r>
+              <a:rPr lang="en-US" altLang="ko-KR" b="1" dirty="0">
+                <a:solidFill>
+                  <a:schemeClr val="bg1"/>
+                </a:solidFill>
+              </a:rPr>
+              <a:t>P66</a:t>
+            </a:r>
+          </a:p>
+        </p:txBody>
+      </p:sp>
     </p:spTree>
     <p:extLst>
       <p:ext uri="{BB962C8B-B14F-4D97-AF65-F5344CB8AC3E}">
@@ -21568,6 +26733,139 @@
               <a:t>:02/dl.html</a:t>
             </a:r>
             <a:endParaRPr lang="ko-KR" altLang="en-US" sz="1100" b="1"/>
+          </a:p>
+        </p:txBody>
+      </p:sp>
+      <p:sp>
+        <p:nvSpPr>
+          <p:cNvPr id="8" name="TextBox 6">
+            <a:extLst>
+              <a:ext uri="{FF2B5EF4-FFF2-40B4-BE49-F238E27FC236}">
+                <a16:creationId xmlns:a16="http://schemas.microsoft.com/office/drawing/2014/main" id="{9319453A-A974-4562-BA05-884C5A2D4773}"/>
+              </a:ext>
+            </a:extLst>
+          </p:cNvPr>
+          <p:cNvSpPr txBox="1"/>
+          <p:nvPr/>
+        </p:nvSpPr>
+        <p:spPr>
+          <a:xfrm>
+            <a:off x="11445391" y="190598"/>
+            <a:ext cx="593432" cy="369332"/>
+          </a:xfrm>
+          <a:prstGeom prst="rect">
+            <a:avLst/>
+          </a:prstGeom>
+          <a:noFill/>
+        </p:spPr>
+        <p:txBody>
+          <a:bodyPr wrap="none" rtlCol="0">
+            <a:spAutoFit/>
+          </a:bodyPr>
+          <a:lstStyle>
+            <a:defPPr>
+              <a:defRPr lang="ko-KR"/>
+            </a:defPPr>
+            <a:lvl1pPr marL="0" algn="l" defTabSz="914400" rtl="0" eaLnBrk="1" latinLnBrk="1" hangingPunct="1">
+              <a:defRPr sz="1800" kern="1200">
+                <a:solidFill>
+                  <a:schemeClr val="tx1"/>
+                </a:solidFill>
+                <a:latin typeface="+mn-lt"/>
+                <a:ea typeface="+mn-ea"/>
+                <a:cs typeface="+mn-cs"/>
+              </a:defRPr>
+            </a:lvl1pPr>
+            <a:lvl2pPr marL="457200" algn="l" defTabSz="914400" rtl="0" eaLnBrk="1" latinLnBrk="1" hangingPunct="1">
+              <a:defRPr sz="1800" kern="1200">
+                <a:solidFill>
+                  <a:schemeClr val="tx1"/>
+                </a:solidFill>
+                <a:latin typeface="+mn-lt"/>
+                <a:ea typeface="+mn-ea"/>
+                <a:cs typeface="+mn-cs"/>
+              </a:defRPr>
+            </a:lvl2pPr>
+            <a:lvl3pPr marL="914400" algn="l" defTabSz="914400" rtl="0" eaLnBrk="1" latinLnBrk="1" hangingPunct="1">
+              <a:defRPr sz="1800" kern="1200">
+                <a:solidFill>
+                  <a:schemeClr val="tx1"/>
+                </a:solidFill>
+                <a:latin typeface="+mn-lt"/>
+                <a:ea typeface="+mn-ea"/>
+                <a:cs typeface="+mn-cs"/>
+              </a:defRPr>
+            </a:lvl3pPr>
+            <a:lvl4pPr marL="1371600" algn="l" defTabSz="914400" rtl="0" eaLnBrk="1" latinLnBrk="1" hangingPunct="1">
+              <a:defRPr sz="1800" kern="1200">
+                <a:solidFill>
+                  <a:schemeClr val="tx1"/>
+                </a:solidFill>
+                <a:latin typeface="+mn-lt"/>
+                <a:ea typeface="+mn-ea"/>
+                <a:cs typeface="+mn-cs"/>
+              </a:defRPr>
+            </a:lvl4pPr>
+            <a:lvl5pPr marL="1828800" algn="l" defTabSz="914400" rtl="0" eaLnBrk="1" latinLnBrk="1" hangingPunct="1">
+              <a:defRPr sz="1800" kern="1200">
+                <a:solidFill>
+                  <a:schemeClr val="tx1"/>
+                </a:solidFill>
+                <a:latin typeface="+mn-lt"/>
+                <a:ea typeface="+mn-ea"/>
+                <a:cs typeface="+mn-cs"/>
+              </a:defRPr>
+            </a:lvl5pPr>
+            <a:lvl6pPr marL="2286000" algn="l" defTabSz="914400" rtl="0" eaLnBrk="1" latinLnBrk="1" hangingPunct="1">
+              <a:defRPr sz="1800" kern="1200">
+                <a:solidFill>
+                  <a:schemeClr val="tx1"/>
+                </a:solidFill>
+                <a:latin typeface="+mn-lt"/>
+                <a:ea typeface="+mn-ea"/>
+                <a:cs typeface="+mn-cs"/>
+              </a:defRPr>
+            </a:lvl6pPr>
+            <a:lvl7pPr marL="2743200" algn="l" defTabSz="914400" rtl="0" eaLnBrk="1" latinLnBrk="1" hangingPunct="1">
+              <a:defRPr sz="1800" kern="1200">
+                <a:solidFill>
+                  <a:schemeClr val="tx1"/>
+                </a:solidFill>
+                <a:latin typeface="+mn-lt"/>
+                <a:ea typeface="+mn-ea"/>
+                <a:cs typeface="+mn-cs"/>
+              </a:defRPr>
+            </a:lvl7pPr>
+            <a:lvl8pPr marL="3200400" algn="l" defTabSz="914400" rtl="0" eaLnBrk="1" latinLnBrk="1" hangingPunct="1">
+              <a:defRPr sz="1800" kern="1200">
+                <a:solidFill>
+                  <a:schemeClr val="tx1"/>
+                </a:solidFill>
+                <a:latin typeface="+mn-lt"/>
+                <a:ea typeface="+mn-ea"/>
+                <a:cs typeface="+mn-cs"/>
+              </a:defRPr>
+            </a:lvl8pPr>
+            <a:lvl9pPr marL="3657600" algn="l" defTabSz="914400" rtl="0" eaLnBrk="1" latinLnBrk="1" hangingPunct="1">
+              <a:defRPr sz="1800" kern="1200">
+                <a:solidFill>
+                  <a:schemeClr val="tx1"/>
+                </a:solidFill>
+                <a:latin typeface="+mn-lt"/>
+                <a:ea typeface="+mn-ea"/>
+                <a:cs typeface="+mn-cs"/>
+              </a:defRPr>
+            </a:lvl9pPr>
+          </a:lstStyle>
+          <a:p>
+            <a:r>
+              <a:rPr lang="en-US" altLang="ko-KR" b="1" dirty="0">
+                <a:solidFill>
+                  <a:schemeClr val="bg1"/>
+                </a:solidFill>
+              </a:rPr>
+              <a:t>P69</a:t>
+            </a:r>
           </a:p>
         </p:txBody>
       </p:sp>
@@ -24294,6 +29592,139 @@
           </a:prstGeom>
         </p:spPr>
       </p:pic>
+      <p:sp>
+        <p:nvSpPr>
+          <p:cNvPr id="29" name="TextBox 6">
+            <a:extLst>
+              <a:ext uri="{FF2B5EF4-FFF2-40B4-BE49-F238E27FC236}">
+                <a16:creationId xmlns:a16="http://schemas.microsoft.com/office/drawing/2014/main" id="{6ACDC060-CF44-4B25-8121-2C3B08E1AB77}"/>
+              </a:ext>
+            </a:extLst>
+          </p:cNvPr>
+          <p:cNvSpPr txBox="1"/>
+          <p:nvPr/>
+        </p:nvSpPr>
+        <p:spPr>
+          <a:xfrm>
+            <a:off x="11445391" y="190598"/>
+            <a:ext cx="593432" cy="369332"/>
+          </a:xfrm>
+          <a:prstGeom prst="rect">
+            <a:avLst/>
+          </a:prstGeom>
+          <a:noFill/>
+        </p:spPr>
+        <p:txBody>
+          <a:bodyPr wrap="none" rtlCol="0">
+            <a:spAutoFit/>
+          </a:bodyPr>
+          <a:lstStyle>
+            <a:defPPr>
+              <a:defRPr lang="ko-KR"/>
+            </a:defPPr>
+            <a:lvl1pPr marL="0" algn="l" defTabSz="914400" rtl="0" eaLnBrk="1" latinLnBrk="1" hangingPunct="1">
+              <a:defRPr sz="1800" kern="1200">
+                <a:solidFill>
+                  <a:schemeClr val="tx1"/>
+                </a:solidFill>
+                <a:latin typeface="+mn-lt"/>
+                <a:ea typeface="+mn-ea"/>
+                <a:cs typeface="+mn-cs"/>
+              </a:defRPr>
+            </a:lvl1pPr>
+            <a:lvl2pPr marL="457200" algn="l" defTabSz="914400" rtl="0" eaLnBrk="1" latinLnBrk="1" hangingPunct="1">
+              <a:defRPr sz="1800" kern="1200">
+                <a:solidFill>
+                  <a:schemeClr val="tx1"/>
+                </a:solidFill>
+                <a:latin typeface="+mn-lt"/>
+                <a:ea typeface="+mn-ea"/>
+                <a:cs typeface="+mn-cs"/>
+              </a:defRPr>
+            </a:lvl2pPr>
+            <a:lvl3pPr marL="914400" algn="l" defTabSz="914400" rtl="0" eaLnBrk="1" latinLnBrk="1" hangingPunct="1">
+              <a:defRPr sz="1800" kern="1200">
+                <a:solidFill>
+                  <a:schemeClr val="tx1"/>
+                </a:solidFill>
+                <a:latin typeface="+mn-lt"/>
+                <a:ea typeface="+mn-ea"/>
+                <a:cs typeface="+mn-cs"/>
+              </a:defRPr>
+            </a:lvl3pPr>
+            <a:lvl4pPr marL="1371600" algn="l" defTabSz="914400" rtl="0" eaLnBrk="1" latinLnBrk="1" hangingPunct="1">
+              <a:defRPr sz="1800" kern="1200">
+                <a:solidFill>
+                  <a:schemeClr val="tx1"/>
+                </a:solidFill>
+                <a:latin typeface="+mn-lt"/>
+                <a:ea typeface="+mn-ea"/>
+                <a:cs typeface="+mn-cs"/>
+              </a:defRPr>
+            </a:lvl4pPr>
+            <a:lvl5pPr marL="1828800" algn="l" defTabSz="914400" rtl="0" eaLnBrk="1" latinLnBrk="1" hangingPunct="1">
+              <a:defRPr sz="1800" kern="1200">
+                <a:solidFill>
+                  <a:schemeClr val="tx1"/>
+                </a:solidFill>
+                <a:latin typeface="+mn-lt"/>
+                <a:ea typeface="+mn-ea"/>
+                <a:cs typeface="+mn-cs"/>
+              </a:defRPr>
+            </a:lvl5pPr>
+            <a:lvl6pPr marL="2286000" algn="l" defTabSz="914400" rtl="0" eaLnBrk="1" latinLnBrk="1" hangingPunct="1">
+              <a:defRPr sz="1800" kern="1200">
+                <a:solidFill>
+                  <a:schemeClr val="tx1"/>
+                </a:solidFill>
+                <a:latin typeface="+mn-lt"/>
+                <a:ea typeface="+mn-ea"/>
+                <a:cs typeface="+mn-cs"/>
+              </a:defRPr>
+            </a:lvl6pPr>
+            <a:lvl7pPr marL="2743200" algn="l" defTabSz="914400" rtl="0" eaLnBrk="1" latinLnBrk="1" hangingPunct="1">
+              <a:defRPr sz="1800" kern="1200">
+                <a:solidFill>
+                  <a:schemeClr val="tx1"/>
+                </a:solidFill>
+                <a:latin typeface="+mn-lt"/>
+                <a:ea typeface="+mn-ea"/>
+                <a:cs typeface="+mn-cs"/>
+              </a:defRPr>
+            </a:lvl7pPr>
+            <a:lvl8pPr marL="3200400" algn="l" defTabSz="914400" rtl="0" eaLnBrk="1" latinLnBrk="1" hangingPunct="1">
+              <a:defRPr sz="1800" kern="1200">
+                <a:solidFill>
+                  <a:schemeClr val="tx1"/>
+                </a:solidFill>
+                <a:latin typeface="+mn-lt"/>
+                <a:ea typeface="+mn-ea"/>
+                <a:cs typeface="+mn-cs"/>
+              </a:defRPr>
+            </a:lvl8pPr>
+            <a:lvl9pPr marL="3657600" algn="l" defTabSz="914400" rtl="0" eaLnBrk="1" latinLnBrk="1" hangingPunct="1">
+              <a:defRPr sz="1800" kern="1200">
+                <a:solidFill>
+                  <a:schemeClr val="tx1"/>
+                </a:solidFill>
+                <a:latin typeface="+mn-lt"/>
+                <a:ea typeface="+mn-ea"/>
+                <a:cs typeface="+mn-cs"/>
+              </a:defRPr>
+            </a:lvl9pPr>
+          </a:lstStyle>
+          <a:p>
+            <a:r>
+              <a:rPr lang="en-US" altLang="ko-KR" b="1" dirty="0">
+                <a:solidFill>
+                  <a:schemeClr val="bg1"/>
+                </a:solidFill>
+              </a:rPr>
+              <a:t>P78</a:t>
+            </a:r>
+          </a:p>
+        </p:txBody>
+      </p:sp>
     </p:spTree>
     <p:extLst>
       <p:ext uri="{BB962C8B-B14F-4D97-AF65-F5344CB8AC3E}">
